--- a/draft-gandhi-ippm-twamp-srpm-00.pptx
+++ b/draft-gandhi-ippm-twamp-srpm-00.pptx
@@ -251,7 +251,7 @@
           <a:p>
             <a:fld id="{E8FA3DB5-7722-3F4F-947D-12B203669AD7}" type="datetimeFigureOut">
               <a:rPr lang="en-US" smtClean="0"/>
-              <a:t>11/7/20</a:t>
+              <a:t>11/9/20</a:t>
             </a:fld>
             <a:endParaRPr lang="en-US"/>
           </a:p>
@@ -4592,7 +4592,7 @@
         </p:nvSpPr>
         <p:spPr>
           <a:xfrm>
-            <a:off x="609600" y="2051579"/>
+            <a:off x="685800" y="2051579"/>
             <a:ext cx="7696200" cy="578643"/>
           </a:xfrm>
         </p:spPr>
@@ -4972,8 +4972,13 @@
           <a:p>
             <a:r>
               <a:rPr lang="en-US" sz="2400" dirty="0"/>
-              <a:t>Summary</a:t>
-            </a:r>
+              <a:t>Summary </a:t>
+            </a:r>
+            <a:r>
+              <a:rPr lang="en-US" sz="2400"/>
+              <a:t>of Extensions</a:t>
+            </a:r>
+            <a:endParaRPr lang="en-US" sz="2400" dirty="0"/>
           </a:p>
           <a:p>
             <a:r>
@@ -5709,7 +5714,7 @@
                 <a:latin typeface="Calibri Light" panose="020F0302020204030204" pitchFamily="34" charset="0"/>
                 <a:cs typeface="Calibri Light" panose="020F0302020204030204" pitchFamily="34" charset="0"/>
               </a:rPr>
-              <a:t>TWAMP Light Control Code Field</a:t>
+              <a:t>TWAMP Light - Session-Sender Control Code Field</a:t>
             </a:r>
           </a:p>
         </p:txBody>
@@ -6422,7 +6427,7 @@
                 <a:latin typeface="Calibri" panose="020F0502020204030204" pitchFamily="34" charset="0"/>
                 <a:cs typeface="Calibri" panose="020F0502020204030204" pitchFamily="34" charset="0"/>
               </a:rPr>
-              <a:t>Sender Control Code</a:t>
+              <a:t>Session-Sender Control Code</a:t>
             </a:r>
           </a:p>
           <a:p>
@@ -6558,7 +6563,7 @@
                 <a:latin typeface="Calibri" panose="020F0502020204030204" pitchFamily="34" charset="0"/>
                 <a:cs typeface="Calibri" panose="020F0502020204030204" pitchFamily="34" charset="0"/>
               </a:rPr>
-              <a:t>With this, the reflector node does not require any additional SR state for PM (recall that in SR networks, the state is in the probe packet and signaling of the parameters is avoided).</a:t>
+              <a:t>With this, the Session-Reflector node does not require any additional SR state for PM (recall that in SR networks, the state is in the probe packet and signaling of the parameters is avoided).</a:t>
             </a:r>
           </a:p>
           <a:p>
@@ -6638,7 +6643,7 @@
                 <a:latin typeface="Calibri Light" panose="020F0302020204030204" pitchFamily="34" charset="0"/>
                 <a:cs typeface="Calibri Light" panose="020F0302020204030204" pitchFamily="34" charset="0"/>
               </a:rPr>
-              <a:t>Stand-alone Direct-mode LM Message Format for TWAMP Light</a:t>
+              <a:t>TWAMP Light - Stand-alone Direct-mode LM Message Format</a:t>
             </a:r>
           </a:p>
         </p:txBody>
@@ -6756,7 +6761,7 @@
                 <a:ea typeface="Courier" charset="0"/>
                 <a:cs typeface="Courier New" panose="02070309020205020404" pitchFamily="49" charset="0"/>
               </a:rPr>
-              <a:t>.  Source IP Address = Sender IPv4 or IPv6 Address              .</a:t>
+              <a:t>.  Source IP Address = Session-Sender IPv4 or IPv6 Address      .</a:t>
             </a:r>
             <a:endParaRPr lang="en-US" sz="800" dirty="0">
               <a:latin typeface="Courier" pitchFamily="2" charset="0"/>
@@ -6776,7 +6781,39 @@
                 <a:ea typeface="Courier" charset="0"/>
                 <a:cs typeface="Courier New" panose="02070309020205020404" pitchFamily="49" charset="0"/>
               </a:rPr>
-              <a:t>.  Destination IP Address = Reflector IPv4 or IPv6 Address      .</a:t>
+              <a:t>.  Destination IP Address = Session-Reflector IPv4 or </a:t>
+            </a:r>
+            <a:r>
+              <a:rPr lang="en-CA" sz="800" dirty="0" err="1">
+                <a:latin typeface="Courier" pitchFamily="2" charset="0"/>
+                <a:ea typeface="Courier" charset="0"/>
+                <a:cs typeface="Courier New" panose="02070309020205020404" pitchFamily="49" charset="0"/>
+              </a:rPr>
+              <a:t>IPv</a:t>
+            </a:r>
+            <a:r>
+              <a:rPr lang="en-CA" sz="800" dirty="0">
+                <a:latin typeface="Courier" pitchFamily="2" charset="0"/>
+                <a:ea typeface="Courier" charset="0"/>
+                <a:cs typeface="Courier New" panose="02070309020205020404" pitchFamily="49" charset="0"/>
+              </a:rPr>
+              <a:t> </a:t>
+            </a:r>
+            <a:r>
+              <a:rPr lang="en-CA" sz="800" dirty="0" err="1">
+                <a:latin typeface="Courier" pitchFamily="2" charset="0"/>
+                <a:ea typeface="Courier" charset="0"/>
+                <a:cs typeface="Courier New" panose="02070309020205020404" pitchFamily="49" charset="0"/>
+              </a:rPr>
+              <a:t>Addr</a:t>
+            </a:r>
+            <a:r>
+              <a:rPr lang="en-CA" sz="800" dirty="0">
+                <a:latin typeface="Courier" pitchFamily="2" charset="0"/>
+                <a:ea typeface="Courier" charset="0"/>
+                <a:cs typeface="Courier New" panose="02070309020205020404" pitchFamily="49" charset="0"/>
+              </a:rPr>
+              <a:t>  .</a:t>
             </a:r>
             <a:endParaRPr lang="en-US" sz="800" dirty="0">
               <a:latin typeface="Courier" pitchFamily="2" charset="0"/>
@@ -6876,7 +6913,7 @@
                 <a:ea typeface="Courier" charset="0"/>
                 <a:cs typeface="Courier New" panose="02070309020205020404" pitchFamily="49" charset="0"/>
               </a:rPr>
-              <a:t>.  Source Port = As chosen by Sender                            .</a:t>
+              <a:t>.  Source Port = As chosen by Session-Sender                    .</a:t>
             </a:r>
             <a:endParaRPr lang="en-US" sz="800" dirty="0">
               <a:latin typeface="Courier" pitchFamily="2" charset="0"/>
@@ -7143,7 +7180,7 @@
                 <a:ea typeface="Courier" charset="0"/>
                 <a:cs typeface="Courier New" panose="02070309020205020404" pitchFamily="49" charset="0"/>
               </a:rPr>
-              <a:t>|                        Sender Sequence Number                 |</a:t>
+              <a:t>|                        Session-Sender Sequence Number         |</a:t>
             </a:r>
           </a:p>
           <a:p>
@@ -7185,7 +7222,35 @@
                 <a:ea typeface="Courier" charset="0"/>
                 <a:cs typeface="Courier New" panose="02070309020205020404" pitchFamily="49" charset="0"/>
               </a:rPr>
-              <a:t>|                        Sender Counter                         |</a:t>
+              <a:t>|                        Session-Sender </a:t>
+            </a:r>
+            <a:r>
+              <a:rPr lang="en-US" sz="800">
+                <a:solidFill>
+                  <a:schemeClr val="tx2">
+                    <a:lumMod val="60000"/>
+                    <a:lumOff val="40000"/>
+                  </a:schemeClr>
+                </a:solidFill>
+                <a:latin typeface="Courier" pitchFamily="2" charset="0"/>
+                <a:ea typeface="Courier" charset="0"/>
+                <a:cs typeface="Courier New" panose="02070309020205020404" pitchFamily="49" charset="0"/>
+              </a:rPr>
+              <a:t>Counter                 </a:t>
+            </a:r>
+            <a:r>
+              <a:rPr lang="en-US" sz="800" dirty="0">
+                <a:solidFill>
+                  <a:schemeClr val="tx2">
+                    <a:lumMod val="60000"/>
+                    <a:lumOff val="40000"/>
+                  </a:schemeClr>
+                </a:solidFill>
+                <a:latin typeface="Courier" pitchFamily="2" charset="0"/>
+                <a:ea typeface="Courier" charset="0"/>
+                <a:cs typeface="Courier New" panose="02070309020205020404" pitchFamily="49" charset="0"/>
+              </a:rPr>
+              <a:t>|</a:t>
             </a:r>
           </a:p>
           <a:p>
@@ -7717,7 +7782,7 @@
           <a:p>
             <a:r>
               <a:rPr lang="en-US" sz="1400" kern="0" dirty="0"/>
-              <a:t>Stand-alone Direct-mode Loss Measurement (LM) message defined</a:t>
+              <a:t>Stand-alone Direct-mode Loss Measurement (LM) query and response messages defined</a:t>
             </a:r>
           </a:p>
           <a:p>
@@ -7762,13 +7827,13 @@
             </a:r>
             <a:r>
               <a:rPr lang="en-US" sz="1400" kern="0" dirty="0"/>
-              <a:t> is used for identifying LM probe packets</a:t>
+              <a:t> is used for identifying direct-mode LM probe packets</a:t>
             </a:r>
           </a:p>
           <a:p>
             <a:r>
               <a:rPr lang="en-US" sz="1400" kern="0" dirty="0"/>
-              <a:t>Does not modify existing TWAMP Light  (which is for DM) procedure as different destination UDP is used for LM</a:t>
+              <a:t>Does not modify existing TWAMP Light  (which is for DM) procedure as different destination UDP port is used for direct-mode LM</a:t>
             </a:r>
           </a:p>
         </p:txBody>

--- a/draft-gandhi-ippm-twamp-srpm-00.pptx
+++ b/draft-gandhi-ippm-twamp-srpm-00.pptx
@@ -7963,12 +7963,6 @@
                 <a:cs typeface="Calibri" charset="0"/>
               </a:rPr>
               <a:t>Welcome your comments and suggestions</a:t>
-            </a:r>
-          </a:p>
-          <a:p>
-            <a:r>
-              <a:rPr lang="en-US" sz="2400" dirty="0"/>
-              <a:t>Implementation exists</a:t>
             </a:r>
           </a:p>
           <a:p>

--- a/draft-gandhi-ippm-twamp-srpm-00.pptx
+++ b/draft-gandhi-ippm-twamp-srpm-00.pptx
@@ -251,7 +251,7 @@
           <a:p>
             <a:fld id="{E8FA3DB5-7722-3F4F-947D-12B203669AD7}" type="datetimeFigureOut">
               <a:rPr lang="en-US" smtClean="0"/>
-              <a:t>11/9/20</a:t>
+              <a:t>11/10/20</a:t>
             </a:fld>
             <a:endParaRPr lang="en-US"/>
           </a:p>
@@ -5150,27 +5150,7 @@
             </a:pPr>
             <a:r>
               <a:rPr lang="en-US" sz="1600" dirty="0"/>
-              <a:t>Delay and Loss Performance Measurement (PM) </a:t>
-            </a:r>
-          </a:p>
-          <a:p>
-            <a:pPr lvl="2">
-              <a:buFont typeface="Wingdings" pitchFamily="2" charset="2"/>
-              <a:buChar char="ü"/>
-            </a:pPr>
-            <a:r>
-              <a:rPr lang="en-US" sz="1600" dirty="0"/>
-              <a:t>Links and End-to-end P2P/P2MP SR Paths</a:t>
-            </a:r>
-          </a:p>
-          <a:p>
-            <a:pPr lvl="2">
-              <a:buFont typeface="Wingdings" charset="2"/>
-              <a:buChar char="ü"/>
-            </a:pPr>
-            <a:r>
-              <a:rPr lang="en-US" sz="1600" dirty="0"/>
-              <a:t>Applicable to SR-MPLS/SRv6 data planes</a:t>
+              <a:t>Delay and Synthetic Loss Performance Measurement </a:t>
             </a:r>
           </a:p>
           <a:p>
@@ -5180,7 +5160,7 @@
             </a:pPr>
             <a:r>
               <a:rPr lang="en-US" sz="1600" dirty="0"/>
-              <a:t>Support stand-alone direct-mode loss measurement</a:t>
+              <a:t>Support stand-alone direct-mode Loss Measurement</a:t>
             </a:r>
           </a:p>
           <a:p>
@@ -5969,7 +5949,7 @@
                 <a:latin typeface="Courier" pitchFamily="2" charset="0"/>
                 <a:ea typeface="Times New Roman" panose="02020603050405020304" pitchFamily="18" charset="0"/>
               </a:rPr>
-              <a:t>|                          Timestamp                            |</a:t>
+              <a:t>|                        Timestamp                              |</a:t>
             </a:r>
           </a:p>
           <a:p>
@@ -6269,7 +6249,7 @@
                 <a:latin typeface="Courier" pitchFamily="2" charset="0"/>
                 <a:ea typeface="Times New Roman" panose="02020603050405020304" pitchFamily="18" charset="0"/>
               </a:rPr>
-              <a:t>.                          Padding                              .</a:t>
+              <a:t>.                        Padding                                .</a:t>
             </a:r>
           </a:p>
           <a:p>
@@ -6533,8 +6513,8 @@
         </p:nvSpPr>
         <p:spPr>
           <a:xfrm>
-            <a:off x="0" y="3758505"/>
-            <a:ext cx="3548477" cy="1384995"/>
+            <a:off x="213732" y="4160699"/>
+            <a:ext cx="3548477" cy="523220"/>
           </a:xfrm>
           <a:prstGeom prst="rect">
             <a:avLst/>
@@ -6563,23 +6543,7 @@
                 <a:latin typeface="Calibri" panose="020F0502020204030204" pitchFamily="34" charset="0"/>
                 <a:cs typeface="Calibri" panose="020F0502020204030204" pitchFamily="34" charset="0"/>
               </a:rPr>
-              <a:t>With this, the Session-Reflector node does not require any additional SR state for PM (recall that in SR networks, the state is in the probe packet and signaling of the parameters is avoided).</a:t>
-            </a:r>
-          </a:p>
-          <a:p>
-            <a:pPr marL="285750" indent="-285750">
-              <a:buFont typeface="Arial" panose="020B0604020202020204" pitchFamily="34" charset="0"/>
-              <a:buChar char="•"/>
-            </a:pPr>
-            <a:r>
-              <a:rPr lang="en-US" sz="1400" dirty="0">
-                <a:solidFill>
-                  <a:schemeClr val="tx2"/>
-                </a:solidFill>
-                <a:latin typeface="Calibri" panose="020F0502020204030204" pitchFamily="34" charset="0"/>
-                <a:cs typeface="Calibri" panose="020F0502020204030204" pitchFamily="34" charset="0"/>
-              </a:rPr>
-              <a:t>Also applicable to non-SR paths.</a:t>
+              <a:t>With this, the Session-Reflector node does not require any additional state for PM.</a:t>
             </a:r>
           </a:p>
         </p:txBody>
@@ -6692,7 +6656,7 @@
         <p:spPr>
           <a:xfrm>
             <a:off x="4724400" y="134124"/>
-            <a:ext cx="4128052" cy="4647426"/>
+            <a:ext cx="4128052" cy="4770537"/>
           </a:xfrm>
           <a:prstGeom prst="rect">
             <a:avLst/>
@@ -6781,7 +6745,7 @@
                 <a:ea typeface="Courier" charset="0"/>
                 <a:cs typeface="Courier New" panose="02070309020205020404" pitchFamily="49" charset="0"/>
               </a:rPr>
-              <a:t>.  Destination IP Address = Session-Reflector IPv4 or </a:t>
+              <a:t>.  Destination IP Address = Session-Reflector IPv4 or IPv6 </a:t>
             </a:r>
             <a:r>
               <a:rPr lang="en-CA" sz="800" dirty="0" err="1">
@@ -6789,7 +6753,7 @@
                 <a:ea typeface="Courier" charset="0"/>
                 <a:cs typeface="Courier New" panose="02070309020205020404" pitchFamily="49" charset="0"/>
               </a:rPr>
-              <a:t>IPv</a:t>
+              <a:t>Addr</a:t>
             </a:r>
             <a:r>
               <a:rPr lang="en-CA" sz="800" dirty="0">
@@ -6797,23 +6761,7 @@
                 <a:ea typeface="Courier" charset="0"/>
                 <a:cs typeface="Courier New" panose="02070309020205020404" pitchFamily="49" charset="0"/>
               </a:rPr>
-              <a:t> </a:t>
-            </a:r>
-            <a:r>
-              <a:rPr lang="en-CA" sz="800" dirty="0" err="1">
-                <a:latin typeface="Courier" pitchFamily="2" charset="0"/>
-                <a:ea typeface="Courier" charset="0"/>
-                <a:cs typeface="Courier New" panose="02070309020205020404" pitchFamily="49" charset="0"/>
-              </a:rPr>
-              <a:t>Addr</a:t>
-            </a:r>
-            <a:r>
-              <a:rPr lang="en-CA" sz="800" dirty="0">
-                <a:latin typeface="Courier" pitchFamily="2" charset="0"/>
-                <a:ea typeface="Courier" charset="0"/>
-                <a:cs typeface="Courier New" panose="02070309020205020404" pitchFamily="49" charset="0"/>
-              </a:rPr>
-              <a:t>  .</a:t>
+              <a:t> .</a:t>
             </a:r>
             <a:endParaRPr lang="en-US" sz="800" dirty="0">
               <a:latin typeface="Courier" pitchFamily="2" charset="0"/>
@@ -7222,35 +7170,7 @@
                 <a:ea typeface="Courier" charset="0"/>
                 <a:cs typeface="Courier New" panose="02070309020205020404" pitchFamily="49" charset="0"/>
               </a:rPr>
-              <a:t>|                        Session-Sender </a:t>
-            </a:r>
-            <a:r>
-              <a:rPr lang="en-US" sz="800">
-                <a:solidFill>
-                  <a:schemeClr val="tx2">
-                    <a:lumMod val="60000"/>
-                    <a:lumOff val="40000"/>
-                  </a:schemeClr>
-                </a:solidFill>
-                <a:latin typeface="Courier" pitchFamily="2" charset="0"/>
-                <a:ea typeface="Courier" charset="0"/>
-                <a:cs typeface="Courier New" panose="02070309020205020404" pitchFamily="49" charset="0"/>
-              </a:rPr>
-              <a:t>Counter                 </a:t>
-            </a:r>
-            <a:r>
-              <a:rPr lang="en-US" sz="800" dirty="0">
-                <a:solidFill>
-                  <a:schemeClr val="tx2">
-                    <a:lumMod val="60000"/>
-                    <a:lumOff val="40000"/>
-                  </a:schemeClr>
-                </a:solidFill>
-                <a:latin typeface="Courier" pitchFamily="2" charset="0"/>
-                <a:ea typeface="Courier" charset="0"/>
-                <a:cs typeface="Courier New" panose="02070309020205020404" pitchFamily="49" charset="0"/>
-              </a:rPr>
-              <a:t>|</a:t>
+              <a:t>|                        Session-Sender Counter                 |</a:t>
             </a:r>
           </a:p>
           <a:p>

--- a/draft-gandhi-ippm-twamp-srpm-00.pptx
+++ b/draft-gandhi-ippm-twamp-srpm-00.pptx
@@ -5,10 +5,10 @@
     <p:sldMasterId id="2147483648" r:id="rId1"/>
   </p:sldMasterIdLst>
   <p:notesMasterIdLst>
-    <p:notesMasterId r:id="rId10"/>
+    <p:notesMasterId r:id="rId12"/>
   </p:notesMasterIdLst>
   <p:handoutMasterIdLst>
-    <p:handoutMasterId r:id="rId11"/>
+    <p:handoutMasterId r:id="rId13"/>
   </p:handoutMasterIdLst>
   <p:sldIdLst>
     <p:sldId id="256" r:id="rId2"/>
@@ -17,8 +17,10 @@
     <p:sldId id="1661" r:id="rId5"/>
     <p:sldId id="1660" r:id="rId6"/>
     <p:sldId id="321" r:id="rId7"/>
-    <p:sldId id="318" r:id="rId8"/>
-    <p:sldId id="303" r:id="rId9"/>
+    <p:sldId id="1662" r:id="rId8"/>
+    <p:sldId id="1663" r:id="rId9"/>
+    <p:sldId id="318" r:id="rId10"/>
+    <p:sldId id="303" r:id="rId11"/>
   </p:sldIdLst>
   <p:sldSz cx="9144000" cy="5143500" type="screen16x9"/>
   <p:notesSz cx="6858000" cy="9144000"/>
@@ -251,7 +253,7 @@
           <a:p>
             <a:fld id="{E8FA3DB5-7722-3F4F-947D-12B203669AD7}" type="datetimeFigureOut">
               <a:rPr lang="en-US" smtClean="0"/>
-              <a:t>11/10/20</a:t>
+              <a:t>11/11/20</a:t>
             </a:fld>
             <a:endParaRPr lang="en-US"/>
           </a:p>
@@ -1218,7 +1220,7 @@
     </p:spTree>
     <p:extLst>
       <p:ext uri="{BB962C8B-B14F-4D97-AF65-F5344CB8AC3E}">
-        <p14:creationId xmlns:p14="http://schemas.microsoft.com/office/powerpoint/2010/main" val="1422079827"/>
+        <p14:creationId xmlns:p14="http://schemas.microsoft.com/office/powerpoint/2010/main" val="1719800090"/>
       </p:ext>
     </p:extLst>
   </p:cSld>
@@ -1272,7 +1274,7 @@
           <a:bodyPr/>
           <a:lstStyle/>
           <a:p>
-            <a:endParaRPr lang="en-US" dirty="0"/>
+            <a:endParaRPr lang="en-CA" dirty="0"/>
           </a:p>
         </p:txBody>
       </p:sp>
@@ -1300,6 +1302,186 @@
                 <a:defRPr/>
               </a:pPr>
               <a:t>8</a:t>
+            </a:fld>
+            <a:endParaRPr lang="en-US" altLang="zh-CN"/>
+          </a:p>
+        </p:txBody>
+      </p:sp>
+    </p:spTree>
+    <p:extLst>
+      <p:ext uri="{BB962C8B-B14F-4D97-AF65-F5344CB8AC3E}">
+        <p14:creationId xmlns:p14="http://schemas.microsoft.com/office/powerpoint/2010/main" val="2978086365"/>
+      </p:ext>
+    </p:extLst>
+  </p:cSld>
+  <p:clrMapOvr>
+    <a:masterClrMapping/>
+  </p:clrMapOvr>
+</p:notes>
+</file>
+
+<file path=ppt/notesSlides/notesSlide7.xml><?xml version="1.0" encoding="utf-8"?>
+<p:notes xmlns:a="http://schemas.openxmlformats.org/drawingml/2006/main" xmlns:r="http://schemas.openxmlformats.org/officeDocument/2006/relationships" xmlns:p="http://schemas.openxmlformats.org/presentationml/2006/main">
+  <p:cSld>
+    <p:spTree>
+      <p:nvGrpSpPr>
+        <p:cNvPr id="1" name=""/>
+        <p:cNvGrpSpPr/>
+        <p:nvPr/>
+      </p:nvGrpSpPr>
+      <p:grpSpPr>
+        <a:xfrm>
+          <a:off x="0" y="0"/>
+          <a:ext cx="0" cy="0"/>
+          <a:chOff x="0" y="0"/>
+          <a:chExt cx="0" cy="0"/>
+        </a:xfrm>
+      </p:grpSpPr>
+      <p:sp>
+        <p:nvSpPr>
+          <p:cNvPr id="2" name="Slide Image Placeholder 1"/>
+          <p:cNvSpPr>
+            <a:spLocks noGrp="1" noRot="1" noChangeAspect="1"/>
+          </p:cNvSpPr>
+          <p:nvPr>
+            <p:ph type="sldImg"/>
+          </p:nvPr>
+        </p:nvSpPr>
+        <p:spPr/>
+      </p:sp>
+      <p:sp>
+        <p:nvSpPr>
+          <p:cNvPr id="3" name="Notes Placeholder 2"/>
+          <p:cNvSpPr>
+            <a:spLocks noGrp="1"/>
+          </p:cNvSpPr>
+          <p:nvPr>
+            <p:ph type="body" idx="1"/>
+          </p:nvPr>
+        </p:nvSpPr>
+        <p:spPr/>
+        <p:txBody>
+          <a:bodyPr/>
+          <a:lstStyle/>
+          <a:p>
+            <a:endParaRPr lang="en-CA" dirty="0"/>
+          </a:p>
+        </p:txBody>
+      </p:sp>
+      <p:sp>
+        <p:nvSpPr>
+          <p:cNvPr id="4" name="Slide Number Placeholder 3"/>
+          <p:cNvSpPr>
+            <a:spLocks noGrp="1"/>
+          </p:cNvSpPr>
+          <p:nvPr>
+            <p:ph type="sldNum" sz="quarter" idx="10"/>
+          </p:nvPr>
+        </p:nvSpPr>
+        <p:spPr/>
+        <p:txBody>
+          <a:bodyPr/>
+          <a:lstStyle/>
+          <a:p>
+            <a:pPr>
+              <a:defRPr/>
+            </a:pPr>
+            <a:fld id="{100938BD-FD70-4535-B0C2-13FC38CDF1BE}" type="slidenum">
+              <a:rPr lang="en-US" altLang="zh-CN" smtClean="0"/>
+              <a:pPr>
+                <a:defRPr/>
+              </a:pPr>
+              <a:t>9</a:t>
+            </a:fld>
+            <a:endParaRPr lang="en-US" altLang="zh-CN"/>
+          </a:p>
+        </p:txBody>
+      </p:sp>
+    </p:spTree>
+    <p:extLst>
+      <p:ext uri="{BB962C8B-B14F-4D97-AF65-F5344CB8AC3E}">
+        <p14:creationId xmlns:p14="http://schemas.microsoft.com/office/powerpoint/2010/main" val="1422079827"/>
+      </p:ext>
+    </p:extLst>
+  </p:cSld>
+  <p:clrMapOvr>
+    <a:masterClrMapping/>
+  </p:clrMapOvr>
+</p:notes>
+</file>
+
+<file path=ppt/notesSlides/notesSlide8.xml><?xml version="1.0" encoding="utf-8"?>
+<p:notes xmlns:a="http://schemas.openxmlformats.org/drawingml/2006/main" xmlns:r="http://schemas.openxmlformats.org/officeDocument/2006/relationships" xmlns:p="http://schemas.openxmlformats.org/presentationml/2006/main">
+  <p:cSld>
+    <p:spTree>
+      <p:nvGrpSpPr>
+        <p:cNvPr id="1" name=""/>
+        <p:cNvGrpSpPr/>
+        <p:nvPr/>
+      </p:nvGrpSpPr>
+      <p:grpSpPr>
+        <a:xfrm>
+          <a:off x="0" y="0"/>
+          <a:ext cx="0" cy="0"/>
+          <a:chOff x="0" y="0"/>
+          <a:chExt cx="0" cy="0"/>
+        </a:xfrm>
+      </p:grpSpPr>
+      <p:sp>
+        <p:nvSpPr>
+          <p:cNvPr id="2" name="Slide Image Placeholder 1"/>
+          <p:cNvSpPr>
+            <a:spLocks noGrp="1" noRot="1" noChangeAspect="1"/>
+          </p:cNvSpPr>
+          <p:nvPr>
+            <p:ph type="sldImg"/>
+          </p:nvPr>
+        </p:nvSpPr>
+        <p:spPr/>
+      </p:sp>
+      <p:sp>
+        <p:nvSpPr>
+          <p:cNvPr id="3" name="Notes Placeholder 2"/>
+          <p:cNvSpPr>
+            <a:spLocks noGrp="1"/>
+          </p:cNvSpPr>
+          <p:nvPr>
+            <p:ph type="body" idx="1"/>
+          </p:nvPr>
+        </p:nvSpPr>
+        <p:spPr/>
+        <p:txBody>
+          <a:bodyPr/>
+          <a:lstStyle/>
+          <a:p>
+            <a:endParaRPr lang="en-US" dirty="0"/>
+          </a:p>
+        </p:txBody>
+      </p:sp>
+      <p:sp>
+        <p:nvSpPr>
+          <p:cNvPr id="4" name="Slide Number Placeholder 3"/>
+          <p:cNvSpPr>
+            <a:spLocks noGrp="1"/>
+          </p:cNvSpPr>
+          <p:nvPr>
+            <p:ph type="sldNum" sz="quarter" idx="10"/>
+          </p:nvPr>
+        </p:nvSpPr>
+        <p:spPr/>
+        <p:txBody>
+          <a:bodyPr/>
+          <a:lstStyle/>
+          <a:p>
+            <a:pPr>
+              <a:defRPr/>
+            </a:pPr>
+            <a:fld id="{100938BD-FD70-4535-B0C2-13FC38CDF1BE}" type="slidenum">
+              <a:rPr lang="en-US" altLang="zh-CN" smtClean="0"/>
+              <a:pPr>
+                <a:defRPr/>
+              </a:pPr>
+              <a:t>10</a:t>
             </a:fld>
             <a:endParaRPr lang="en-US" altLang="zh-CN"/>
           </a:p>
@@ -4888,6 +5070,289 @@
 </p:sld>
 </file>
 
+<file path=ppt/slides/slide10.xml><?xml version="1.0" encoding="utf-8"?>
+<p:sld xmlns:a="http://schemas.openxmlformats.org/drawingml/2006/main" xmlns:r="http://schemas.openxmlformats.org/officeDocument/2006/relationships" xmlns:p="http://schemas.openxmlformats.org/presentationml/2006/main">
+  <p:cSld>
+    <p:spTree>
+      <p:nvGrpSpPr>
+        <p:cNvPr id="1" name=""/>
+        <p:cNvGrpSpPr/>
+        <p:nvPr/>
+      </p:nvGrpSpPr>
+      <p:grpSpPr>
+        <a:xfrm>
+          <a:off x="0" y="0"/>
+          <a:ext cx="0" cy="0"/>
+          <a:chOff x="0" y="0"/>
+          <a:chExt cx="0" cy="0"/>
+        </a:xfrm>
+      </p:grpSpPr>
+      <p:sp>
+        <p:nvSpPr>
+          <p:cNvPr id="4" name="Footer Placeholder 3"/>
+          <p:cNvSpPr>
+            <a:spLocks noGrp="1"/>
+          </p:cNvSpPr>
+          <p:nvPr>
+            <p:ph type="ftr" sz="quarter" idx="11"/>
+          </p:nvPr>
+        </p:nvSpPr>
+        <p:spPr>
+          <a:xfrm>
+            <a:off x="3124200" y="4772838"/>
+            <a:ext cx="2895600" cy="357188"/>
+          </a:xfrm>
+        </p:spPr>
+        <p:txBody>
+          <a:bodyPr/>
+          <a:lstStyle/>
+          <a:p>
+            <a:r>
+              <a:rPr lang="en-CA" dirty="0"/>
+              <a:t>109</a:t>
+            </a:r>
+            <a:r>
+              <a:rPr lang="en-CA" baseline="30000" dirty="0"/>
+              <a:t>th</a:t>
+            </a:r>
+            <a:r>
+              <a:rPr lang="en-CA" dirty="0"/>
+              <a:t> IETF Online</a:t>
+            </a:r>
+          </a:p>
+        </p:txBody>
+      </p:sp>
+      <p:sp>
+        <p:nvSpPr>
+          <p:cNvPr id="5" name="Rectangle 2"/>
+          <p:cNvSpPr txBox="1">
+            <a:spLocks noChangeArrowheads="1"/>
+          </p:cNvSpPr>
+          <p:nvPr/>
+        </p:nvSpPr>
+        <p:spPr bwMode="auto">
+          <a:xfrm>
+            <a:off x="685800" y="1657350"/>
+            <a:ext cx="7772400" cy="1102519"/>
+          </a:xfrm>
+          <a:prstGeom prst="rect">
+            <a:avLst/>
+          </a:prstGeom>
+          <a:noFill/>
+          <a:ln w="9525">
+            <a:noFill/>
+            <a:miter lim="800000"/>
+            <a:headEnd/>
+            <a:tailEnd/>
+          </a:ln>
+          <a:effectLst/>
+        </p:spPr>
+        <p:txBody>
+          <a:bodyPr vert="horz" wrap="square" lIns="91440" tIns="45720" rIns="91440" bIns="45720" numCol="1" anchor="ctr" anchorCtr="0" compatLnSpc="1">
+            <a:prstTxWarp prst="textNoShape">
+              <a:avLst/>
+            </a:prstTxWarp>
+          </a:bodyPr>
+          <a:lstStyle>
+            <a:lvl1pPr algn="ctr" rtl="0" eaLnBrk="0" fontAlgn="base" hangingPunct="0">
+              <a:spcBef>
+                <a:spcPct val="0"/>
+              </a:spcBef>
+              <a:spcAft>
+                <a:spcPct val="0"/>
+              </a:spcAft>
+              <a:defRPr sz="4400">
+                <a:solidFill>
+                  <a:schemeClr val="tx2"/>
+                </a:solidFill>
+                <a:latin typeface="+mj-lt"/>
+                <a:ea typeface="+mj-ea"/>
+                <a:cs typeface="+mj-cs"/>
+              </a:defRPr>
+            </a:lvl1pPr>
+            <a:lvl2pPr algn="ctr" rtl="0" eaLnBrk="0" fontAlgn="base" hangingPunct="0">
+              <a:spcBef>
+                <a:spcPct val="0"/>
+              </a:spcBef>
+              <a:spcAft>
+                <a:spcPct val="0"/>
+              </a:spcAft>
+              <a:defRPr sz="4400">
+                <a:solidFill>
+                  <a:schemeClr val="tx2"/>
+                </a:solidFill>
+                <a:latin typeface="Arial" charset="0"/>
+                <a:ea typeface="宋体" pitchFamily="2" charset="-122"/>
+              </a:defRPr>
+            </a:lvl2pPr>
+            <a:lvl3pPr algn="ctr" rtl="0" eaLnBrk="0" fontAlgn="base" hangingPunct="0">
+              <a:spcBef>
+                <a:spcPct val="0"/>
+              </a:spcBef>
+              <a:spcAft>
+                <a:spcPct val="0"/>
+              </a:spcAft>
+              <a:defRPr sz="4400">
+                <a:solidFill>
+                  <a:schemeClr val="tx2"/>
+                </a:solidFill>
+                <a:latin typeface="Arial" charset="0"/>
+                <a:ea typeface="宋体" pitchFamily="2" charset="-122"/>
+              </a:defRPr>
+            </a:lvl3pPr>
+            <a:lvl4pPr algn="ctr" rtl="0" eaLnBrk="0" fontAlgn="base" hangingPunct="0">
+              <a:spcBef>
+                <a:spcPct val="0"/>
+              </a:spcBef>
+              <a:spcAft>
+                <a:spcPct val="0"/>
+              </a:spcAft>
+              <a:defRPr sz="4400">
+                <a:solidFill>
+                  <a:schemeClr val="tx2"/>
+                </a:solidFill>
+                <a:latin typeface="Arial" charset="0"/>
+                <a:ea typeface="宋体" pitchFamily="2" charset="-122"/>
+              </a:defRPr>
+            </a:lvl4pPr>
+            <a:lvl5pPr algn="ctr" rtl="0" eaLnBrk="0" fontAlgn="base" hangingPunct="0">
+              <a:spcBef>
+                <a:spcPct val="0"/>
+              </a:spcBef>
+              <a:spcAft>
+                <a:spcPct val="0"/>
+              </a:spcAft>
+              <a:defRPr sz="4400">
+                <a:solidFill>
+                  <a:schemeClr val="tx2"/>
+                </a:solidFill>
+                <a:latin typeface="Arial" charset="0"/>
+                <a:ea typeface="宋体" pitchFamily="2" charset="-122"/>
+              </a:defRPr>
+            </a:lvl5pPr>
+            <a:lvl6pPr marL="457200" algn="ctr" rtl="0" fontAlgn="base">
+              <a:spcBef>
+                <a:spcPct val="0"/>
+              </a:spcBef>
+              <a:spcAft>
+                <a:spcPct val="0"/>
+              </a:spcAft>
+              <a:defRPr sz="4400">
+                <a:solidFill>
+                  <a:schemeClr val="tx2"/>
+                </a:solidFill>
+                <a:latin typeface="Arial" charset="0"/>
+                <a:ea typeface="宋体" pitchFamily="2" charset="-122"/>
+              </a:defRPr>
+            </a:lvl6pPr>
+            <a:lvl7pPr marL="914400" algn="ctr" rtl="0" fontAlgn="base">
+              <a:spcBef>
+                <a:spcPct val="0"/>
+              </a:spcBef>
+              <a:spcAft>
+                <a:spcPct val="0"/>
+              </a:spcAft>
+              <a:defRPr sz="4400">
+                <a:solidFill>
+                  <a:schemeClr val="tx2"/>
+                </a:solidFill>
+                <a:latin typeface="Arial" charset="0"/>
+                <a:ea typeface="宋体" pitchFamily="2" charset="-122"/>
+              </a:defRPr>
+            </a:lvl7pPr>
+            <a:lvl8pPr marL="1371600" algn="ctr" rtl="0" fontAlgn="base">
+              <a:spcBef>
+                <a:spcPct val="0"/>
+              </a:spcBef>
+              <a:spcAft>
+                <a:spcPct val="0"/>
+              </a:spcAft>
+              <a:defRPr sz="4400">
+                <a:solidFill>
+                  <a:schemeClr val="tx2"/>
+                </a:solidFill>
+                <a:latin typeface="Arial" charset="0"/>
+                <a:ea typeface="宋体" pitchFamily="2" charset="-122"/>
+              </a:defRPr>
+            </a:lvl8pPr>
+            <a:lvl9pPr marL="1828800" algn="ctr" rtl="0" fontAlgn="base">
+              <a:spcBef>
+                <a:spcPct val="0"/>
+              </a:spcBef>
+              <a:spcAft>
+                <a:spcPct val="0"/>
+              </a:spcAft>
+              <a:defRPr sz="4400">
+                <a:solidFill>
+                  <a:schemeClr val="tx2"/>
+                </a:solidFill>
+                <a:latin typeface="Arial" charset="0"/>
+                <a:ea typeface="宋体" pitchFamily="2" charset="-122"/>
+              </a:defRPr>
+            </a:lvl9pPr>
+          </a:lstStyle>
+          <a:p>
+            <a:pPr eaLnBrk="1" hangingPunct="1">
+              <a:defRPr/>
+            </a:pPr>
+            <a:r>
+              <a:rPr lang="en-US" altLang="zh-CN" sz="4000" kern="0" dirty="0">
+                <a:effectLst>
+                  <a:outerShdw blurRad="38100" dist="38100" dir="2700000" algn="tl">
+                    <a:srgbClr val="C0C0C0"/>
+                  </a:outerShdw>
+                </a:effectLst>
+                <a:latin typeface="Calibri" charset="0"/>
+                <a:ea typeface="Calibri" charset="0"/>
+                <a:cs typeface="Calibri" charset="0"/>
+              </a:rPr>
+              <a:t>Thank you</a:t>
+            </a:r>
+          </a:p>
+        </p:txBody>
+      </p:sp>
+      <p:sp>
+        <p:nvSpPr>
+          <p:cNvPr id="2" name="Slide Number Placeholder 1"/>
+          <p:cNvSpPr>
+            <a:spLocks noGrp="1"/>
+          </p:cNvSpPr>
+          <p:nvPr>
+            <p:ph type="sldNum" sz="quarter" idx="12"/>
+          </p:nvPr>
+        </p:nvSpPr>
+        <p:spPr/>
+        <p:txBody>
+          <a:bodyPr/>
+          <a:lstStyle/>
+          <a:p>
+            <a:pPr>
+              <a:defRPr/>
+            </a:pPr>
+            <a:fld id="{BD6E0F59-1DD8-40FC-9C92-B6295CBA6CCA}" type="slidenum">
+              <a:rPr lang="en-US" altLang="zh-CN" smtClean="0"/>
+              <a:pPr>
+                <a:defRPr/>
+              </a:pPr>
+              <a:t>10</a:t>
+            </a:fld>
+            <a:endParaRPr lang="en-US" altLang="zh-CN"/>
+          </a:p>
+        </p:txBody>
+      </p:sp>
+    </p:spTree>
+    <p:extLst>
+      <p:ext uri="{BB962C8B-B14F-4D97-AF65-F5344CB8AC3E}">
+        <p14:creationId xmlns:p14="http://schemas.microsoft.com/office/powerpoint/2010/main" val="15840811"/>
+      </p:ext>
+    </p:extLst>
+  </p:cSld>
+  <p:clrMapOvr>
+    <a:masterClrMapping/>
+  </p:clrMapOvr>
+</p:sld>
+</file>
+
 <file path=ppt/slides/slide2.xml><?xml version="1.0" encoding="utf-8"?>
 <p:sld xmlns:a="http://schemas.openxmlformats.org/drawingml/2006/main" xmlns:r="http://schemas.openxmlformats.org/officeDocument/2006/relationships" xmlns:p="http://schemas.openxmlformats.org/presentationml/2006/main">
   <p:cSld>
@@ -5150,7 +5615,7 @@
             </a:pPr>
             <a:r>
               <a:rPr lang="en-US" sz="1600" dirty="0"/>
-              <a:t>Delay and Synthetic Loss Performance Measurement </a:t>
+              <a:t>Delay and synthetic Loss Measurement </a:t>
             </a:r>
           </a:p>
           <a:p>
@@ -6440,7 +6905,7 @@
                 <a:latin typeface="Calibri" panose="020F0502020204030204" pitchFamily="34" charset="0"/>
                 <a:cs typeface="Calibri" panose="020F0502020204030204" pitchFamily="34" charset="0"/>
               </a:rPr>
-              <a:t>This is also the default (current) behavior.</a:t>
+              <a:t>This is the existing behavior.</a:t>
             </a:r>
           </a:p>
           <a:p>
@@ -6590,7 +7055,7 @@
         </p:nvSpPr>
         <p:spPr>
           <a:xfrm>
-            <a:off x="0" y="237930"/>
+            <a:off x="76200" y="237930"/>
             <a:ext cx="4800600" cy="845539"/>
           </a:xfrm>
         </p:spPr>
@@ -6655,7 +7120,7 @@
         </p:nvSpPr>
         <p:spPr>
           <a:xfrm>
-            <a:off x="4724400" y="134124"/>
+            <a:off x="4876800" y="135033"/>
             <a:ext cx="4128052" cy="4770537"/>
           </a:xfrm>
           <a:prstGeom prst="rect">
@@ -7850,7 +8315,7 @@
                 <a:latin typeface="Calibri Light" panose="020F0302020204030204" pitchFamily="34" charset="0"/>
                 <a:cs typeface="Calibri Light" panose="020F0302020204030204" pitchFamily="34" charset="0"/>
               </a:rPr>
-              <a:t>Next Steps</a:t>
+              <a:t>IPPM Draft Review Comments</a:t>
             </a:r>
           </a:p>
         </p:txBody>
@@ -7867,40 +8332,161 @@
         </p:nvSpPr>
         <p:spPr>
           <a:xfrm>
-            <a:off x="685800" y="1123950"/>
-            <a:ext cx="8001000" cy="2514599"/>
+            <a:off x="685800" y="825104"/>
+            <a:ext cx="8001000" cy="3788569"/>
           </a:xfrm>
         </p:spPr>
         <p:txBody>
           <a:bodyPr/>
           <a:lstStyle/>
           <a:p>
-            <a:pPr lvl="0"/>
-            <a:r>
-              <a:rPr lang="en-US" sz="2400" dirty="0">
+            <a:pPr lvl="0">
+              <a:buFont typeface="+mj-lt"/>
+              <a:buAutoNum type="arabicPeriod"/>
+            </a:pPr>
+            <a:r>
+              <a:rPr lang="en-US" sz="1400" dirty="0">
                 <a:latin typeface="Calibri" charset="0"/>
                 <a:ea typeface="Calibri" charset="0"/>
                 <a:cs typeface="Calibri" charset="0"/>
               </a:rPr>
-              <a:t>Welcome your comments and suggestions</a:t>
-            </a:r>
-          </a:p>
-          <a:p>
-            <a:r>
-              <a:rPr lang="en-US" sz="2400" dirty="0"/>
-              <a:t>Request IPPM </a:t>
-            </a:r>
-            <a:r>
-              <a:rPr lang="en-US" sz="2400" dirty="0">
-                <a:latin typeface="Calibri" charset="0"/>
-                <a:ea typeface="Calibri" charset="0"/>
-                <a:cs typeface="Calibri" charset="0"/>
-              </a:rPr>
-              <a:t>WG adoption</a:t>
-            </a:r>
-          </a:p>
-          <a:p>
-            <a:endParaRPr lang="en-US" sz="2400" dirty="0">
+              <a:t>Extensions are not specific to SR, document should be renamed</a:t>
+            </a:r>
+          </a:p>
+          <a:p>
+            <a:pPr>
+              <a:buFont typeface="+mj-lt"/>
+              <a:buAutoNum type="arabicPeriod"/>
+            </a:pPr>
+            <a:r>
+              <a:rPr lang="en-US" sz="1400" dirty="0"/>
+              <a:t>Draft status:</a:t>
+            </a:r>
+          </a:p>
+          <a:p>
+            <a:pPr marL="800100" lvl="1" indent="-342900">
+              <a:buFont typeface="+mj-lt"/>
+              <a:buAutoNum type="alphaLcParenR"/>
+            </a:pPr>
+            <a:r>
+              <a:rPr lang="en-US" sz="1400" dirty="0"/>
+              <a:t>Draft defines extensions for TWAMP Light (is not a new protocol)</a:t>
+            </a:r>
+          </a:p>
+          <a:p>
+            <a:pPr marL="800100" lvl="1" indent="-342900">
+              <a:buFont typeface="+mj-lt"/>
+              <a:buAutoNum type="alphaLcParenR"/>
+            </a:pPr>
+            <a:r>
+              <a:rPr lang="en-US" sz="1400" dirty="0"/>
+              <a:t>Draft is currently informational. Should be proposed standard due to protocol extensions</a:t>
+            </a:r>
+          </a:p>
+          <a:p>
+            <a:pPr marL="800100" lvl="1" indent="-342900">
+              <a:buFont typeface="+mj-lt"/>
+              <a:buAutoNum type="alphaLcParenR"/>
+            </a:pPr>
+            <a:r>
+              <a:rPr lang="en-US" sz="1400" dirty="0"/>
+              <a:t>Update RFC 5357 due to new field (control code) in the message</a:t>
+            </a:r>
+          </a:p>
+          <a:p>
+            <a:pPr>
+              <a:buFont typeface="+mj-lt"/>
+              <a:buAutoNum type="arabicPeriod"/>
+            </a:pPr>
+            <a:r>
+              <a:rPr lang="en-US" sz="1400" dirty="0"/>
+              <a:t>Does not introduce any new security issue with this draft</a:t>
+            </a:r>
+          </a:p>
+          <a:p>
+            <a:pPr>
+              <a:buFont typeface="+mj-lt"/>
+              <a:buAutoNum type="arabicPeriod"/>
+            </a:pPr>
+            <a:r>
+              <a:rPr lang="en-US" sz="1400" dirty="0"/>
+              <a:t>Editorial</a:t>
+            </a:r>
+          </a:p>
+          <a:p>
+            <a:pPr marL="800100" lvl="1" indent="-342900">
+              <a:buFont typeface="+mj-lt"/>
+              <a:buAutoNum type="alphaLcParenR"/>
+            </a:pPr>
+            <a:r>
+              <a:rPr lang="en-US" sz="1400" dirty="0"/>
+              <a:t>Define Abbreviations (BSID, SRH, HMAC-SHA)</a:t>
+            </a:r>
+          </a:p>
+          <a:p>
+            <a:pPr marL="800100" lvl="1" indent="-342900">
+              <a:buFont typeface="+mj-lt"/>
+              <a:buAutoNum type="alphaLcParenR"/>
+            </a:pPr>
+            <a:r>
+              <a:rPr lang="en-US" sz="1400" dirty="0"/>
+              <a:t>Use Session-Sender, Session-Reflector terms</a:t>
+            </a:r>
+          </a:p>
+          <a:p>
+            <a:pPr marL="800100" lvl="1" indent="-342900">
+              <a:buFont typeface="+mj-lt"/>
+              <a:buAutoNum type="alphaLcParenR"/>
+            </a:pPr>
+            <a:r>
+              <a:rPr lang="en-US" sz="1400" dirty="0"/>
+              <a:t>Show entire test packet with session-sender control code field</a:t>
+            </a:r>
+          </a:p>
+          <a:p>
+            <a:pPr marL="800100" lvl="1" indent="-342900">
+              <a:buFont typeface="+mj-lt"/>
+              <a:buAutoNum type="alphaLcParenR"/>
+            </a:pPr>
+            <a:r>
+              <a:rPr lang="en-US" sz="1400" dirty="0"/>
+              <a:t>Indicate packet loss for synthetic vs. direct-mode loss </a:t>
+            </a:r>
+          </a:p>
+          <a:p>
+            <a:pPr marL="800100" lvl="1" indent="-342900">
+              <a:buFont typeface="+mj-lt"/>
+              <a:buAutoNum type="alphaLcParenR"/>
+            </a:pPr>
+            <a:r>
+              <a:rPr lang="en-US" sz="1400" dirty="0"/>
+              <a:t>Move Receive Counter and other Response message fields to Section 4.1 from 3.2</a:t>
+            </a:r>
+          </a:p>
+          <a:p>
+            <a:pPr lvl="2"/>
+            <a:r>
+              <a:rPr lang="en-CA" sz="1400" dirty="0"/>
+              <a:t>Explain how the counters and sequence numbers are used to do loss measurement</a:t>
+            </a:r>
+          </a:p>
+          <a:p>
+            <a:pPr>
+              <a:buFont typeface="+mj-lt"/>
+              <a:buAutoNum type="arabicPeriod"/>
+            </a:pPr>
+            <a:r>
+              <a:rPr lang="en-US" sz="1400" dirty="0"/>
+              <a:t>Extend ICMP for direct-mode loss measurement – out of scope</a:t>
+            </a:r>
+            <a:endParaRPr lang="en-US" sz="1400" dirty="0">
+              <a:latin typeface="Calibri" charset="0"/>
+              <a:ea typeface="Calibri" charset="0"/>
+              <a:cs typeface="Calibri" charset="0"/>
+            </a:endParaRPr>
+          </a:p>
+          <a:p>
+            <a:endParaRPr lang="en-US" sz="1400" dirty="0">
               <a:latin typeface="Calibri" charset="0"/>
               <a:ea typeface="Calibri" charset="0"/>
               <a:cs typeface="Calibri" charset="0"/>
@@ -7975,7 +8561,7 @@
     </p:spTree>
     <p:extLst>
       <p:ext uri="{BB962C8B-B14F-4D97-AF65-F5344CB8AC3E}">
-        <p14:creationId xmlns:p14="http://schemas.microsoft.com/office/powerpoint/2010/main" val="2309160477"/>
+        <p14:creationId xmlns:p14="http://schemas.microsoft.com/office/powerpoint/2010/main" val="715480547"/>
       </p:ext>
     </p:extLst>
   </p:cSld>
@@ -8004,17 +8590,204 @@
       </p:grpSpPr>
       <p:sp>
         <p:nvSpPr>
-          <p:cNvPr id="4" name="Footer Placeholder 3"/>
+          <p:cNvPr id="2" name="Title 1"/>
           <p:cNvSpPr>
             <a:spLocks noGrp="1"/>
           </p:cNvSpPr>
           <p:nvPr>
-            <p:ph type="ftr" sz="quarter" idx="11"/>
+            <p:ph type="title"/>
           </p:nvPr>
         </p:nvSpPr>
         <p:spPr>
           <a:xfrm>
-            <a:off x="3124200" y="4772838"/>
+            <a:off x="457200" y="0"/>
+            <a:ext cx="8229600" cy="857250"/>
+          </a:xfrm>
+        </p:spPr>
+        <p:txBody>
+          <a:bodyPr/>
+          <a:lstStyle/>
+          <a:p>
+            <a:r>
+              <a:rPr lang="en-US" sz="3600" dirty="0">
+                <a:solidFill>
+                  <a:srgbClr val="0070C0"/>
+                </a:solidFill>
+                <a:latin typeface="Calibri Light" panose="020F0302020204030204" pitchFamily="34" charset="0"/>
+                <a:cs typeface="Calibri Light" panose="020F0302020204030204" pitchFamily="34" charset="0"/>
+              </a:rPr>
+              <a:t>SPRING Draft Review Comments</a:t>
+            </a:r>
+          </a:p>
+        </p:txBody>
+      </p:sp>
+      <p:sp>
+        <p:nvSpPr>
+          <p:cNvPr id="3" name="Content Placeholder 2"/>
+          <p:cNvSpPr>
+            <a:spLocks noGrp="1"/>
+          </p:cNvSpPr>
+          <p:nvPr>
+            <p:ph idx="1"/>
+          </p:nvPr>
+        </p:nvSpPr>
+        <p:spPr>
+          <a:xfrm>
+            <a:off x="685800" y="857249"/>
+            <a:ext cx="7886700" cy="3642891"/>
+          </a:xfrm>
+        </p:spPr>
+        <p:txBody>
+          <a:bodyPr/>
+          <a:lstStyle/>
+          <a:p>
+            <a:pPr>
+              <a:buFont typeface="+mj-lt"/>
+              <a:buAutoNum type="arabicPeriod"/>
+            </a:pPr>
+            <a:r>
+              <a:rPr lang="en-US" sz="1400" dirty="0"/>
+              <a:t>Destination UDP port used has zero UDP checksum with IPv6 header</a:t>
+            </a:r>
+          </a:p>
+          <a:p>
+            <a:pPr lvl="1"/>
+            <a:r>
+              <a:rPr lang="en-US" sz="1400" dirty="0">
+                <a:latin typeface="Calibri" charset="0"/>
+                <a:ea typeface="Calibri" charset="0"/>
+                <a:cs typeface="Calibri" charset="0"/>
+              </a:rPr>
+              <a:t>Add Reference for </a:t>
+            </a:r>
+            <a:r>
+              <a:rPr lang="en-CA" sz="1400" dirty="0"/>
+              <a:t>RFC 6936 in Security Section</a:t>
+            </a:r>
+            <a:endParaRPr lang="en-US" sz="1400" dirty="0">
+              <a:latin typeface="Calibri" charset="0"/>
+              <a:ea typeface="Calibri" charset="0"/>
+              <a:cs typeface="Calibri" charset="0"/>
+            </a:endParaRPr>
+          </a:p>
+          <a:p>
+            <a:pPr>
+              <a:buFont typeface="+mj-lt"/>
+              <a:buAutoNum type="arabicPeriod"/>
+            </a:pPr>
+            <a:r>
+              <a:rPr lang="en-US" sz="1400" dirty="0"/>
+              <a:t>Add references for well-known terms “Link” and “Congruent paths”</a:t>
+            </a:r>
+          </a:p>
+          <a:p>
+            <a:pPr>
+              <a:buFont typeface="+mj-lt"/>
+              <a:buAutoNum type="arabicPeriod"/>
+            </a:pPr>
+            <a:r>
+              <a:rPr lang="en-US" sz="1400" dirty="0">
+                <a:latin typeface="Calibri" charset="0"/>
+                <a:ea typeface="Calibri" charset="0"/>
+                <a:cs typeface="Calibri" charset="0"/>
+              </a:rPr>
+              <a:t>Add reference for Yang data model draft in provisioning model section</a:t>
+            </a:r>
+          </a:p>
+          <a:p>
+            <a:pPr>
+              <a:buFont typeface="+mj-lt"/>
+              <a:buAutoNum type="arabicPeriod"/>
+            </a:pPr>
+            <a:r>
+              <a:rPr lang="en-US" sz="1400" dirty="0"/>
+              <a:t>Liveness is to compute “connection loss” performance metric </a:t>
+            </a:r>
+          </a:p>
+          <a:p>
+            <a:pPr lvl="1"/>
+            <a:r>
+              <a:rPr lang="en-US" sz="1400" dirty="0"/>
+              <a:t>Similar to the widely deployed synthetic packet loss metric</a:t>
+            </a:r>
+            <a:endParaRPr lang="en-US" sz="1400" dirty="0">
+              <a:latin typeface="Calibri" charset="0"/>
+              <a:ea typeface="Calibri" charset="0"/>
+              <a:cs typeface="Calibri" charset="0"/>
+            </a:endParaRPr>
+          </a:p>
+          <a:p>
+            <a:pPr>
+              <a:buFont typeface="+mj-lt"/>
+              <a:buAutoNum type="arabicPeriod"/>
+            </a:pPr>
+            <a:r>
+              <a:rPr lang="en-US" sz="1400" dirty="0"/>
+              <a:t>Editorial</a:t>
+            </a:r>
+          </a:p>
+          <a:p>
+            <a:pPr lvl="1"/>
+            <a:r>
+              <a:rPr lang="en-US" sz="1400" dirty="0"/>
+              <a:t>Control-channel signaling -&gt; TWAMP-control protocol</a:t>
+            </a:r>
+          </a:p>
+          <a:p>
+            <a:pPr lvl="1"/>
+            <a:r>
+              <a:rPr lang="en-US" sz="1400" dirty="0"/>
+              <a:t>Indicate packet loss for synthetic vs. direct-mode loss </a:t>
+            </a:r>
+          </a:p>
+          <a:p>
+            <a:pPr lvl="1"/>
+            <a:r>
+              <a:rPr lang="en-US" sz="1400" dirty="0"/>
+              <a:t>Use test packet term for query message </a:t>
+            </a:r>
+          </a:p>
+          <a:p>
+            <a:pPr lvl="1"/>
+            <a:r>
+              <a:rPr lang="en-US" sz="1400" dirty="0"/>
+              <a:t>H/W timestamps required -&gt; H/W timestamps recommended </a:t>
+            </a:r>
+          </a:p>
+          <a:p>
+            <a:pPr lvl="1"/>
+            <a:r>
+              <a:rPr lang="en-CA" sz="1400" dirty="0"/>
+              <a:t>IPv6 address ::1/128 or ::FFFF:127/104</a:t>
+            </a:r>
+          </a:p>
+          <a:p>
+            <a:pPr lvl="1"/>
+            <a:r>
+              <a:rPr lang="en-CA" sz="1400" dirty="0"/>
+              <a:t>Clarify - Section 4.1.4.2 and 4.2.2.2 depict the packet format with word “as needed” for inner IP Header. </a:t>
+            </a:r>
+            <a:endParaRPr lang="en-US" sz="1400" dirty="0"/>
+          </a:p>
+          <a:p>
+            <a:pPr lvl="1"/>
+            <a:endParaRPr lang="en-US" sz="1400" dirty="0"/>
+          </a:p>
+        </p:txBody>
+      </p:sp>
+      <p:sp>
+        <p:nvSpPr>
+          <p:cNvPr id="4" name="Footer Placeholder 3"/>
+          <p:cNvSpPr>
+            <a:spLocks noGrp="1"/>
+          </p:cNvSpPr>
+          <p:nvPr>
+            <p:ph type="ftr" sz="quarter" idx="11"/>
+          </p:nvPr>
+        </p:nvSpPr>
+        <p:spPr>
+          <a:xfrm>
+            <a:off x="3124200" y="4786312"/>
             <a:ext cx="2895600" cy="357188"/>
           </a:xfrm>
         </p:spPr>
@@ -8039,196 +8812,7 @@
       </p:sp>
       <p:sp>
         <p:nvSpPr>
-          <p:cNvPr id="5" name="Rectangle 2"/>
-          <p:cNvSpPr txBox="1">
-            <a:spLocks noChangeArrowheads="1"/>
-          </p:cNvSpPr>
-          <p:nvPr/>
-        </p:nvSpPr>
-        <p:spPr bwMode="auto">
-          <a:xfrm>
-            <a:off x="685800" y="1657350"/>
-            <a:ext cx="7772400" cy="1102519"/>
-          </a:xfrm>
-          <a:prstGeom prst="rect">
-            <a:avLst/>
-          </a:prstGeom>
-          <a:noFill/>
-          <a:ln w="9525">
-            <a:noFill/>
-            <a:miter lim="800000"/>
-            <a:headEnd/>
-            <a:tailEnd/>
-          </a:ln>
-          <a:effectLst/>
-        </p:spPr>
-        <p:txBody>
-          <a:bodyPr vert="horz" wrap="square" lIns="91440" tIns="45720" rIns="91440" bIns="45720" numCol="1" anchor="ctr" anchorCtr="0" compatLnSpc="1">
-            <a:prstTxWarp prst="textNoShape">
-              <a:avLst/>
-            </a:prstTxWarp>
-          </a:bodyPr>
-          <a:lstStyle>
-            <a:lvl1pPr algn="ctr" rtl="0" eaLnBrk="0" fontAlgn="base" hangingPunct="0">
-              <a:spcBef>
-                <a:spcPct val="0"/>
-              </a:spcBef>
-              <a:spcAft>
-                <a:spcPct val="0"/>
-              </a:spcAft>
-              <a:defRPr sz="4400">
-                <a:solidFill>
-                  <a:schemeClr val="tx2"/>
-                </a:solidFill>
-                <a:latin typeface="+mj-lt"/>
-                <a:ea typeface="+mj-ea"/>
-                <a:cs typeface="+mj-cs"/>
-              </a:defRPr>
-            </a:lvl1pPr>
-            <a:lvl2pPr algn="ctr" rtl="0" eaLnBrk="0" fontAlgn="base" hangingPunct="0">
-              <a:spcBef>
-                <a:spcPct val="0"/>
-              </a:spcBef>
-              <a:spcAft>
-                <a:spcPct val="0"/>
-              </a:spcAft>
-              <a:defRPr sz="4400">
-                <a:solidFill>
-                  <a:schemeClr val="tx2"/>
-                </a:solidFill>
-                <a:latin typeface="Arial" charset="0"/>
-                <a:ea typeface="宋体" pitchFamily="2" charset="-122"/>
-              </a:defRPr>
-            </a:lvl2pPr>
-            <a:lvl3pPr algn="ctr" rtl="0" eaLnBrk="0" fontAlgn="base" hangingPunct="0">
-              <a:spcBef>
-                <a:spcPct val="0"/>
-              </a:spcBef>
-              <a:spcAft>
-                <a:spcPct val="0"/>
-              </a:spcAft>
-              <a:defRPr sz="4400">
-                <a:solidFill>
-                  <a:schemeClr val="tx2"/>
-                </a:solidFill>
-                <a:latin typeface="Arial" charset="0"/>
-                <a:ea typeface="宋体" pitchFamily="2" charset="-122"/>
-              </a:defRPr>
-            </a:lvl3pPr>
-            <a:lvl4pPr algn="ctr" rtl="0" eaLnBrk="0" fontAlgn="base" hangingPunct="0">
-              <a:spcBef>
-                <a:spcPct val="0"/>
-              </a:spcBef>
-              <a:spcAft>
-                <a:spcPct val="0"/>
-              </a:spcAft>
-              <a:defRPr sz="4400">
-                <a:solidFill>
-                  <a:schemeClr val="tx2"/>
-                </a:solidFill>
-                <a:latin typeface="Arial" charset="0"/>
-                <a:ea typeface="宋体" pitchFamily="2" charset="-122"/>
-              </a:defRPr>
-            </a:lvl4pPr>
-            <a:lvl5pPr algn="ctr" rtl="0" eaLnBrk="0" fontAlgn="base" hangingPunct="0">
-              <a:spcBef>
-                <a:spcPct val="0"/>
-              </a:spcBef>
-              <a:spcAft>
-                <a:spcPct val="0"/>
-              </a:spcAft>
-              <a:defRPr sz="4400">
-                <a:solidFill>
-                  <a:schemeClr val="tx2"/>
-                </a:solidFill>
-                <a:latin typeface="Arial" charset="0"/>
-                <a:ea typeface="宋体" pitchFamily="2" charset="-122"/>
-              </a:defRPr>
-            </a:lvl5pPr>
-            <a:lvl6pPr marL="457200" algn="ctr" rtl="0" fontAlgn="base">
-              <a:spcBef>
-                <a:spcPct val="0"/>
-              </a:spcBef>
-              <a:spcAft>
-                <a:spcPct val="0"/>
-              </a:spcAft>
-              <a:defRPr sz="4400">
-                <a:solidFill>
-                  <a:schemeClr val="tx2"/>
-                </a:solidFill>
-                <a:latin typeface="Arial" charset="0"/>
-                <a:ea typeface="宋体" pitchFamily="2" charset="-122"/>
-              </a:defRPr>
-            </a:lvl6pPr>
-            <a:lvl7pPr marL="914400" algn="ctr" rtl="0" fontAlgn="base">
-              <a:spcBef>
-                <a:spcPct val="0"/>
-              </a:spcBef>
-              <a:spcAft>
-                <a:spcPct val="0"/>
-              </a:spcAft>
-              <a:defRPr sz="4400">
-                <a:solidFill>
-                  <a:schemeClr val="tx2"/>
-                </a:solidFill>
-                <a:latin typeface="Arial" charset="0"/>
-                <a:ea typeface="宋体" pitchFamily="2" charset="-122"/>
-              </a:defRPr>
-            </a:lvl7pPr>
-            <a:lvl8pPr marL="1371600" algn="ctr" rtl="0" fontAlgn="base">
-              <a:spcBef>
-                <a:spcPct val="0"/>
-              </a:spcBef>
-              <a:spcAft>
-                <a:spcPct val="0"/>
-              </a:spcAft>
-              <a:defRPr sz="4400">
-                <a:solidFill>
-                  <a:schemeClr val="tx2"/>
-                </a:solidFill>
-                <a:latin typeface="Arial" charset="0"/>
-                <a:ea typeface="宋体" pitchFamily="2" charset="-122"/>
-              </a:defRPr>
-            </a:lvl8pPr>
-            <a:lvl9pPr marL="1828800" algn="ctr" rtl="0" fontAlgn="base">
-              <a:spcBef>
-                <a:spcPct val="0"/>
-              </a:spcBef>
-              <a:spcAft>
-                <a:spcPct val="0"/>
-              </a:spcAft>
-              <a:defRPr sz="4400">
-                <a:solidFill>
-                  <a:schemeClr val="tx2"/>
-                </a:solidFill>
-                <a:latin typeface="Arial" charset="0"/>
-                <a:ea typeface="宋体" pitchFamily="2" charset="-122"/>
-              </a:defRPr>
-            </a:lvl9pPr>
-          </a:lstStyle>
-          <a:p>
-            <a:pPr eaLnBrk="1" hangingPunct="1">
-              <a:defRPr/>
-            </a:pPr>
-            <a:r>
-              <a:rPr lang="en-US" altLang="zh-CN" sz="4000" kern="0" dirty="0">
-                <a:effectLst>
-                  <a:outerShdw blurRad="38100" dist="38100" dir="2700000" algn="tl">
-                    <a:srgbClr val="C0C0C0"/>
-                  </a:outerShdw>
-                </a:effectLst>
-                <a:latin typeface="Calibri" charset="0"/>
-                <a:ea typeface="Calibri" charset="0"/>
-                <a:cs typeface="Calibri" charset="0"/>
-              </a:rPr>
-              <a:t>Thank you</a:t>
-            </a:r>
-          </a:p>
-        </p:txBody>
-      </p:sp>
-      <p:sp>
-        <p:nvSpPr>
-          <p:cNvPr id="2" name="Slide Number Placeholder 1"/>
+          <p:cNvPr id="5" name="Slide Number Placeholder 4"/>
           <p:cNvSpPr>
             <a:spLocks noGrp="1"/>
           </p:cNvSpPr>
@@ -8258,7 +8842,187 @@
     </p:spTree>
     <p:extLst>
       <p:ext uri="{BB962C8B-B14F-4D97-AF65-F5344CB8AC3E}">
-        <p14:creationId xmlns:p14="http://schemas.microsoft.com/office/powerpoint/2010/main" val="15840811"/>
+        <p14:creationId xmlns:p14="http://schemas.microsoft.com/office/powerpoint/2010/main" val="216111752"/>
+      </p:ext>
+    </p:extLst>
+  </p:cSld>
+  <p:clrMapOvr>
+    <a:masterClrMapping/>
+  </p:clrMapOvr>
+</p:sld>
+</file>
+
+<file path=ppt/slides/slide9.xml><?xml version="1.0" encoding="utf-8"?>
+<p:sld xmlns:a="http://schemas.openxmlformats.org/drawingml/2006/main" xmlns:r="http://schemas.openxmlformats.org/officeDocument/2006/relationships" xmlns:p="http://schemas.openxmlformats.org/presentationml/2006/main">
+  <p:cSld>
+    <p:spTree>
+      <p:nvGrpSpPr>
+        <p:cNvPr id="1" name=""/>
+        <p:cNvGrpSpPr/>
+        <p:nvPr/>
+      </p:nvGrpSpPr>
+      <p:grpSpPr>
+        <a:xfrm>
+          <a:off x="0" y="0"/>
+          <a:ext cx="0" cy="0"/>
+          <a:chOff x="0" y="0"/>
+          <a:chExt cx="0" cy="0"/>
+        </a:xfrm>
+      </p:grpSpPr>
+      <p:sp>
+        <p:nvSpPr>
+          <p:cNvPr id="2" name="Title 1"/>
+          <p:cNvSpPr>
+            <a:spLocks noGrp="1"/>
+          </p:cNvSpPr>
+          <p:nvPr>
+            <p:ph type="title"/>
+          </p:nvPr>
+        </p:nvSpPr>
+        <p:spPr>
+          <a:xfrm>
+            <a:off x="457200" y="0"/>
+            <a:ext cx="8229600" cy="857250"/>
+          </a:xfrm>
+        </p:spPr>
+        <p:txBody>
+          <a:bodyPr/>
+          <a:lstStyle/>
+          <a:p>
+            <a:r>
+              <a:rPr lang="en-US" sz="3600" dirty="0">
+                <a:solidFill>
+                  <a:srgbClr val="0070C0"/>
+                </a:solidFill>
+                <a:latin typeface="Calibri Light" panose="020F0302020204030204" pitchFamily="34" charset="0"/>
+                <a:cs typeface="Calibri Light" panose="020F0302020204030204" pitchFamily="34" charset="0"/>
+              </a:rPr>
+              <a:t>Next Steps</a:t>
+            </a:r>
+          </a:p>
+        </p:txBody>
+      </p:sp>
+      <p:sp>
+        <p:nvSpPr>
+          <p:cNvPr id="3" name="Content Placeholder 2"/>
+          <p:cNvSpPr>
+            <a:spLocks noGrp="1"/>
+          </p:cNvSpPr>
+          <p:nvPr>
+            <p:ph idx="1"/>
+          </p:nvPr>
+        </p:nvSpPr>
+        <p:spPr>
+          <a:xfrm>
+            <a:off x="685800" y="1123950"/>
+            <a:ext cx="8001000" cy="2514599"/>
+          </a:xfrm>
+        </p:spPr>
+        <p:txBody>
+          <a:bodyPr/>
+          <a:lstStyle/>
+          <a:p>
+            <a:pPr lvl="0"/>
+            <a:r>
+              <a:rPr lang="en-US" sz="2400" dirty="0">
+                <a:latin typeface="Calibri" charset="0"/>
+                <a:ea typeface="Calibri" charset="0"/>
+                <a:cs typeface="Calibri" charset="0"/>
+              </a:rPr>
+              <a:t>Welcome your comments and suggestions</a:t>
+            </a:r>
+          </a:p>
+          <a:p>
+            <a:r>
+              <a:rPr lang="en-US" sz="2400" dirty="0"/>
+              <a:t>Request IPPM </a:t>
+            </a:r>
+            <a:r>
+              <a:rPr lang="en-US" sz="2400" dirty="0">
+                <a:latin typeface="Calibri" charset="0"/>
+                <a:ea typeface="Calibri" charset="0"/>
+                <a:cs typeface="Calibri" charset="0"/>
+              </a:rPr>
+              <a:t>WG adoption</a:t>
+            </a:r>
+          </a:p>
+          <a:p>
+            <a:endParaRPr lang="en-US" sz="2400" dirty="0">
+              <a:latin typeface="Calibri" charset="0"/>
+              <a:ea typeface="Calibri" charset="0"/>
+              <a:cs typeface="Calibri" charset="0"/>
+            </a:endParaRPr>
+          </a:p>
+        </p:txBody>
+      </p:sp>
+      <p:sp>
+        <p:nvSpPr>
+          <p:cNvPr id="4" name="Footer Placeholder 3"/>
+          <p:cNvSpPr>
+            <a:spLocks noGrp="1"/>
+          </p:cNvSpPr>
+          <p:nvPr>
+            <p:ph type="ftr" sz="quarter" idx="11"/>
+          </p:nvPr>
+        </p:nvSpPr>
+        <p:spPr>
+          <a:xfrm>
+            <a:off x="3124200" y="4786312"/>
+            <a:ext cx="2895600" cy="357188"/>
+          </a:xfrm>
+        </p:spPr>
+        <p:txBody>
+          <a:bodyPr/>
+          <a:lstStyle/>
+          <a:p>
+            <a:r>
+              <a:rPr lang="en-CA" dirty="0"/>
+              <a:t>109</a:t>
+            </a:r>
+            <a:r>
+              <a:rPr lang="en-CA" baseline="30000" dirty="0"/>
+              <a:t>th</a:t>
+            </a:r>
+            <a:r>
+              <a:rPr lang="en-CA" dirty="0"/>
+              <a:t> IETF Online</a:t>
+            </a:r>
+          </a:p>
+        </p:txBody>
+      </p:sp>
+      <p:sp>
+        <p:nvSpPr>
+          <p:cNvPr id="5" name="Slide Number Placeholder 4"/>
+          <p:cNvSpPr>
+            <a:spLocks noGrp="1"/>
+          </p:cNvSpPr>
+          <p:nvPr>
+            <p:ph type="sldNum" sz="quarter" idx="12"/>
+          </p:nvPr>
+        </p:nvSpPr>
+        <p:spPr/>
+        <p:txBody>
+          <a:bodyPr/>
+          <a:lstStyle/>
+          <a:p>
+            <a:pPr>
+              <a:defRPr/>
+            </a:pPr>
+            <a:fld id="{BD6E0F59-1DD8-40FC-9C92-B6295CBA6CCA}" type="slidenum">
+              <a:rPr lang="en-US" altLang="zh-CN" smtClean="0"/>
+              <a:pPr>
+                <a:defRPr/>
+              </a:pPr>
+              <a:t>9</a:t>
+            </a:fld>
+            <a:endParaRPr lang="en-US" altLang="zh-CN"/>
+          </a:p>
+        </p:txBody>
+      </p:sp>
+    </p:spTree>
+    <p:extLst>
+      <p:ext uri="{BB962C8B-B14F-4D97-AF65-F5344CB8AC3E}">
+        <p14:creationId xmlns:p14="http://schemas.microsoft.com/office/powerpoint/2010/main" val="2309160477"/>
       </p:ext>
     </p:extLst>
   </p:cSld>

--- a/draft-gandhi-ippm-twamp-srpm-00.pptx
+++ b/draft-gandhi-ippm-twamp-srpm-00.pptx
@@ -8332,34 +8332,20 @@
         </p:nvSpPr>
         <p:spPr>
           <a:xfrm>
-            <a:off x="685800" y="825104"/>
-            <a:ext cx="8001000" cy="3788569"/>
+            <a:off x="838200" y="1007878"/>
+            <a:ext cx="7543800" cy="3642123"/>
           </a:xfrm>
         </p:spPr>
         <p:txBody>
           <a:bodyPr/>
           <a:lstStyle/>
-          <a:p>
-            <a:pPr lvl="0">
-              <a:buFont typeface="+mj-lt"/>
-              <a:buAutoNum type="arabicPeriod"/>
-            </a:pPr>
-            <a:r>
-              <a:rPr lang="en-US" sz="1400" dirty="0">
-                <a:latin typeface="Calibri" charset="0"/>
-                <a:ea typeface="Calibri" charset="0"/>
-                <a:cs typeface="Calibri" charset="0"/>
-              </a:rPr>
-              <a:t>Extensions are not specific to SR, document should be renamed</a:t>
-            </a:r>
-          </a:p>
           <a:p>
             <a:pPr>
               <a:buFont typeface="+mj-lt"/>
               <a:buAutoNum type="arabicPeriod"/>
             </a:pPr>
             <a:r>
-              <a:rPr lang="en-US" sz="1400" dirty="0"/>
+              <a:rPr lang="en-US" sz="1200" dirty="0"/>
               <a:t>Draft status:</a:t>
             </a:r>
           </a:p>
@@ -8369,7 +8355,7 @@
               <a:buAutoNum type="alphaLcParenR"/>
             </a:pPr>
             <a:r>
-              <a:rPr lang="en-US" sz="1400" dirty="0"/>
+              <a:rPr lang="en-US" sz="1200" dirty="0"/>
               <a:t>Draft defines extensions for TWAMP Light (is not a new protocol)</a:t>
             </a:r>
           </a:p>
@@ -8379,7 +8365,11 @@
               <a:buAutoNum type="alphaLcParenR"/>
             </a:pPr>
             <a:r>
-              <a:rPr lang="en-US" sz="1400" dirty="0"/>
+              <a:rPr lang="en-US" sz="1200" dirty="0">
+                <a:solidFill>
+                  <a:srgbClr val="002060"/>
+                </a:solidFill>
+              </a:rPr>
               <a:t>Draft is currently informational. Should be proposed standard due to protocol extensions</a:t>
             </a:r>
           </a:p>
@@ -8389,7 +8379,7 @@
               <a:buAutoNum type="alphaLcParenR"/>
             </a:pPr>
             <a:r>
-              <a:rPr lang="en-US" sz="1400" dirty="0"/>
+              <a:rPr lang="en-US" sz="1200" dirty="0"/>
               <a:t>Update RFC 5357 due to new field (control code) in the message</a:t>
             </a:r>
           </a:p>
@@ -8399,8 +8389,8 @@
               <a:buAutoNum type="arabicPeriod"/>
             </a:pPr>
             <a:r>
-              <a:rPr lang="en-US" sz="1400" dirty="0"/>
-              <a:t>Does not introduce any new security issue with this draft</a:t>
+              <a:rPr lang="en-US" sz="1200" dirty="0"/>
+              <a:t>Extensions are not specific to SR, document should be renamed</a:t>
             </a:r>
           </a:p>
           <a:p>
@@ -8409,7 +8399,17 @@
               <a:buAutoNum type="arabicPeriod"/>
             </a:pPr>
             <a:r>
-              <a:rPr lang="en-US" sz="1400" dirty="0"/>
+              <a:rPr lang="en-US" sz="1200" dirty="0"/>
+              <a:t>Does not introduce any new security issue with this draft</a:t>
+            </a:r>
+          </a:p>
+          <a:p>
+            <a:pPr>
+              <a:buFont typeface="+mj-lt"/>
+              <a:buAutoNum type="arabicPeriod"/>
+            </a:pPr>
+            <a:r>
+              <a:rPr lang="en-US" sz="1200" dirty="0"/>
               <a:t>Editorial</a:t>
             </a:r>
           </a:p>
@@ -8419,7 +8419,7 @@
               <a:buAutoNum type="alphaLcParenR"/>
             </a:pPr>
             <a:r>
-              <a:rPr lang="en-US" sz="1400" dirty="0"/>
+              <a:rPr lang="en-US" sz="1200" dirty="0"/>
               <a:t>Define Abbreviations (BSID, SRH, HMAC-SHA)</a:t>
             </a:r>
           </a:p>
@@ -8429,7 +8429,7 @@
               <a:buAutoNum type="alphaLcParenR"/>
             </a:pPr>
             <a:r>
-              <a:rPr lang="en-US" sz="1400" dirty="0"/>
+              <a:rPr lang="en-US" sz="1200" dirty="0"/>
               <a:t>Use Session-Sender, Session-Reflector terms</a:t>
             </a:r>
           </a:p>
@@ -8439,7 +8439,7 @@
               <a:buAutoNum type="alphaLcParenR"/>
             </a:pPr>
             <a:r>
-              <a:rPr lang="en-US" sz="1400" dirty="0"/>
+              <a:rPr lang="en-US" sz="1200" dirty="0"/>
               <a:t>Show entire test packet with session-sender control code field</a:t>
             </a:r>
           </a:p>
@@ -8449,8 +8449,8 @@
               <a:buAutoNum type="alphaLcParenR"/>
             </a:pPr>
             <a:r>
-              <a:rPr lang="en-US" sz="1400" dirty="0"/>
-              <a:t>Indicate packet loss for synthetic vs. direct-mode loss </a:t>
+              <a:rPr lang="en-US" sz="1200" dirty="0"/>
+              <a:t>Indicate packet loss is direct-mode loss </a:t>
             </a:r>
           </a:p>
           <a:p>
@@ -8459,14 +8459,14 @@
               <a:buAutoNum type="alphaLcParenR"/>
             </a:pPr>
             <a:r>
-              <a:rPr lang="en-US" sz="1400" dirty="0"/>
+              <a:rPr lang="en-US" sz="1200" dirty="0"/>
               <a:t>Move Receive Counter and other Response message fields to Section 4.1 from 3.2</a:t>
             </a:r>
           </a:p>
           <a:p>
             <a:pPr lvl="2"/>
             <a:r>
-              <a:rPr lang="en-CA" sz="1400" dirty="0"/>
+              <a:rPr lang="en-CA" sz="1200" dirty="0"/>
               <a:t>Explain how the counters and sequence numbers are used to do loss measurement</a:t>
             </a:r>
           </a:p>
@@ -8476,17 +8476,17 @@
               <a:buAutoNum type="arabicPeriod"/>
             </a:pPr>
             <a:r>
-              <a:rPr lang="en-US" sz="1400" dirty="0"/>
+              <a:rPr lang="en-US" sz="1200" dirty="0"/>
               <a:t>Extend ICMP for direct-mode loss measurement – out of scope</a:t>
             </a:r>
-            <a:endParaRPr lang="en-US" sz="1400" dirty="0">
+            <a:endParaRPr lang="en-US" sz="1200" dirty="0">
               <a:latin typeface="Calibri" charset="0"/>
               <a:ea typeface="Calibri" charset="0"/>
               <a:cs typeface="Calibri" charset="0"/>
             </a:endParaRPr>
           </a:p>
           <a:p>
-            <a:endParaRPr lang="en-US" sz="1400" dirty="0">
+            <a:endParaRPr lang="en-US" sz="1200" dirty="0">
               <a:latin typeface="Calibri" charset="0"/>
               <a:ea typeface="Calibri" charset="0"/>
               <a:cs typeface="Calibri" charset="0"/>
@@ -8634,7 +8634,7 @@
         <p:spPr>
           <a:xfrm>
             <a:off x="685800" y="857249"/>
-            <a:ext cx="7886700" cy="3642891"/>
+            <a:ext cx="7772400" cy="3642891"/>
           </a:xfrm>
         </p:spPr>
         <p:txBody>
@@ -8646,14 +8646,14 @@
               <a:buAutoNum type="arabicPeriod"/>
             </a:pPr>
             <a:r>
-              <a:rPr lang="en-US" sz="1400" dirty="0"/>
+              <a:rPr lang="en-US" sz="1200" dirty="0"/>
               <a:t>Destination UDP port used has zero UDP checksum with IPv6 header</a:t>
             </a:r>
           </a:p>
           <a:p>
             <a:pPr lvl="1"/>
             <a:r>
-              <a:rPr lang="en-US" sz="1400" dirty="0">
+              <a:rPr lang="en-US" sz="1200" dirty="0">
                 <a:latin typeface="Calibri" charset="0"/>
                 <a:ea typeface="Calibri" charset="0"/>
                 <a:cs typeface="Calibri" charset="0"/>
@@ -8661,10 +8661,10 @@
               <a:t>Add Reference for </a:t>
             </a:r>
             <a:r>
-              <a:rPr lang="en-CA" sz="1400" dirty="0"/>
+              <a:rPr lang="en-CA" sz="1200" dirty="0"/>
               <a:t>RFC 6936 in Security Section</a:t>
             </a:r>
-            <a:endParaRPr lang="en-US" sz="1400" dirty="0">
+            <a:endParaRPr lang="en-US" sz="1200" dirty="0">
               <a:latin typeface="Calibri" charset="0"/>
               <a:ea typeface="Calibri" charset="0"/>
               <a:cs typeface="Calibri" charset="0"/>
@@ -8676,8 +8676,8 @@
               <a:buAutoNum type="arabicPeriod"/>
             </a:pPr>
             <a:r>
-              <a:rPr lang="en-US" sz="1400" dirty="0"/>
-              <a:t>Add references for well-known terms “Link” and “Congruent paths”</a:t>
+              <a:rPr lang="en-US" sz="1200" dirty="0"/>
+              <a:t>Add references for well-known terms “Link”, “SR Path”, and “Congruent paths”</a:t>
             </a:r>
           </a:p>
           <a:p>
@@ -8686,7 +8686,7 @@
               <a:buAutoNum type="arabicPeriod"/>
             </a:pPr>
             <a:r>
-              <a:rPr lang="en-US" sz="1400" dirty="0">
+              <a:rPr lang="en-US" sz="1200" dirty="0">
                 <a:latin typeface="Calibri" charset="0"/>
                 <a:ea typeface="Calibri" charset="0"/>
                 <a:cs typeface="Calibri" charset="0"/>
@@ -8700,17 +8700,17 @@
               <a:buAutoNum type="arabicPeriod"/>
             </a:pPr>
             <a:r>
-              <a:rPr lang="en-US" sz="1400" dirty="0"/>
+              <a:rPr lang="en-US" sz="1200" dirty="0"/>
               <a:t>Liveness is to compute “connection loss” performance metric </a:t>
             </a:r>
           </a:p>
           <a:p>
             <a:pPr lvl="1"/>
             <a:r>
-              <a:rPr lang="en-US" sz="1400" dirty="0"/>
+              <a:rPr lang="en-US" sz="1200" dirty="0"/>
               <a:t>Similar to the widely deployed synthetic packet loss metric</a:t>
             </a:r>
-            <a:endParaRPr lang="en-US" sz="1400" dirty="0">
+            <a:endParaRPr lang="en-US" sz="1200" dirty="0">
               <a:latin typeface="Calibri" charset="0"/>
               <a:ea typeface="Calibri" charset="0"/>
               <a:cs typeface="Calibri" charset="0"/>
@@ -8722,56 +8722,67 @@
               <a:buAutoNum type="arabicPeriod"/>
             </a:pPr>
             <a:r>
-              <a:rPr lang="en-US" sz="1400" dirty="0"/>
+              <a:rPr lang="en-US" sz="1200" dirty="0"/>
               <a:t>Editorial</a:t>
             </a:r>
           </a:p>
           <a:p>
             <a:pPr lvl="1"/>
             <a:r>
-              <a:rPr lang="en-US" sz="1400" dirty="0"/>
+              <a:rPr lang="en-US" sz="1200" dirty="0">
+                <a:solidFill>
+                  <a:srgbClr val="002060"/>
+                </a:solidFill>
+              </a:rPr>
               <a:t>Control-channel signaling -&gt; TWAMP-control protocol</a:t>
             </a:r>
           </a:p>
           <a:p>
             <a:pPr lvl="1"/>
             <a:r>
-              <a:rPr lang="en-US" sz="1400" dirty="0"/>
-              <a:t>Indicate packet loss for synthetic vs. direct-mode loss </a:t>
+              <a:rPr lang="en-US" sz="1200" dirty="0"/>
+              <a:t>Indicate packet loss is direct-mode loss </a:t>
             </a:r>
           </a:p>
           <a:p>
             <a:pPr lvl="1"/>
             <a:r>
-              <a:rPr lang="en-US" sz="1400" dirty="0"/>
+              <a:rPr lang="en-US" sz="1200" dirty="0"/>
               <a:t>Use test packet term for query message </a:t>
             </a:r>
           </a:p>
           <a:p>
             <a:pPr lvl="1"/>
             <a:r>
-              <a:rPr lang="en-US" sz="1400" dirty="0"/>
+              <a:rPr lang="en-US" sz="1200" dirty="0"/>
               <a:t>H/W timestamps required -&gt; H/W timestamps recommended </a:t>
             </a:r>
           </a:p>
           <a:p>
             <a:pPr lvl="1"/>
             <a:r>
-              <a:rPr lang="en-CA" sz="1400" dirty="0"/>
+              <a:rPr lang="en-CA" sz="1200" dirty="0"/>
               <a:t>IPv6 address ::1/128 or ::FFFF:127/104</a:t>
             </a:r>
           </a:p>
           <a:p>
             <a:pPr lvl="1"/>
             <a:r>
-              <a:rPr lang="en-CA" sz="1400" dirty="0"/>
-              <a:t>Clarify - Section 4.1.4.2 and 4.2.2.2 depict the packet format with word “as needed” for inner IP Header. </a:t>
-            </a:r>
-            <a:endParaRPr lang="en-US" sz="1400" dirty="0"/>
+              <a:rPr lang="en-CA" sz="1200" dirty="0"/>
+              <a:t>Clarify - Section 4.1.4.2 and 4.2.2.2 depict the packet format with word “as needed” for inner IP Header</a:t>
+            </a:r>
           </a:p>
           <a:p>
             <a:pPr lvl="1"/>
-            <a:endParaRPr lang="en-US" sz="1400" dirty="0"/>
+            <a:r>
+              <a:rPr lang="en-CA" sz="1200" dirty="0"/>
+              <a:t>Different UDP destination port when running authenticated and unauthenticated sessions simultaneously</a:t>
+            </a:r>
+            <a:endParaRPr lang="en-US" sz="1200" dirty="0"/>
+          </a:p>
+          <a:p>
+            <a:pPr lvl="1"/>
+            <a:endParaRPr lang="en-US" sz="1200" dirty="0"/>
           </a:p>
         </p:txBody>
       </p:sp>

--- a/draft-gandhi-ippm-twamp-srpm-00.pptx
+++ b/draft-gandhi-ippm-twamp-srpm-00.pptx
@@ -5,22 +5,23 @@
     <p:sldMasterId id="2147483648" r:id="rId1"/>
   </p:sldMasterIdLst>
   <p:notesMasterIdLst>
-    <p:notesMasterId r:id="rId12"/>
+    <p:notesMasterId r:id="rId13"/>
   </p:notesMasterIdLst>
   <p:handoutMasterIdLst>
-    <p:handoutMasterId r:id="rId13"/>
+    <p:handoutMasterId r:id="rId14"/>
   </p:handoutMasterIdLst>
   <p:sldIdLst>
     <p:sldId id="256" r:id="rId2"/>
     <p:sldId id="299" r:id="rId3"/>
     <p:sldId id="315" r:id="rId4"/>
-    <p:sldId id="1661" r:id="rId5"/>
-    <p:sldId id="1660" r:id="rId6"/>
-    <p:sldId id="321" r:id="rId7"/>
-    <p:sldId id="1662" r:id="rId8"/>
-    <p:sldId id="1663" r:id="rId9"/>
-    <p:sldId id="318" r:id="rId10"/>
-    <p:sldId id="303" r:id="rId11"/>
+    <p:sldId id="1675" r:id="rId5"/>
+    <p:sldId id="1661" r:id="rId6"/>
+    <p:sldId id="1660" r:id="rId7"/>
+    <p:sldId id="321" r:id="rId8"/>
+    <p:sldId id="1662" r:id="rId9"/>
+    <p:sldId id="1663" r:id="rId10"/>
+    <p:sldId id="318" r:id="rId11"/>
+    <p:sldId id="303" r:id="rId12"/>
   </p:sldIdLst>
   <p:sldSz cx="9144000" cy="5143500" type="screen16x9"/>
   <p:notesSz cx="6858000" cy="9144000"/>
@@ -1130,7 +1131,7 @@
     </p:spTree>
     <p:extLst>
       <p:ext uri="{BB962C8B-B14F-4D97-AF65-F5344CB8AC3E}">
-        <p14:creationId xmlns:p14="http://schemas.microsoft.com/office/powerpoint/2010/main" val="426452747"/>
+        <p14:creationId xmlns:p14="http://schemas.microsoft.com/office/powerpoint/2010/main" val="2372091808"/>
       </p:ext>
     </p:extLst>
   </p:cSld>
@@ -1211,7 +1212,7 @@
               <a:pPr>
                 <a:defRPr/>
               </a:pPr>
-              <a:t>7</a:t>
+              <a:t>5</a:t>
             </a:fld>
             <a:endParaRPr lang="en-US" altLang="zh-CN"/>
           </a:p>
@@ -1220,7 +1221,7 @@
     </p:spTree>
     <p:extLst>
       <p:ext uri="{BB962C8B-B14F-4D97-AF65-F5344CB8AC3E}">
-        <p14:creationId xmlns:p14="http://schemas.microsoft.com/office/powerpoint/2010/main" val="1719800090"/>
+        <p14:creationId xmlns:p14="http://schemas.microsoft.com/office/powerpoint/2010/main" val="426452747"/>
       </p:ext>
     </p:extLst>
   </p:cSld>
@@ -1310,7 +1311,7 @@
     </p:spTree>
     <p:extLst>
       <p:ext uri="{BB962C8B-B14F-4D97-AF65-F5344CB8AC3E}">
-        <p14:creationId xmlns:p14="http://schemas.microsoft.com/office/powerpoint/2010/main" val="2978086365"/>
+        <p14:creationId xmlns:p14="http://schemas.microsoft.com/office/powerpoint/2010/main" val="1719800090"/>
       </p:ext>
     </p:extLst>
   </p:cSld>
@@ -1400,7 +1401,7 @@
     </p:spTree>
     <p:extLst>
       <p:ext uri="{BB962C8B-B14F-4D97-AF65-F5344CB8AC3E}">
-        <p14:creationId xmlns:p14="http://schemas.microsoft.com/office/powerpoint/2010/main" val="1422079827"/>
+        <p14:creationId xmlns:p14="http://schemas.microsoft.com/office/powerpoint/2010/main" val="2978086365"/>
       </p:ext>
     </p:extLst>
   </p:cSld>
@@ -1454,7 +1455,7 @@
           <a:bodyPr/>
           <a:lstStyle/>
           <a:p>
-            <a:endParaRPr lang="en-US" dirty="0"/>
+            <a:endParaRPr lang="en-CA" dirty="0"/>
           </a:p>
         </p:txBody>
       </p:sp>
@@ -1482,6 +1483,96 @@
                 <a:defRPr/>
               </a:pPr>
               <a:t>10</a:t>
+            </a:fld>
+            <a:endParaRPr lang="en-US" altLang="zh-CN"/>
+          </a:p>
+        </p:txBody>
+      </p:sp>
+    </p:spTree>
+    <p:extLst>
+      <p:ext uri="{BB962C8B-B14F-4D97-AF65-F5344CB8AC3E}">
+        <p14:creationId xmlns:p14="http://schemas.microsoft.com/office/powerpoint/2010/main" val="1422079827"/>
+      </p:ext>
+    </p:extLst>
+  </p:cSld>
+  <p:clrMapOvr>
+    <a:masterClrMapping/>
+  </p:clrMapOvr>
+</p:notes>
+</file>
+
+<file path=ppt/notesSlides/notesSlide9.xml><?xml version="1.0" encoding="utf-8"?>
+<p:notes xmlns:a="http://schemas.openxmlformats.org/drawingml/2006/main" xmlns:r="http://schemas.openxmlformats.org/officeDocument/2006/relationships" xmlns:p="http://schemas.openxmlformats.org/presentationml/2006/main">
+  <p:cSld>
+    <p:spTree>
+      <p:nvGrpSpPr>
+        <p:cNvPr id="1" name=""/>
+        <p:cNvGrpSpPr/>
+        <p:nvPr/>
+      </p:nvGrpSpPr>
+      <p:grpSpPr>
+        <a:xfrm>
+          <a:off x="0" y="0"/>
+          <a:ext cx="0" cy="0"/>
+          <a:chOff x="0" y="0"/>
+          <a:chExt cx="0" cy="0"/>
+        </a:xfrm>
+      </p:grpSpPr>
+      <p:sp>
+        <p:nvSpPr>
+          <p:cNvPr id="2" name="Slide Image Placeholder 1"/>
+          <p:cNvSpPr>
+            <a:spLocks noGrp="1" noRot="1" noChangeAspect="1"/>
+          </p:cNvSpPr>
+          <p:nvPr>
+            <p:ph type="sldImg"/>
+          </p:nvPr>
+        </p:nvSpPr>
+        <p:spPr/>
+      </p:sp>
+      <p:sp>
+        <p:nvSpPr>
+          <p:cNvPr id="3" name="Notes Placeholder 2"/>
+          <p:cNvSpPr>
+            <a:spLocks noGrp="1"/>
+          </p:cNvSpPr>
+          <p:nvPr>
+            <p:ph type="body" idx="1"/>
+          </p:nvPr>
+        </p:nvSpPr>
+        <p:spPr/>
+        <p:txBody>
+          <a:bodyPr/>
+          <a:lstStyle/>
+          <a:p>
+            <a:endParaRPr lang="en-US" dirty="0"/>
+          </a:p>
+        </p:txBody>
+      </p:sp>
+      <p:sp>
+        <p:nvSpPr>
+          <p:cNvPr id="4" name="Slide Number Placeholder 3"/>
+          <p:cNvSpPr>
+            <a:spLocks noGrp="1"/>
+          </p:cNvSpPr>
+          <p:nvPr>
+            <p:ph type="sldNum" sz="quarter" idx="10"/>
+          </p:nvPr>
+        </p:nvSpPr>
+        <p:spPr/>
+        <p:txBody>
+          <a:bodyPr/>
+          <a:lstStyle/>
+          <a:p>
+            <a:pPr>
+              <a:defRPr/>
+            </a:pPr>
+            <a:fld id="{100938BD-FD70-4535-B0C2-13FC38CDF1BE}" type="slidenum">
+              <a:rPr lang="en-US" altLang="zh-CN" smtClean="0"/>
+              <a:pPr>
+                <a:defRPr/>
+              </a:pPr>
+              <a:t>11</a:t>
             </a:fld>
             <a:endParaRPr lang="en-US" altLang="zh-CN"/>
           </a:p>
@@ -5089,6 +5180,186 @@
       </p:grpSpPr>
       <p:sp>
         <p:nvSpPr>
+          <p:cNvPr id="2" name="Title 1"/>
+          <p:cNvSpPr>
+            <a:spLocks noGrp="1"/>
+          </p:cNvSpPr>
+          <p:nvPr>
+            <p:ph type="title"/>
+          </p:nvPr>
+        </p:nvSpPr>
+        <p:spPr>
+          <a:xfrm>
+            <a:off x="457200" y="0"/>
+            <a:ext cx="8229600" cy="857250"/>
+          </a:xfrm>
+        </p:spPr>
+        <p:txBody>
+          <a:bodyPr/>
+          <a:lstStyle/>
+          <a:p>
+            <a:r>
+              <a:rPr lang="en-US" sz="3600" dirty="0">
+                <a:solidFill>
+                  <a:srgbClr val="0070C0"/>
+                </a:solidFill>
+                <a:latin typeface="Calibri Light" panose="020F0302020204030204" pitchFamily="34" charset="0"/>
+                <a:cs typeface="Calibri Light" panose="020F0302020204030204" pitchFamily="34" charset="0"/>
+              </a:rPr>
+              <a:t>Next Steps</a:t>
+            </a:r>
+          </a:p>
+        </p:txBody>
+      </p:sp>
+      <p:sp>
+        <p:nvSpPr>
+          <p:cNvPr id="3" name="Content Placeholder 2"/>
+          <p:cNvSpPr>
+            <a:spLocks noGrp="1"/>
+          </p:cNvSpPr>
+          <p:nvPr>
+            <p:ph idx="1"/>
+          </p:nvPr>
+        </p:nvSpPr>
+        <p:spPr>
+          <a:xfrm>
+            <a:off x="685800" y="1123950"/>
+            <a:ext cx="8001000" cy="2514599"/>
+          </a:xfrm>
+        </p:spPr>
+        <p:txBody>
+          <a:bodyPr/>
+          <a:lstStyle/>
+          <a:p>
+            <a:pPr lvl="0"/>
+            <a:r>
+              <a:rPr lang="en-US" sz="2400" dirty="0">
+                <a:latin typeface="Calibri" charset="0"/>
+                <a:ea typeface="Calibri" charset="0"/>
+                <a:cs typeface="Calibri" charset="0"/>
+              </a:rPr>
+              <a:t>Welcome your comments and suggestions</a:t>
+            </a:r>
+          </a:p>
+          <a:p>
+            <a:r>
+              <a:rPr lang="en-US" sz="2400" dirty="0"/>
+              <a:t>Request IPPM </a:t>
+            </a:r>
+            <a:r>
+              <a:rPr lang="en-US" sz="2400" dirty="0">
+                <a:latin typeface="Calibri" charset="0"/>
+                <a:ea typeface="Calibri" charset="0"/>
+                <a:cs typeface="Calibri" charset="0"/>
+              </a:rPr>
+              <a:t>WG adoption</a:t>
+            </a:r>
+          </a:p>
+          <a:p>
+            <a:endParaRPr lang="en-US" sz="2400" dirty="0">
+              <a:latin typeface="Calibri" charset="0"/>
+              <a:ea typeface="Calibri" charset="0"/>
+              <a:cs typeface="Calibri" charset="0"/>
+            </a:endParaRPr>
+          </a:p>
+        </p:txBody>
+      </p:sp>
+      <p:sp>
+        <p:nvSpPr>
+          <p:cNvPr id="4" name="Footer Placeholder 3"/>
+          <p:cNvSpPr>
+            <a:spLocks noGrp="1"/>
+          </p:cNvSpPr>
+          <p:nvPr>
+            <p:ph type="ftr" sz="quarter" idx="11"/>
+          </p:nvPr>
+        </p:nvSpPr>
+        <p:spPr>
+          <a:xfrm>
+            <a:off x="3124200" y="4786312"/>
+            <a:ext cx="2895600" cy="357188"/>
+          </a:xfrm>
+        </p:spPr>
+        <p:txBody>
+          <a:bodyPr/>
+          <a:lstStyle/>
+          <a:p>
+            <a:r>
+              <a:rPr lang="en-CA" dirty="0"/>
+              <a:t>109</a:t>
+            </a:r>
+            <a:r>
+              <a:rPr lang="en-CA" baseline="30000" dirty="0"/>
+              <a:t>th</a:t>
+            </a:r>
+            <a:r>
+              <a:rPr lang="en-CA" dirty="0"/>
+              <a:t> IETF Online</a:t>
+            </a:r>
+          </a:p>
+        </p:txBody>
+      </p:sp>
+      <p:sp>
+        <p:nvSpPr>
+          <p:cNvPr id="5" name="Slide Number Placeholder 4"/>
+          <p:cNvSpPr>
+            <a:spLocks noGrp="1"/>
+          </p:cNvSpPr>
+          <p:nvPr>
+            <p:ph type="sldNum" sz="quarter" idx="12"/>
+          </p:nvPr>
+        </p:nvSpPr>
+        <p:spPr/>
+        <p:txBody>
+          <a:bodyPr/>
+          <a:lstStyle/>
+          <a:p>
+            <a:pPr>
+              <a:defRPr/>
+            </a:pPr>
+            <a:fld id="{BD6E0F59-1DD8-40FC-9C92-B6295CBA6CCA}" type="slidenum">
+              <a:rPr lang="en-US" altLang="zh-CN" smtClean="0"/>
+              <a:pPr>
+                <a:defRPr/>
+              </a:pPr>
+              <a:t>10</a:t>
+            </a:fld>
+            <a:endParaRPr lang="en-US" altLang="zh-CN"/>
+          </a:p>
+        </p:txBody>
+      </p:sp>
+    </p:spTree>
+    <p:extLst>
+      <p:ext uri="{BB962C8B-B14F-4D97-AF65-F5344CB8AC3E}">
+        <p14:creationId xmlns:p14="http://schemas.microsoft.com/office/powerpoint/2010/main" val="2309160477"/>
+      </p:ext>
+    </p:extLst>
+  </p:cSld>
+  <p:clrMapOvr>
+    <a:masterClrMapping/>
+  </p:clrMapOvr>
+</p:sld>
+</file>
+
+<file path=ppt/slides/slide11.xml><?xml version="1.0" encoding="utf-8"?>
+<p:sld xmlns:a="http://schemas.openxmlformats.org/drawingml/2006/main" xmlns:r="http://schemas.openxmlformats.org/officeDocument/2006/relationships" xmlns:p="http://schemas.openxmlformats.org/presentationml/2006/main">
+  <p:cSld>
+    <p:spTree>
+      <p:nvGrpSpPr>
+        <p:cNvPr id="1" name=""/>
+        <p:cNvGrpSpPr/>
+        <p:nvPr/>
+      </p:nvGrpSpPr>
+      <p:grpSpPr>
+        <a:xfrm>
+          <a:off x="0" y="0"/>
+          <a:ext cx="0" cy="0"/>
+          <a:chOff x="0" y="0"/>
+          <a:chExt cx="0" cy="0"/>
+        </a:xfrm>
+      </p:grpSpPr>
+      <p:sp>
+        <p:nvSpPr>
           <p:cNvPr id="4" name="Footer Placeholder 3"/>
           <p:cNvSpPr>
             <a:spLocks noGrp="1"/>
@@ -5334,7 +5605,7 @@
               <a:pPr>
                 <a:defRPr/>
               </a:pPr>
-              <a:t>10</a:t>
+              <a:t>11</a:t>
             </a:fld>
             <a:endParaRPr lang="en-US" altLang="zh-CN"/>
           </a:p>
@@ -5788,7 +6059,7 @@
                 <a:latin typeface="Calibri Light" panose="020F0302020204030204" pitchFamily="34" charset="0"/>
                 <a:cs typeface="Calibri Light" panose="020F0302020204030204" pitchFamily="34" charset="0"/>
               </a:rPr>
-              <a:t>History of the Draft</a:t>
+              <a:t>TWAMP Light - Summary of PM Drafts</a:t>
             </a:r>
           </a:p>
         </p:txBody>
@@ -5805,229 +6076,226 @@
         </p:nvSpPr>
         <p:spPr>
           <a:xfrm>
-            <a:off x="457200" y="998934"/>
-            <a:ext cx="8229600" cy="3543300"/>
+            <a:off x="533400" y="947738"/>
+            <a:ext cx="8077200" cy="3543300"/>
           </a:xfrm>
         </p:spPr>
         <p:txBody>
           <a:bodyPr/>
           <a:lstStyle/>
           <a:p>
-            <a:r>
-              <a:rPr lang="en-US" sz="1050" dirty="0"/>
-              <a:t>Feb 2019</a:t>
-            </a:r>
-          </a:p>
-          <a:p>
-            <a:pPr lvl="1"/>
-            <a:r>
-              <a:rPr lang="en-US" sz="1050" dirty="0"/>
-              <a:t>Draft was published - </a:t>
-            </a:r>
-            <a:r>
-              <a:rPr lang="en-US" sz="1050" i="1" dirty="0"/>
-              <a:t>draft-gandhi-spring-twamp-srpm-00</a:t>
-            </a:r>
-            <a:endParaRPr lang="en-US" sz="1050" dirty="0"/>
-          </a:p>
-          <a:p>
-            <a:r>
-              <a:rPr lang="en-US" sz="1050" dirty="0"/>
-              <a:t>Mar 2019</a:t>
-            </a:r>
-          </a:p>
-          <a:p>
-            <a:pPr lvl="1"/>
-            <a:r>
-              <a:rPr lang="en-US" sz="1050" dirty="0"/>
-              <a:t>Presented </a:t>
-            </a:r>
-            <a:r>
-              <a:rPr lang="en-US" sz="1050" i="1" dirty="0"/>
-              <a:t>draft-gandhi-spring-twamp-srpm-00</a:t>
-            </a:r>
-            <a:r>
-              <a:rPr lang="en-US" sz="1050" dirty="0"/>
-              <a:t> at IETF 104 Prague in SPRING WG</a:t>
-            </a:r>
-          </a:p>
-          <a:p>
-            <a:r>
-              <a:rPr lang="en-US" sz="1050" dirty="0"/>
-              <a:t>July 2019</a:t>
-            </a:r>
-          </a:p>
-          <a:p>
-            <a:pPr lvl="1"/>
-            <a:r>
-              <a:rPr lang="en-US" sz="1050" dirty="0"/>
-              <a:t>Presented </a:t>
-            </a:r>
-            <a:r>
-              <a:rPr lang="en-US" sz="1050" i="1" dirty="0"/>
-              <a:t>draft-gandhi-spring-twamp-srpm-01</a:t>
-            </a:r>
-            <a:r>
-              <a:rPr lang="en-US" sz="1050" dirty="0"/>
-              <a:t> at IETF 105 Montreal in IPPM WG</a:t>
-            </a:r>
-          </a:p>
-          <a:p>
-            <a:pPr lvl="2"/>
-            <a:r>
-              <a:rPr lang="en-US" sz="1050" dirty="0"/>
-              <a:t>Slide 9 Titled - </a:t>
-            </a:r>
-            <a:r>
-              <a:rPr lang="en-CA" sz="1050" dirty="0"/>
-              <a:t>Applicability of STAMP</a:t>
-            </a:r>
-            <a:endParaRPr lang="en-US" sz="1050" dirty="0"/>
-          </a:p>
-          <a:p>
-            <a:r>
-              <a:rPr lang="en-US" sz="1050" dirty="0"/>
-              <a:t>Nov 2019</a:t>
-            </a:r>
-          </a:p>
-          <a:p>
-            <a:pPr lvl="1"/>
-            <a:r>
-              <a:rPr lang="en-US" sz="1050" dirty="0"/>
-              <a:t>SPRING Chairs announced in the meeting the agreement with IPPM chairs to progress the draft in SPRING WG</a:t>
-            </a:r>
-          </a:p>
-          <a:p>
-            <a:pPr lvl="1"/>
-            <a:r>
-              <a:rPr lang="en-US" sz="1050" dirty="0"/>
-              <a:t>Presented </a:t>
-            </a:r>
-            <a:r>
-              <a:rPr lang="en-US" sz="1050" i="1" dirty="0"/>
-              <a:t>draft-gandhi-spring-twamp-srpm-04</a:t>
-            </a:r>
-            <a:r>
-              <a:rPr lang="en-US" sz="1050" dirty="0"/>
-              <a:t> at IETF 106 Singapore in SPRING WG</a:t>
-            </a:r>
-          </a:p>
-          <a:p>
-            <a:r>
-              <a:rPr lang="en-US" sz="1050" dirty="0"/>
-              <a:t>Mar 2020</a:t>
-            </a:r>
-          </a:p>
-          <a:p>
-            <a:pPr lvl="1"/>
-            <a:r>
-              <a:rPr lang="en-US" sz="1050" dirty="0"/>
-              <a:t>Moved STAMP support to </a:t>
-            </a:r>
-            <a:r>
-              <a:rPr lang="en-US" sz="1050" i="1" dirty="0"/>
-              <a:t>draft-gandhi-spring-</a:t>
-            </a:r>
-            <a:r>
-              <a:rPr lang="en-US" sz="1050" b="1" i="1" dirty="0"/>
-              <a:t>stamp</a:t>
-            </a:r>
-            <a:r>
-              <a:rPr lang="en-US" sz="1050" i="1" dirty="0"/>
-              <a:t>-srpm-00</a:t>
-            </a:r>
-          </a:p>
-          <a:p>
-            <a:pPr lvl="1"/>
-            <a:r>
-              <a:rPr lang="en-US" sz="1050" dirty="0"/>
-              <a:t>Keep TWAMP Light support as informational in </a:t>
-            </a:r>
-            <a:r>
-              <a:rPr lang="en-US" sz="1050" i="1" dirty="0"/>
-              <a:t>draft-gandhi-spring-</a:t>
-            </a:r>
-            <a:r>
-              <a:rPr lang="en-US" sz="1050" b="1" i="1" dirty="0"/>
+            <a:pPr marL="0" indent="0">
+              <a:lnSpc>
+                <a:spcPts val="1680"/>
+              </a:lnSpc>
+              <a:spcBef>
+                <a:spcPts val="600"/>
+              </a:spcBef>
+              <a:buNone/>
+            </a:pPr>
+            <a:r>
+              <a:rPr lang="en-US" sz="1600" b="1" dirty="0">
+                <a:latin typeface="Calibri" panose="020F0502020204030204" pitchFamily="34" charset="0"/>
+                <a:cs typeface="Calibri" panose="020F0502020204030204" pitchFamily="34" charset="0"/>
+              </a:rPr>
+              <a:t>draft-</a:t>
+            </a:r>
+            <a:r>
+              <a:rPr lang="en-US" sz="1600" b="1" dirty="0" err="1">
+                <a:latin typeface="Calibri" panose="020F0502020204030204" pitchFamily="34" charset="0"/>
+                <a:cs typeface="Calibri" panose="020F0502020204030204" pitchFamily="34" charset="0"/>
+              </a:rPr>
+              <a:t>gandhi</a:t>
+            </a:r>
+            <a:r>
+              <a:rPr lang="en-US" sz="1600" b="1" dirty="0">
+                <a:latin typeface="Calibri" panose="020F0502020204030204" pitchFamily="34" charset="0"/>
+                <a:cs typeface="Calibri" panose="020F0502020204030204" pitchFamily="34" charset="0"/>
+              </a:rPr>
+              <a:t>-spring-</a:t>
+            </a:r>
+            <a:r>
+              <a:rPr lang="en-US" sz="1600" b="1" dirty="0" err="1">
+                <a:latin typeface="Calibri" panose="020F0502020204030204" pitchFamily="34" charset="0"/>
+                <a:cs typeface="Calibri" panose="020F0502020204030204" pitchFamily="34" charset="0"/>
+              </a:rPr>
               <a:t>twamp</a:t>
             </a:r>
             <a:r>
-              <a:rPr lang="en-US" sz="1050" i="1" dirty="0"/>
-              <a:t>-srpm-08</a:t>
-            </a:r>
-          </a:p>
-          <a:p>
-            <a:r>
-              <a:rPr lang="en-US" sz="1050" dirty="0"/>
-              <a:t>Jul 2020</a:t>
-            </a:r>
-          </a:p>
-          <a:p>
-            <a:pPr lvl="1"/>
-            <a:r>
-              <a:rPr lang="en-US" sz="1050" dirty="0"/>
-              <a:t>Presented </a:t>
-            </a:r>
-            <a:r>
-              <a:rPr lang="en-US" sz="1050" i="1" dirty="0"/>
-              <a:t>draft-gandhi-spring-twamp-srpm-09</a:t>
-            </a:r>
-            <a:r>
-              <a:rPr lang="en-US" sz="1050" dirty="0"/>
-              <a:t> at IETF 109 in IPPM WG </a:t>
-            </a:r>
-          </a:p>
-          <a:p>
-            <a:r>
-              <a:rPr lang="en-US" sz="1050" dirty="0"/>
-              <a:t>October 2020</a:t>
-            </a:r>
-          </a:p>
-          <a:p>
-            <a:pPr lvl="1"/>
-            <a:r>
-              <a:rPr lang="en-US" sz="1050" dirty="0"/>
-              <a:t>Split draft </a:t>
-            </a:r>
-            <a:r>
-              <a:rPr lang="en-US" sz="1050"/>
-              <a:t>into </a:t>
-            </a:r>
-            <a:r>
-              <a:rPr lang="en-US" sz="1050" i="1"/>
-              <a:t>draft-gandhi-</a:t>
-            </a:r>
-            <a:r>
-              <a:rPr lang="en-US" sz="1050" b="1" i="1"/>
-              <a:t>spring</a:t>
-            </a:r>
-            <a:r>
-              <a:rPr lang="en-US" sz="1050" i="1"/>
-              <a:t>-twamp-srpm-11 </a:t>
-            </a:r>
-            <a:r>
-              <a:rPr lang="en-US" sz="1050" i="1" dirty="0"/>
-              <a:t>and draft-gandhi-</a:t>
-            </a:r>
-            <a:r>
-              <a:rPr lang="en-US" sz="1050" b="1" i="1" dirty="0"/>
-              <a:t>ippm</a:t>
-            </a:r>
-            <a:r>
-              <a:rPr lang="en-US" sz="1050" i="1" dirty="0"/>
-              <a:t>-twamp-srpm-00</a:t>
-            </a:r>
-            <a:endParaRPr lang="en-US" sz="1050" dirty="0"/>
-          </a:p>
-          <a:p>
-            <a:pPr lvl="1"/>
-            <a:endParaRPr lang="en-US" sz="1050" dirty="0"/>
+              <a:rPr lang="en-US" sz="1600" b="1" dirty="0">
+                <a:latin typeface="Calibri" panose="020F0502020204030204" pitchFamily="34" charset="0"/>
+                <a:cs typeface="Calibri" panose="020F0502020204030204" pitchFamily="34" charset="0"/>
+              </a:rPr>
+              <a:t>-</a:t>
+            </a:r>
+            <a:r>
+              <a:rPr lang="en-US" sz="1600" b="1" dirty="0" err="1">
+                <a:latin typeface="Calibri" panose="020F0502020204030204" pitchFamily="34" charset="0"/>
+                <a:cs typeface="Calibri" panose="020F0502020204030204" pitchFamily="34" charset="0"/>
+              </a:rPr>
+              <a:t>srpm</a:t>
+            </a:r>
+            <a:endParaRPr lang="en-US" sz="1600" b="1" dirty="0">
+              <a:latin typeface="Calibri" panose="020F0502020204030204" pitchFamily="34" charset="0"/>
+              <a:cs typeface="Calibri" panose="020F0502020204030204" pitchFamily="34" charset="0"/>
+            </a:endParaRPr>
+          </a:p>
+          <a:p>
+            <a:pPr>
+              <a:lnSpc>
+                <a:spcPts val="1680"/>
+              </a:lnSpc>
+              <a:spcBef>
+                <a:spcPts val="600"/>
+              </a:spcBef>
+            </a:pPr>
+            <a:r>
+              <a:rPr lang="en-US" sz="1600" dirty="0">
+                <a:latin typeface="Calibri" panose="020F0502020204030204" pitchFamily="34" charset="0"/>
+                <a:cs typeface="Calibri" panose="020F0502020204030204" pitchFamily="34" charset="0"/>
+              </a:rPr>
+              <a:t>Defines procedures for delay, synthetic loss and direct-mode loss measurements</a:t>
+            </a:r>
+          </a:p>
+          <a:p>
+            <a:pPr lvl="1">
+              <a:lnSpc>
+                <a:spcPts val="1680"/>
+              </a:lnSpc>
+              <a:spcBef>
+                <a:spcPts val="600"/>
+              </a:spcBef>
+            </a:pPr>
+            <a:r>
+              <a:rPr lang="en-US" sz="1600" dirty="0">
+                <a:latin typeface="Calibri" panose="020F0502020204030204" pitchFamily="34" charset="0"/>
+                <a:cs typeface="Calibri" panose="020F0502020204030204" pitchFamily="34" charset="0"/>
+              </a:rPr>
+              <a:t>For Links and end-to-end SR Paths for SR-MPLS and SRv6 data planes</a:t>
+            </a:r>
+          </a:p>
+          <a:p>
+            <a:pPr>
+              <a:lnSpc>
+                <a:spcPts val="1680"/>
+              </a:lnSpc>
+              <a:spcBef>
+                <a:spcPts val="600"/>
+              </a:spcBef>
+            </a:pPr>
+            <a:endParaRPr lang="en-US" sz="1600" dirty="0">
+              <a:latin typeface="Calibri" panose="020F0502020204030204" pitchFamily="34" charset="0"/>
+              <a:cs typeface="Calibri" panose="020F0502020204030204" pitchFamily="34" charset="0"/>
+            </a:endParaRPr>
+          </a:p>
+          <a:p>
+            <a:pPr marL="0" indent="0">
+              <a:lnSpc>
+                <a:spcPts val="1680"/>
+              </a:lnSpc>
+              <a:spcBef>
+                <a:spcPts val="600"/>
+              </a:spcBef>
+              <a:buNone/>
+            </a:pPr>
+            <a:r>
+              <a:rPr lang="en-US" sz="1600" b="1" dirty="0">
+                <a:latin typeface="Calibri" panose="020F0502020204030204" pitchFamily="34" charset="0"/>
+                <a:cs typeface="Calibri" panose="020F0502020204030204" pitchFamily="34" charset="0"/>
+              </a:rPr>
+              <a:t>draft-</a:t>
+            </a:r>
+            <a:r>
+              <a:rPr lang="en-US" sz="1600" b="1" dirty="0" err="1">
+                <a:latin typeface="Calibri" panose="020F0502020204030204" pitchFamily="34" charset="0"/>
+                <a:cs typeface="Calibri" panose="020F0502020204030204" pitchFamily="34" charset="0"/>
+              </a:rPr>
+              <a:t>gandhi</a:t>
+            </a:r>
+            <a:r>
+              <a:rPr lang="en-US" sz="1600" b="1" dirty="0">
+                <a:latin typeface="Calibri" panose="020F0502020204030204" pitchFamily="34" charset="0"/>
+                <a:cs typeface="Calibri" panose="020F0502020204030204" pitchFamily="34" charset="0"/>
+              </a:rPr>
+              <a:t>-</a:t>
+            </a:r>
+            <a:r>
+              <a:rPr lang="en-US" sz="1600" b="1" dirty="0" err="1">
+                <a:latin typeface="Calibri" panose="020F0502020204030204" pitchFamily="34" charset="0"/>
+                <a:cs typeface="Calibri" panose="020F0502020204030204" pitchFamily="34" charset="0"/>
+              </a:rPr>
+              <a:t>ippm-twamp-srpm</a:t>
+            </a:r>
+            <a:endParaRPr lang="en-US" sz="1600" b="1" dirty="0">
+              <a:latin typeface="Calibri" panose="020F0502020204030204" pitchFamily="34" charset="0"/>
+              <a:cs typeface="Calibri" panose="020F0502020204030204" pitchFamily="34" charset="0"/>
+            </a:endParaRPr>
+          </a:p>
+          <a:p>
+            <a:pPr>
+              <a:lnSpc>
+                <a:spcPts val="1680"/>
+              </a:lnSpc>
+              <a:spcBef>
+                <a:spcPts val="600"/>
+              </a:spcBef>
+            </a:pPr>
+            <a:r>
+              <a:rPr lang="en-US" sz="1600" dirty="0">
+                <a:latin typeface="Calibri" panose="020F0502020204030204" pitchFamily="34" charset="0"/>
+                <a:cs typeface="Calibri" panose="020F0502020204030204" pitchFamily="34" charset="0"/>
+              </a:rPr>
+              <a:t>Defines extensions for TWAMP Light for Segment Routing</a:t>
+            </a:r>
+          </a:p>
+          <a:p>
+            <a:pPr lvl="1">
+              <a:lnSpc>
+                <a:spcPts val="1680"/>
+              </a:lnSpc>
+              <a:spcBef>
+                <a:spcPts val="600"/>
+              </a:spcBef>
+            </a:pPr>
+            <a:r>
+              <a:rPr lang="en-US" sz="1600" dirty="0">
+                <a:latin typeface="Calibri" panose="020F0502020204030204" pitchFamily="34" charset="0"/>
+                <a:cs typeface="Calibri" panose="020F0502020204030204" pitchFamily="34" charset="0"/>
+              </a:rPr>
+              <a:t>Defines Session-Sender Control Code field for in-band response request</a:t>
+            </a:r>
+          </a:p>
+          <a:p>
+            <a:pPr lvl="1">
+              <a:lnSpc>
+                <a:spcPts val="1680"/>
+              </a:lnSpc>
+              <a:spcBef>
+                <a:spcPts val="600"/>
+              </a:spcBef>
+            </a:pPr>
+            <a:r>
+              <a:rPr lang="en-US" sz="1600" dirty="0">
+                <a:latin typeface="Calibri" panose="020F0502020204030204" pitchFamily="34" charset="0"/>
+                <a:cs typeface="Calibri" panose="020F0502020204030204" pitchFamily="34" charset="0"/>
+              </a:rPr>
+              <a:t>Defines stand-alone direct-mode loss measurement query and response messages</a:t>
+            </a:r>
           </a:p>
           <a:p>
             <a:pPr marL="457200" lvl="1" indent="0">
+              <a:lnSpc>
+                <a:spcPts val="1680"/>
+              </a:lnSpc>
+              <a:spcBef>
+                <a:spcPts val="600"/>
+              </a:spcBef>
               <a:buNone/>
             </a:pPr>
-            <a:endParaRPr lang="en-US" sz="1050" i="1" dirty="0"/>
+            <a:endParaRPr lang="en-US" sz="1600" dirty="0">
+              <a:latin typeface="Calibri" panose="020F0502020204030204" pitchFamily="34" charset="0"/>
+              <a:cs typeface="Calibri" panose="020F0502020204030204" pitchFamily="34" charset="0"/>
+            </a:endParaRPr>
           </a:p>
         </p:txBody>
       </p:sp>
@@ -6098,7 +6366,7 @@
     </p:spTree>
     <p:extLst>
       <p:ext uri="{BB962C8B-B14F-4D97-AF65-F5344CB8AC3E}">
-        <p14:creationId xmlns:p14="http://schemas.microsoft.com/office/powerpoint/2010/main" val="283095381"/>
+        <p14:creationId xmlns:p14="http://schemas.microsoft.com/office/powerpoint/2010/main" val="668916517"/>
       </p:ext>
     </p:extLst>
   </p:cSld>
@@ -6127,6 +6395,371 @@
       </p:grpSpPr>
       <p:sp>
         <p:nvSpPr>
+          <p:cNvPr id="2" name="Title 1"/>
+          <p:cNvSpPr>
+            <a:spLocks noGrp="1"/>
+          </p:cNvSpPr>
+          <p:nvPr>
+            <p:ph type="title"/>
+          </p:nvPr>
+        </p:nvSpPr>
+        <p:spPr>
+          <a:xfrm>
+            <a:off x="457200" y="0"/>
+            <a:ext cx="8229600" cy="857250"/>
+          </a:xfrm>
+        </p:spPr>
+        <p:txBody>
+          <a:bodyPr/>
+          <a:lstStyle/>
+          <a:p>
+            <a:r>
+              <a:rPr lang="en-US" sz="3600" dirty="0">
+                <a:solidFill>
+                  <a:srgbClr val="0070C0"/>
+                </a:solidFill>
+                <a:latin typeface="Calibri Light" panose="020F0302020204030204" pitchFamily="34" charset="0"/>
+                <a:cs typeface="Calibri Light" panose="020F0302020204030204" pitchFamily="34" charset="0"/>
+              </a:rPr>
+              <a:t>History of the Draft</a:t>
+            </a:r>
+          </a:p>
+        </p:txBody>
+      </p:sp>
+      <p:sp>
+        <p:nvSpPr>
+          <p:cNvPr id="3" name="Content Placeholder 2"/>
+          <p:cNvSpPr>
+            <a:spLocks noGrp="1"/>
+          </p:cNvSpPr>
+          <p:nvPr>
+            <p:ph idx="1"/>
+          </p:nvPr>
+        </p:nvSpPr>
+        <p:spPr>
+          <a:xfrm>
+            <a:off x="457200" y="998934"/>
+            <a:ext cx="8229600" cy="3543300"/>
+          </a:xfrm>
+        </p:spPr>
+        <p:txBody>
+          <a:bodyPr/>
+          <a:lstStyle/>
+          <a:p>
+            <a:r>
+              <a:rPr lang="en-US" sz="1050" dirty="0"/>
+              <a:t>Feb 2019</a:t>
+            </a:r>
+          </a:p>
+          <a:p>
+            <a:pPr lvl="1"/>
+            <a:r>
+              <a:rPr lang="en-US" sz="1050" dirty="0"/>
+              <a:t>Draft was published - </a:t>
+            </a:r>
+            <a:r>
+              <a:rPr lang="en-US" sz="1050" i="1" dirty="0"/>
+              <a:t>draft-gandhi-spring-twamp-srpm-00</a:t>
+            </a:r>
+            <a:endParaRPr lang="en-US" sz="1050" dirty="0"/>
+          </a:p>
+          <a:p>
+            <a:r>
+              <a:rPr lang="en-US" sz="1050" dirty="0"/>
+              <a:t>Mar 2019</a:t>
+            </a:r>
+          </a:p>
+          <a:p>
+            <a:pPr lvl="1"/>
+            <a:r>
+              <a:rPr lang="en-US" sz="1050" dirty="0"/>
+              <a:t>Presented </a:t>
+            </a:r>
+            <a:r>
+              <a:rPr lang="en-US" sz="1050" i="1" dirty="0"/>
+              <a:t>draft-gandhi-spring-twamp-srpm-00</a:t>
+            </a:r>
+            <a:r>
+              <a:rPr lang="en-US" sz="1050" dirty="0"/>
+              <a:t> at IETF 104 Prague in SPRING WG</a:t>
+            </a:r>
+          </a:p>
+          <a:p>
+            <a:r>
+              <a:rPr lang="en-US" sz="1050" dirty="0"/>
+              <a:t>July 2019</a:t>
+            </a:r>
+          </a:p>
+          <a:p>
+            <a:pPr lvl="1"/>
+            <a:r>
+              <a:rPr lang="en-US" sz="1050" dirty="0"/>
+              <a:t>Presented </a:t>
+            </a:r>
+            <a:r>
+              <a:rPr lang="en-US" sz="1050" i="1" dirty="0"/>
+              <a:t>draft-gandhi-spring-twamp-srpm-01</a:t>
+            </a:r>
+            <a:r>
+              <a:rPr lang="en-US" sz="1050" dirty="0"/>
+              <a:t> at IETF 105 Montreal in IPPM WG</a:t>
+            </a:r>
+          </a:p>
+          <a:p>
+            <a:pPr lvl="2"/>
+            <a:r>
+              <a:rPr lang="en-US" sz="1050" dirty="0"/>
+              <a:t>Slide 9 Titled - </a:t>
+            </a:r>
+            <a:r>
+              <a:rPr lang="en-CA" sz="1050" dirty="0"/>
+              <a:t>Applicability of STAMP</a:t>
+            </a:r>
+            <a:endParaRPr lang="en-US" sz="1050" dirty="0"/>
+          </a:p>
+          <a:p>
+            <a:r>
+              <a:rPr lang="en-US" sz="1050" dirty="0"/>
+              <a:t>Nov 2019</a:t>
+            </a:r>
+          </a:p>
+          <a:p>
+            <a:pPr lvl="1"/>
+            <a:r>
+              <a:rPr lang="en-US" sz="1050" dirty="0"/>
+              <a:t>SPRING Chairs announced in the meeting the agreement with IPPM chairs to progress the draft in SPRING WG</a:t>
+            </a:r>
+          </a:p>
+          <a:p>
+            <a:pPr lvl="1"/>
+            <a:r>
+              <a:rPr lang="en-US" sz="1050" dirty="0"/>
+              <a:t>Presented </a:t>
+            </a:r>
+            <a:r>
+              <a:rPr lang="en-US" sz="1050" i="1" dirty="0"/>
+              <a:t>draft-gandhi-spring-twamp-srpm-04</a:t>
+            </a:r>
+            <a:r>
+              <a:rPr lang="en-US" sz="1050" dirty="0"/>
+              <a:t> at IETF 106 Singapore in SPRING WG</a:t>
+            </a:r>
+          </a:p>
+          <a:p>
+            <a:r>
+              <a:rPr lang="en-US" sz="1050" dirty="0"/>
+              <a:t>Mar 2020</a:t>
+            </a:r>
+          </a:p>
+          <a:p>
+            <a:pPr lvl="1"/>
+            <a:r>
+              <a:rPr lang="en-US" sz="1050" dirty="0"/>
+              <a:t>Moved STAMP support to </a:t>
+            </a:r>
+            <a:r>
+              <a:rPr lang="en-US" sz="1050" i="1" dirty="0"/>
+              <a:t>draft-gandhi-spring-</a:t>
+            </a:r>
+            <a:r>
+              <a:rPr lang="en-US" sz="1050" b="1" i="1" dirty="0"/>
+              <a:t>stamp</a:t>
+            </a:r>
+            <a:r>
+              <a:rPr lang="en-US" sz="1050" i="1" dirty="0"/>
+              <a:t>-srpm-00</a:t>
+            </a:r>
+          </a:p>
+          <a:p>
+            <a:pPr lvl="1"/>
+            <a:r>
+              <a:rPr lang="en-US" sz="1050" dirty="0"/>
+              <a:t>Keep TWAMP Light support as informational in </a:t>
+            </a:r>
+            <a:r>
+              <a:rPr lang="en-US" sz="1050" i="1" dirty="0"/>
+              <a:t>draft-gandhi-spring-</a:t>
+            </a:r>
+            <a:r>
+              <a:rPr lang="en-US" sz="1050" b="1" i="1" dirty="0"/>
+              <a:t>twamp</a:t>
+            </a:r>
+            <a:r>
+              <a:rPr lang="en-US" sz="1050" i="1" dirty="0"/>
+              <a:t>-srpm-08</a:t>
+            </a:r>
+          </a:p>
+          <a:p>
+            <a:r>
+              <a:rPr lang="en-US" sz="1050" dirty="0"/>
+              <a:t>Jul 2020</a:t>
+            </a:r>
+          </a:p>
+          <a:p>
+            <a:pPr lvl="1"/>
+            <a:r>
+              <a:rPr lang="en-US" sz="1050" dirty="0"/>
+              <a:t>Presented </a:t>
+            </a:r>
+            <a:r>
+              <a:rPr lang="en-US" sz="1050" i="1" dirty="0"/>
+              <a:t>draft-gandhi-spring-twamp-srpm-09</a:t>
+            </a:r>
+            <a:r>
+              <a:rPr lang="en-US" sz="1050" dirty="0"/>
+              <a:t> at IETF 109 in IPPM WG </a:t>
+            </a:r>
+          </a:p>
+          <a:p>
+            <a:r>
+              <a:rPr lang="en-US" sz="1050" dirty="0"/>
+              <a:t>October 2020</a:t>
+            </a:r>
+          </a:p>
+          <a:p>
+            <a:pPr lvl="1"/>
+            <a:r>
+              <a:rPr lang="en-US" sz="1050" dirty="0"/>
+              <a:t>Split draft </a:t>
+            </a:r>
+            <a:r>
+              <a:rPr lang="en-US" sz="1050"/>
+              <a:t>into </a:t>
+            </a:r>
+            <a:r>
+              <a:rPr lang="en-US" sz="1050" i="1"/>
+              <a:t>draft-gandhi-</a:t>
+            </a:r>
+            <a:r>
+              <a:rPr lang="en-US" sz="1050" b="1" i="1"/>
+              <a:t>spring</a:t>
+            </a:r>
+            <a:r>
+              <a:rPr lang="en-US" sz="1050" i="1"/>
+              <a:t>-twamp-srpm-11 </a:t>
+            </a:r>
+            <a:r>
+              <a:rPr lang="en-US" sz="1050" i="1" dirty="0"/>
+              <a:t>and draft-gandhi-</a:t>
+            </a:r>
+            <a:r>
+              <a:rPr lang="en-US" sz="1050" b="1" i="1" dirty="0"/>
+              <a:t>ippm</a:t>
+            </a:r>
+            <a:r>
+              <a:rPr lang="en-US" sz="1050" i="1" dirty="0"/>
+              <a:t>-twamp-srpm-00</a:t>
+            </a:r>
+            <a:endParaRPr lang="en-US" sz="1050" dirty="0"/>
+          </a:p>
+          <a:p>
+            <a:pPr lvl="1"/>
+            <a:endParaRPr lang="en-US" sz="1050" dirty="0"/>
+          </a:p>
+          <a:p>
+            <a:pPr marL="457200" lvl="1" indent="0">
+              <a:buNone/>
+            </a:pPr>
+            <a:endParaRPr lang="en-US" sz="1050" i="1" dirty="0"/>
+          </a:p>
+        </p:txBody>
+      </p:sp>
+      <p:sp>
+        <p:nvSpPr>
+          <p:cNvPr id="4" name="Footer Placeholder 3"/>
+          <p:cNvSpPr>
+            <a:spLocks noGrp="1"/>
+          </p:cNvSpPr>
+          <p:nvPr>
+            <p:ph type="ftr" sz="quarter" idx="11"/>
+          </p:nvPr>
+        </p:nvSpPr>
+        <p:spPr>
+          <a:xfrm>
+            <a:off x="3124200" y="4786312"/>
+            <a:ext cx="2895600" cy="357188"/>
+          </a:xfrm>
+        </p:spPr>
+        <p:txBody>
+          <a:bodyPr/>
+          <a:lstStyle/>
+          <a:p>
+            <a:r>
+              <a:rPr lang="en-CA" dirty="0"/>
+              <a:t>109</a:t>
+            </a:r>
+            <a:r>
+              <a:rPr lang="en-CA" baseline="30000" dirty="0"/>
+              <a:t>th</a:t>
+            </a:r>
+            <a:r>
+              <a:rPr lang="en-CA" dirty="0"/>
+              <a:t> IETF Online</a:t>
+            </a:r>
+          </a:p>
+        </p:txBody>
+      </p:sp>
+      <p:sp>
+        <p:nvSpPr>
+          <p:cNvPr id="5" name="Slide Number Placeholder 4"/>
+          <p:cNvSpPr>
+            <a:spLocks noGrp="1"/>
+          </p:cNvSpPr>
+          <p:nvPr>
+            <p:ph type="sldNum" sz="quarter" idx="12"/>
+          </p:nvPr>
+        </p:nvSpPr>
+        <p:spPr/>
+        <p:txBody>
+          <a:bodyPr/>
+          <a:lstStyle/>
+          <a:p>
+            <a:pPr>
+              <a:defRPr/>
+            </a:pPr>
+            <a:fld id="{BD6E0F59-1DD8-40FC-9C92-B6295CBA6CCA}" type="slidenum">
+              <a:rPr lang="en-US" altLang="zh-CN" smtClean="0"/>
+              <a:pPr>
+                <a:defRPr/>
+              </a:pPr>
+              <a:t>5</a:t>
+            </a:fld>
+            <a:endParaRPr lang="en-US" altLang="zh-CN"/>
+          </a:p>
+        </p:txBody>
+      </p:sp>
+    </p:spTree>
+    <p:extLst>
+      <p:ext uri="{BB962C8B-B14F-4D97-AF65-F5344CB8AC3E}">
+        <p14:creationId xmlns:p14="http://schemas.microsoft.com/office/powerpoint/2010/main" val="283095381"/>
+      </p:ext>
+    </p:extLst>
+  </p:cSld>
+  <p:clrMapOvr>
+    <a:masterClrMapping/>
+  </p:clrMapOvr>
+</p:sld>
+</file>
+
+<file path=ppt/slides/slide6.xml><?xml version="1.0" encoding="utf-8"?>
+<p:sld xmlns:a="http://schemas.openxmlformats.org/drawingml/2006/main" xmlns:r="http://schemas.openxmlformats.org/officeDocument/2006/relationships" xmlns:p="http://schemas.openxmlformats.org/presentationml/2006/main">
+  <p:cSld>
+    <p:spTree>
+      <p:nvGrpSpPr>
+        <p:cNvPr id="1" name=""/>
+        <p:cNvGrpSpPr/>
+        <p:nvPr/>
+      </p:nvGrpSpPr>
+      <p:grpSpPr>
+        <a:xfrm>
+          <a:off x="0" y="0"/>
+          <a:ext cx="0" cy="0"/>
+          <a:chOff x="0" y="0"/>
+          <a:chExt cx="0" cy="0"/>
+        </a:xfrm>
+      </p:grpSpPr>
+      <p:sp>
+        <p:nvSpPr>
           <p:cNvPr id="2" name="Title 1">
             <a:extLst>
               <a:ext uri="{FF2B5EF4-FFF2-40B4-BE49-F238E27FC236}">
@@ -6234,7 +6867,7 @@
               <a:pPr>
                 <a:defRPr/>
               </a:pPr>
-              <a:t>5</a:t>
+              <a:t>6</a:t>
             </a:fld>
             <a:endParaRPr lang="en-US" altLang="zh-CN"/>
           </a:p>
@@ -7026,7 +7659,7 @@
 </p:sld>
 </file>
 
-<file path=ppt/slides/slide6.xml><?xml version="1.0" encoding="utf-8"?>
+<file path=ppt/slides/slide7.xml><?xml version="1.0" encoding="utf-8"?>
 <p:sld xmlns:a="http://schemas.openxmlformats.org/drawingml/2006/main" xmlns:r="http://schemas.openxmlformats.org/officeDocument/2006/relationships" xmlns:p="http://schemas.openxmlformats.org/presentationml/2006/main">
   <p:cSld>
     <p:spTree>
@@ -8251,7 +8884,7 @@
               <a:pPr>
                 <a:defRPr/>
               </a:pPr>
-              <a:t>6</a:t>
+              <a:t>7</a:t>
             </a:fld>
             <a:endParaRPr lang="en-US" altLang="zh-CN" dirty="0"/>
           </a:p>
@@ -8261,307 +8894,6 @@
     <p:extLst>
       <p:ext uri="{BB962C8B-B14F-4D97-AF65-F5344CB8AC3E}">
         <p14:creationId xmlns:p14="http://schemas.microsoft.com/office/powerpoint/2010/main" val="3038489106"/>
-      </p:ext>
-    </p:extLst>
-  </p:cSld>
-  <p:clrMapOvr>
-    <a:masterClrMapping/>
-  </p:clrMapOvr>
-</p:sld>
-</file>
-
-<file path=ppt/slides/slide7.xml><?xml version="1.0" encoding="utf-8"?>
-<p:sld xmlns:a="http://schemas.openxmlformats.org/drawingml/2006/main" xmlns:r="http://schemas.openxmlformats.org/officeDocument/2006/relationships" xmlns:p="http://schemas.openxmlformats.org/presentationml/2006/main">
-  <p:cSld>
-    <p:spTree>
-      <p:nvGrpSpPr>
-        <p:cNvPr id="1" name=""/>
-        <p:cNvGrpSpPr/>
-        <p:nvPr/>
-      </p:nvGrpSpPr>
-      <p:grpSpPr>
-        <a:xfrm>
-          <a:off x="0" y="0"/>
-          <a:ext cx="0" cy="0"/>
-          <a:chOff x="0" y="0"/>
-          <a:chExt cx="0" cy="0"/>
-        </a:xfrm>
-      </p:grpSpPr>
-      <p:sp>
-        <p:nvSpPr>
-          <p:cNvPr id="2" name="Title 1"/>
-          <p:cNvSpPr>
-            <a:spLocks noGrp="1"/>
-          </p:cNvSpPr>
-          <p:nvPr>
-            <p:ph type="title"/>
-          </p:nvPr>
-        </p:nvSpPr>
-        <p:spPr>
-          <a:xfrm>
-            <a:off x="457200" y="0"/>
-            <a:ext cx="8229600" cy="857250"/>
-          </a:xfrm>
-        </p:spPr>
-        <p:txBody>
-          <a:bodyPr/>
-          <a:lstStyle/>
-          <a:p>
-            <a:r>
-              <a:rPr lang="en-US" sz="3600" dirty="0">
-                <a:solidFill>
-                  <a:srgbClr val="0070C0"/>
-                </a:solidFill>
-                <a:latin typeface="Calibri Light" panose="020F0302020204030204" pitchFamily="34" charset="0"/>
-                <a:cs typeface="Calibri Light" panose="020F0302020204030204" pitchFamily="34" charset="0"/>
-              </a:rPr>
-              <a:t>IPPM Draft Review Comments</a:t>
-            </a:r>
-          </a:p>
-        </p:txBody>
-      </p:sp>
-      <p:sp>
-        <p:nvSpPr>
-          <p:cNvPr id="3" name="Content Placeholder 2"/>
-          <p:cNvSpPr>
-            <a:spLocks noGrp="1"/>
-          </p:cNvSpPr>
-          <p:nvPr>
-            <p:ph idx="1"/>
-          </p:nvPr>
-        </p:nvSpPr>
-        <p:spPr>
-          <a:xfrm>
-            <a:off x="838200" y="1007878"/>
-            <a:ext cx="7543800" cy="3642123"/>
-          </a:xfrm>
-        </p:spPr>
-        <p:txBody>
-          <a:bodyPr/>
-          <a:lstStyle/>
-          <a:p>
-            <a:pPr>
-              <a:buFont typeface="+mj-lt"/>
-              <a:buAutoNum type="arabicPeriod"/>
-            </a:pPr>
-            <a:r>
-              <a:rPr lang="en-US" sz="1200" dirty="0"/>
-              <a:t>Draft status:</a:t>
-            </a:r>
-          </a:p>
-          <a:p>
-            <a:pPr marL="800100" lvl="1" indent="-342900">
-              <a:buFont typeface="+mj-lt"/>
-              <a:buAutoNum type="alphaLcParenR"/>
-            </a:pPr>
-            <a:r>
-              <a:rPr lang="en-US" sz="1200" dirty="0"/>
-              <a:t>Draft defines extensions for TWAMP Light (is not a new protocol)</a:t>
-            </a:r>
-          </a:p>
-          <a:p>
-            <a:pPr marL="800100" lvl="1" indent="-342900">
-              <a:buFont typeface="+mj-lt"/>
-              <a:buAutoNum type="alphaLcParenR"/>
-            </a:pPr>
-            <a:r>
-              <a:rPr lang="en-US" sz="1200" dirty="0">
-                <a:solidFill>
-                  <a:srgbClr val="002060"/>
-                </a:solidFill>
-              </a:rPr>
-              <a:t>Draft is currently informational. Should be proposed standard due to protocol extensions</a:t>
-            </a:r>
-          </a:p>
-          <a:p>
-            <a:pPr marL="800100" lvl="1" indent="-342900">
-              <a:buFont typeface="+mj-lt"/>
-              <a:buAutoNum type="alphaLcParenR"/>
-            </a:pPr>
-            <a:r>
-              <a:rPr lang="en-US" sz="1200" dirty="0"/>
-              <a:t>Update RFC 5357 due to new field (control code) in the message</a:t>
-            </a:r>
-          </a:p>
-          <a:p>
-            <a:pPr>
-              <a:buFont typeface="+mj-lt"/>
-              <a:buAutoNum type="arabicPeriod"/>
-            </a:pPr>
-            <a:r>
-              <a:rPr lang="en-US" sz="1200" dirty="0"/>
-              <a:t>Extensions are not specific to SR, document should be renamed</a:t>
-            </a:r>
-          </a:p>
-          <a:p>
-            <a:pPr>
-              <a:buFont typeface="+mj-lt"/>
-              <a:buAutoNum type="arabicPeriod"/>
-            </a:pPr>
-            <a:r>
-              <a:rPr lang="en-US" sz="1200" dirty="0"/>
-              <a:t>Does not introduce any new security issue with this draft</a:t>
-            </a:r>
-          </a:p>
-          <a:p>
-            <a:pPr>
-              <a:buFont typeface="+mj-lt"/>
-              <a:buAutoNum type="arabicPeriod"/>
-            </a:pPr>
-            <a:r>
-              <a:rPr lang="en-US" sz="1200" dirty="0"/>
-              <a:t>Editorial</a:t>
-            </a:r>
-          </a:p>
-          <a:p>
-            <a:pPr marL="800100" lvl="1" indent="-342900">
-              <a:buFont typeface="+mj-lt"/>
-              <a:buAutoNum type="alphaLcParenR"/>
-            </a:pPr>
-            <a:r>
-              <a:rPr lang="en-US" sz="1200" dirty="0"/>
-              <a:t>Define Abbreviations (BSID, SRH, HMAC-SHA)</a:t>
-            </a:r>
-          </a:p>
-          <a:p>
-            <a:pPr marL="800100" lvl="1" indent="-342900">
-              <a:buFont typeface="+mj-lt"/>
-              <a:buAutoNum type="alphaLcParenR"/>
-            </a:pPr>
-            <a:r>
-              <a:rPr lang="en-US" sz="1200" dirty="0"/>
-              <a:t>Use Session-Sender, Session-Reflector terms</a:t>
-            </a:r>
-          </a:p>
-          <a:p>
-            <a:pPr marL="800100" lvl="1" indent="-342900">
-              <a:buFont typeface="+mj-lt"/>
-              <a:buAutoNum type="alphaLcParenR"/>
-            </a:pPr>
-            <a:r>
-              <a:rPr lang="en-US" sz="1200" dirty="0"/>
-              <a:t>Show entire test packet with session-sender control code field</a:t>
-            </a:r>
-          </a:p>
-          <a:p>
-            <a:pPr marL="800100" lvl="1" indent="-342900">
-              <a:buFont typeface="+mj-lt"/>
-              <a:buAutoNum type="alphaLcParenR"/>
-            </a:pPr>
-            <a:r>
-              <a:rPr lang="en-US" sz="1200" dirty="0"/>
-              <a:t>Indicate packet loss is direct-mode loss </a:t>
-            </a:r>
-          </a:p>
-          <a:p>
-            <a:pPr marL="800100" lvl="1" indent="-342900">
-              <a:buFont typeface="+mj-lt"/>
-              <a:buAutoNum type="alphaLcParenR"/>
-            </a:pPr>
-            <a:r>
-              <a:rPr lang="en-US" sz="1200" dirty="0"/>
-              <a:t>Move Receive Counter and other Response message fields to Section 4.1 from 3.2</a:t>
-            </a:r>
-          </a:p>
-          <a:p>
-            <a:pPr lvl="2"/>
-            <a:r>
-              <a:rPr lang="en-CA" sz="1200" dirty="0"/>
-              <a:t>Explain how the counters and sequence numbers are used to do loss measurement</a:t>
-            </a:r>
-          </a:p>
-          <a:p>
-            <a:pPr>
-              <a:buFont typeface="+mj-lt"/>
-              <a:buAutoNum type="arabicPeriod"/>
-            </a:pPr>
-            <a:r>
-              <a:rPr lang="en-US" sz="1200" dirty="0"/>
-              <a:t>Extend ICMP for direct-mode loss measurement – out of scope</a:t>
-            </a:r>
-            <a:endParaRPr lang="en-US" sz="1200" dirty="0">
-              <a:latin typeface="Calibri" charset="0"/>
-              <a:ea typeface="Calibri" charset="0"/>
-              <a:cs typeface="Calibri" charset="0"/>
-            </a:endParaRPr>
-          </a:p>
-          <a:p>
-            <a:endParaRPr lang="en-US" sz="1200" dirty="0">
-              <a:latin typeface="Calibri" charset="0"/>
-              <a:ea typeface="Calibri" charset="0"/>
-              <a:cs typeface="Calibri" charset="0"/>
-            </a:endParaRPr>
-          </a:p>
-        </p:txBody>
-      </p:sp>
-      <p:sp>
-        <p:nvSpPr>
-          <p:cNvPr id="4" name="Footer Placeholder 3"/>
-          <p:cNvSpPr>
-            <a:spLocks noGrp="1"/>
-          </p:cNvSpPr>
-          <p:nvPr>
-            <p:ph type="ftr" sz="quarter" idx="11"/>
-          </p:nvPr>
-        </p:nvSpPr>
-        <p:spPr>
-          <a:xfrm>
-            <a:off x="3124200" y="4786312"/>
-            <a:ext cx="2895600" cy="357188"/>
-          </a:xfrm>
-        </p:spPr>
-        <p:txBody>
-          <a:bodyPr/>
-          <a:lstStyle/>
-          <a:p>
-            <a:r>
-              <a:rPr lang="en-CA" dirty="0"/>
-              <a:t>109</a:t>
-            </a:r>
-            <a:r>
-              <a:rPr lang="en-CA" baseline="30000" dirty="0"/>
-              <a:t>th</a:t>
-            </a:r>
-            <a:r>
-              <a:rPr lang="en-CA" dirty="0"/>
-              <a:t> IETF Online</a:t>
-            </a:r>
-          </a:p>
-        </p:txBody>
-      </p:sp>
-      <p:sp>
-        <p:nvSpPr>
-          <p:cNvPr id="5" name="Slide Number Placeholder 4"/>
-          <p:cNvSpPr>
-            <a:spLocks noGrp="1"/>
-          </p:cNvSpPr>
-          <p:nvPr>
-            <p:ph type="sldNum" sz="quarter" idx="12"/>
-          </p:nvPr>
-        </p:nvSpPr>
-        <p:spPr/>
-        <p:txBody>
-          <a:bodyPr/>
-          <a:lstStyle/>
-          <a:p>
-            <a:pPr>
-              <a:defRPr/>
-            </a:pPr>
-            <a:fld id="{BD6E0F59-1DD8-40FC-9C92-B6295CBA6CCA}" type="slidenum">
-              <a:rPr lang="en-US" altLang="zh-CN" smtClean="0"/>
-              <a:pPr>
-                <a:defRPr/>
-              </a:pPr>
-              <a:t>7</a:t>
-            </a:fld>
-            <a:endParaRPr lang="en-US" altLang="zh-CN"/>
-          </a:p>
-        </p:txBody>
-      </p:sp>
-    </p:spTree>
-    <p:extLst>
-      <p:ext uri="{BB962C8B-B14F-4D97-AF65-F5344CB8AC3E}">
-        <p14:creationId xmlns:p14="http://schemas.microsoft.com/office/powerpoint/2010/main" val="715480547"/>
       </p:ext>
     </p:extLst>
   </p:cSld>
@@ -8600,8 +8932,8 @@
         </p:nvSpPr>
         <p:spPr>
           <a:xfrm>
-            <a:off x="457200" y="0"/>
-            <a:ext cx="8229600" cy="857250"/>
+            <a:off x="0" y="0"/>
+            <a:ext cx="9144000" cy="857250"/>
           </a:xfrm>
         </p:spPr>
         <p:txBody>
@@ -8609,15 +8941,62 @@
           <a:lstStyle/>
           <a:p>
             <a:r>
-              <a:rPr lang="en-US" sz="3600" dirty="0">
+              <a:rPr lang="en-US" sz="3200" dirty="0">
                 <a:solidFill>
                   <a:srgbClr val="0070C0"/>
                 </a:solidFill>
-                <a:latin typeface="Calibri Light" panose="020F0302020204030204" pitchFamily="34" charset="0"/>
-                <a:cs typeface="Calibri Light" panose="020F0302020204030204" pitchFamily="34" charset="0"/>
-              </a:rPr>
-              <a:t>SPRING Draft Review Comments</a:t>
-            </a:r>
+                <a:latin typeface="Calibri" panose="020F0502020204030204" pitchFamily="34" charset="0"/>
+                <a:cs typeface="Calibri" panose="020F0502020204030204" pitchFamily="34" charset="0"/>
+              </a:rPr>
+              <a:t>draft-</a:t>
+            </a:r>
+            <a:r>
+              <a:rPr lang="en-US" sz="3200" dirty="0" err="1">
+                <a:solidFill>
+                  <a:srgbClr val="0070C0"/>
+                </a:solidFill>
+                <a:latin typeface="Calibri" panose="020F0502020204030204" pitchFamily="34" charset="0"/>
+                <a:cs typeface="Calibri" panose="020F0502020204030204" pitchFamily="34" charset="0"/>
+              </a:rPr>
+              <a:t>gandhi</a:t>
+            </a:r>
+            <a:r>
+              <a:rPr lang="en-US" sz="3200" dirty="0">
+                <a:solidFill>
+                  <a:srgbClr val="0070C0"/>
+                </a:solidFill>
+                <a:latin typeface="Calibri" panose="020F0502020204030204" pitchFamily="34" charset="0"/>
+                <a:cs typeface="Calibri" panose="020F0502020204030204" pitchFamily="34" charset="0"/>
+              </a:rPr>
+              <a:t>-</a:t>
+            </a:r>
+            <a:r>
+              <a:rPr lang="en-US" sz="3200" dirty="0" err="1">
+                <a:solidFill>
+                  <a:srgbClr val="0070C0"/>
+                </a:solidFill>
+                <a:latin typeface="Calibri" panose="020F0502020204030204" pitchFamily="34" charset="0"/>
+                <a:cs typeface="Calibri" panose="020F0502020204030204" pitchFamily="34" charset="0"/>
+              </a:rPr>
+              <a:t>ippm-twamp-srpm</a:t>
+            </a:r>
+            <a:r>
+              <a:rPr lang="en-US" sz="3200" dirty="0">
+                <a:solidFill>
+                  <a:srgbClr val="0070C0"/>
+                </a:solidFill>
+                <a:latin typeface="Calibri" panose="020F0502020204030204" pitchFamily="34" charset="0"/>
+                <a:cs typeface="Calibri" panose="020F0502020204030204" pitchFamily="34" charset="0"/>
+              </a:rPr>
+              <a:t> - Review Comments</a:t>
+            </a:r>
+            <a:endParaRPr lang="en-US" sz="3200" dirty="0">
+              <a:solidFill>
+                <a:srgbClr val="0070C0"/>
+              </a:solidFill>
+              <a:latin typeface="Calibri Light" panose="020F0302020204030204" pitchFamily="34" charset="0"/>
+              <a:cs typeface="Calibri Light" panose="020F0302020204030204" pitchFamily="34" charset="0"/>
+            </a:endParaRPr>
           </a:p>
         </p:txBody>
       </p:sp>
@@ -8633,8 +9012,8 @@
         </p:nvSpPr>
         <p:spPr>
           <a:xfrm>
-            <a:off x="685800" y="857249"/>
-            <a:ext cx="7772400" cy="3642891"/>
+            <a:off x="838200" y="1007878"/>
+            <a:ext cx="7543800" cy="3642123"/>
           </a:xfrm>
         </p:spPr>
         <p:txBody>
@@ -8647,22 +9026,138 @@
             </a:pPr>
             <a:r>
               <a:rPr lang="en-US" sz="1200" dirty="0"/>
-              <a:t>Destination UDP port used has zero UDP checksum with IPv6 header</a:t>
-            </a:r>
-          </a:p>
-          <a:p>
-            <a:pPr lvl="1"/>
+              <a:t>Draft status:</a:t>
+            </a:r>
+          </a:p>
+          <a:p>
+            <a:pPr marL="800100" lvl="1" indent="-342900">
+              <a:buFont typeface="+mj-lt"/>
+              <a:buAutoNum type="alphaLcParenR"/>
+            </a:pPr>
+            <a:r>
+              <a:rPr lang="en-US" sz="1200" dirty="0"/>
+              <a:t>Draft defines extensions for TWAMP Light (is not a new protocol)</a:t>
+            </a:r>
+          </a:p>
+          <a:p>
+            <a:pPr marL="800100" lvl="1" indent="-342900">
+              <a:buFont typeface="+mj-lt"/>
+              <a:buAutoNum type="alphaLcParenR"/>
+            </a:pPr>
             <a:r>
               <a:rPr lang="en-US" sz="1200" dirty="0">
-                <a:latin typeface="Calibri" charset="0"/>
-                <a:ea typeface="Calibri" charset="0"/>
-                <a:cs typeface="Calibri" charset="0"/>
-              </a:rPr>
-              <a:t>Add Reference for </a:t>
-            </a:r>
+                <a:solidFill>
+                  <a:srgbClr val="002060"/>
+                </a:solidFill>
+              </a:rPr>
+              <a:t>Draft is currently informational. Should be proposed standard due to protocol extensions</a:t>
+            </a:r>
+          </a:p>
+          <a:p>
+            <a:pPr marL="800100" lvl="1" indent="-342900">
+              <a:buFont typeface="+mj-lt"/>
+              <a:buAutoNum type="alphaLcParenR"/>
+            </a:pPr>
+            <a:r>
+              <a:rPr lang="en-US" sz="1200" dirty="0"/>
+              <a:t>Update RFC 5357 due to new field (control code) in the message</a:t>
+            </a:r>
+          </a:p>
+          <a:p>
+            <a:pPr>
+              <a:buFont typeface="+mj-lt"/>
+              <a:buAutoNum type="arabicPeriod"/>
+            </a:pPr>
+            <a:r>
+              <a:rPr lang="en-US" sz="1200" dirty="0"/>
+              <a:t>Extensions are not specific to SR, document should be renamed</a:t>
+            </a:r>
+          </a:p>
+          <a:p>
+            <a:pPr>
+              <a:buFont typeface="+mj-lt"/>
+              <a:buAutoNum type="arabicPeriod"/>
+            </a:pPr>
+            <a:r>
+              <a:rPr lang="en-US" sz="1200" dirty="0"/>
+              <a:t>Does not introduce any new security issue with this draft</a:t>
+            </a:r>
+          </a:p>
+          <a:p>
+            <a:pPr>
+              <a:buFont typeface="+mj-lt"/>
+              <a:buAutoNum type="arabicPeriod"/>
+            </a:pPr>
+            <a:r>
+              <a:rPr lang="en-US" sz="1200" dirty="0"/>
+              <a:t>Editorial</a:t>
+            </a:r>
+          </a:p>
+          <a:p>
+            <a:pPr marL="800100" lvl="1" indent="-342900">
+              <a:buFont typeface="+mj-lt"/>
+              <a:buAutoNum type="alphaLcParenR"/>
+            </a:pPr>
+            <a:r>
+              <a:rPr lang="en-US" sz="1200" dirty="0"/>
+              <a:t>Define Abbreviations (BSID, SRH, HMAC-SHA)</a:t>
+            </a:r>
+          </a:p>
+          <a:p>
+            <a:pPr marL="800100" lvl="1" indent="-342900">
+              <a:buFont typeface="+mj-lt"/>
+              <a:buAutoNum type="alphaLcParenR"/>
+            </a:pPr>
+            <a:r>
+              <a:rPr lang="en-US" sz="1200" dirty="0"/>
+              <a:t>Use Session-Sender, Session-Reflector terms</a:t>
+            </a:r>
+          </a:p>
+          <a:p>
+            <a:pPr marL="800100" lvl="1" indent="-342900">
+              <a:buFont typeface="+mj-lt"/>
+              <a:buAutoNum type="alphaLcParenR"/>
+            </a:pPr>
+            <a:r>
+              <a:rPr lang="en-US" sz="1200" dirty="0"/>
+              <a:t>Show entire test packet with session-sender control code field</a:t>
+            </a:r>
+          </a:p>
+          <a:p>
+            <a:pPr marL="800100" lvl="1" indent="-342900">
+              <a:buFont typeface="+mj-lt"/>
+              <a:buAutoNum type="alphaLcParenR"/>
+            </a:pPr>
+            <a:r>
+              <a:rPr lang="en-US" sz="1200" dirty="0"/>
+              <a:t>Indicate packet loss is direct-mode loss </a:t>
+            </a:r>
+          </a:p>
+          <a:p>
+            <a:pPr marL="800100" lvl="1" indent="-342900">
+              <a:buFont typeface="+mj-lt"/>
+              <a:buAutoNum type="alphaLcParenR"/>
+            </a:pPr>
+            <a:r>
+              <a:rPr lang="en-US" sz="1200" dirty="0"/>
+              <a:t>Move Receive Counter and other Response message fields to Section 4.1 from 3.2</a:t>
+            </a:r>
+          </a:p>
+          <a:p>
+            <a:pPr lvl="2"/>
             <a:r>
               <a:rPr lang="en-CA" sz="1200" dirty="0"/>
-              <a:t>RFC 6936 in Security Section</a:t>
+              <a:t>Explain how the counters and sequence numbers are used to do loss measurement</a:t>
+            </a:r>
+          </a:p>
+          <a:p>
+            <a:pPr>
+              <a:buFont typeface="+mj-lt"/>
+              <a:buAutoNum type="arabicPeriod"/>
+            </a:pPr>
+            <a:r>
+              <a:rPr lang="en-US" sz="1200" dirty="0"/>
+              <a:t>Extend ICMP for direct-mode loss measurement – out of scope</a:t>
             </a:r>
             <a:endParaRPr lang="en-US" sz="1200" dirty="0">
               <a:latin typeface="Calibri" charset="0"/>
@@ -8671,118 +9166,11 @@
             </a:endParaRPr>
           </a:p>
           <a:p>
-            <a:pPr>
-              <a:buFont typeface="+mj-lt"/>
-              <a:buAutoNum type="arabicPeriod"/>
-            </a:pPr>
-            <a:r>
-              <a:rPr lang="en-US" sz="1200" dirty="0"/>
-              <a:t>Add references for well-known terms “Link”, “SR Path”, and “Congruent paths”</a:t>
-            </a:r>
-          </a:p>
-          <a:p>
-            <a:pPr>
-              <a:buFont typeface="+mj-lt"/>
-              <a:buAutoNum type="arabicPeriod"/>
-            </a:pPr>
-            <a:r>
-              <a:rPr lang="en-US" sz="1200" dirty="0">
-                <a:latin typeface="Calibri" charset="0"/>
-                <a:ea typeface="Calibri" charset="0"/>
-                <a:cs typeface="Calibri" charset="0"/>
-              </a:rPr>
-              <a:t>Add reference for Yang data model draft in provisioning model section</a:t>
-            </a:r>
-          </a:p>
-          <a:p>
-            <a:pPr>
-              <a:buFont typeface="+mj-lt"/>
-              <a:buAutoNum type="arabicPeriod"/>
-            </a:pPr>
-            <a:r>
-              <a:rPr lang="en-US" sz="1200" dirty="0"/>
-              <a:t>Liveness is to compute “connection loss” performance metric </a:t>
-            </a:r>
-          </a:p>
-          <a:p>
-            <a:pPr lvl="1"/>
-            <a:r>
-              <a:rPr lang="en-US" sz="1200" dirty="0"/>
-              <a:t>Similar to the widely deployed synthetic packet loss metric</a:t>
-            </a:r>
             <a:endParaRPr lang="en-US" sz="1200" dirty="0">
               <a:latin typeface="Calibri" charset="0"/>
               <a:ea typeface="Calibri" charset="0"/>
               <a:cs typeface="Calibri" charset="0"/>
             </a:endParaRPr>
-          </a:p>
-          <a:p>
-            <a:pPr>
-              <a:buFont typeface="+mj-lt"/>
-              <a:buAutoNum type="arabicPeriod"/>
-            </a:pPr>
-            <a:r>
-              <a:rPr lang="en-US" sz="1200" dirty="0"/>
-              <a:t>Editorial</a:t>
-            </a:r>
-          </a:p>
-          <a:p>
-            <a:pPr lvl="1"/>
-            <a:r>
-              <a:rPr lang="en-US" sz="1200" dirty="0">
-                <a:solidFill>
-                  <a:srgbClr val="002060"/>
-                </a:solidFill>
-              </a:rPr>
-              <a:t>Control-channel signaling -&gt; TWAMP-control protocol</a:t>
-            </a:r>
-          </a:p>
-          <a:p>
-            <a:pPr lvl="1"/>
-            <a:r>
-              <a:rPr lang="en-US" sz="1200" dirty="0"/>
-              <a:t>Indicate packet loss is direct-mode loss </a:t>
-            </a:r>
-          </a:p>
-          <a:p>
-            <a:pPr lvl="1"/>
-            <a:r>
-              <a:rPr lang="en-US" sz="1200" dirty="0"/>
-              <a:t>Use test packet term for query message </a:t>
-            </a:r>
-          </a:p>
-          <a:p>
-            <a:pPr lvl="1"/>
-            <a:r>
-              <a:rPr lang="en-US" sz="1200" dirty="0"/>
-              <a:t>H/W timestamps required -&gt; H/W timestamps recommended </a:t>
-            </a:r>
-          </a:p>
-          <a:p>
-            <a:pPr lvl="1"/>
-            <a:r>
-              <a:rPr lang="en-CA" sz="1200" dirty="0"/>
-              <a:t>IPv6 address ::1/128 or ::FFFF:127/104</a:t>
-            </a:r>
-          </a:p>
-          <a:p>
-            <a:pPr lvl="1"/>
-            <a:r>
-              <a:rPr lang="en-CA" sz="1200" dirty="0"/>
-              <a:t>Clarify - Section 4.1.4.2 and 4.2.2.2 depict the packet format with word “as needed” for inner IP Header</a:t>
-            </a:r>
-          </a:p>
-          <a:p>
-            <a:pPr lvl="1"/>
-            <a:r>
-              <a:rPr lang="en-CA" sz="1200" dirty="0"/>
-              <a:t>Different UDP destination port when running authenticated and unauthenticated sessions simultaneously</a:t>
-            </a:r>
-            <a:endParaRPr lang="en-US" sz="1200" dirty="0"/>
-          </a:p>
-          <a:p>
-            <a:pPr lvl="1"/>
-            <a:endParaRPr lang="en-US" sz="1200" dirty="0"/>
           </a:p>
         </p:txBody>
       </p:sp>
@@ -8853,7 +9241,7 @@
     </p:spTree>
     <p:extLst>
       <p:ext uri="{BB962C8B-B14F-4D97-AF65-F5344CB8AC3E}">
-        <p14:creationId xmlns:p14="http://schemas.microsoft.com/office/powerpoint/2010/main" val="216111752"/>
+        <p14:creationId xmlns:p14="http://schemas.microsoft.com/office/powerpoint/2010/main" val="715480547"/>
       </p:ext>
     </p:extLst>
   </p:cSld>
@@ -8892,8 +9280,8 @@
         </p:nvSpPr>
         <p:spPr>
           <a:xfrm>
-            <a:off x="457200" y="0"/>
-            <a:ext cx="8229600" cy="857250"/>
+            <a:off x="0" y="0"/>
+            <a:ext cx="9144000" cy="857250"/>
           </a:xfrm>
         </p:spPr>
         <p:txBody>
@@ -8901,15 +9289,82 @@
           <a:lstStyle/>
           <a:p>
             <a:r>
-              <a:rPr lang="en-US" sz="3600" dirty="0">
+              <a:rPr lang="en-US" sz="3200" dirty="0">
                 <a:solidFill>
                   <a:srgbClr val="0070C0"/>
                 </a:solidFill>
-                <a:latin typeface="Calibri Light" panose="020F0302020204030204" pitchFamily="34" charset="0"/>
-                <a:cs typeface="Calibri Light" panose="020F0302020204030204" pitchFamily="34" charset="0"/>
-              </a:rPr>
-              <a:t>Next Steps</a:t>
-            </a:r>
+                <a:latin typeface="Calibri" panose="020F0502020204030204" pitchFamily="34" charset="0"/>
+                <a:cs typeface="Calibri" panose="020F0502020204030204" pitchFamily="34" charset="0"/>
+              </a:rPr>
+              <a:t>draft-</a:t>
+            </a:r>
+            <a:r>
+              <a:rPr lang="en-US" sz="3200" dirty="0" err="1">
+                <a:solidFill>
+                  <a:srgbClr val="0070C0"/>
+                </a:solidFill>
+                <a:latin typeface="Calibri" panose="020F0502020204030204" pitchFamily="34" charset="0"/>
+                <a:cs typeface="Calibri" panose="020F0502020204030204" pitchFamily="34" charset="0"/>
+              </a:rPr>
+              <a:t>gandhi</a:t>
+            </a:r>
+            <a:r>
+              <a:rPr lang="en-US" sz="3200" dirty="0">
+                <a:solidFill>
+                  <a:srgbClr val="0070C0"/>
+                </a:solidFill>
+                <a:latin typeface="Calibri" panose="020F0502020204030204" pitchFamily="34" charset="0"/>
+                <a:cs typeface="Calibri" panose="020F0502020204030204" pitchFamily="34" charset="0"/>
+              </a:rPr>
+              <a:t>-spring-</a:t>
+            </a:r>
+            <a:r>
+              <a:rPr lang="en-US" sz="3200" dirty="0" err="1">
+                <a:solidFill>
+                  <a:srgbClr val="0070C0"/>
+                </a:solidFill>
+                <a:latin typeface="Calibri" panose="020F0502020204030204" pitchFamily="34" charset="0"/>
+                <a:cs typeface="Calibri" panose="020F0502020204030204" pitchFamily="34" charset="0"/>
+              </a:rPr>
+              <a:t>twamp</a:t>
+            </a:r>
+            <a:r>
+              <a:rPr lang="en-US" sz="3200" dirty="0">
+                <a:solidFill>
+                  <a:srgbClr val="0070C0"/>
+                </a:solidFill>
+                <a:latin typeface="Calibri" panose="020F0502020204030204" pitchFamily="34" charset="0"/>
+                <a:cs typeface="Calibri" panose="020F0502020204030204" pitchFamily="34" charset="0"/>
+              </a:rPr>
+              <a:t>-</a:t>
+            </a:r>
+            <a:r>
+              <a:rPr lang="en-US" sz="3200" dirty="0" err="1">
+                <a:solidFill>
+                  <a:srgbClr val="0070C0"/>
+                </a:solidFill>
+                <a:latin typeface="Calibri" panose="020F0502020204030204" pitchFamily="34" charset="0"/>
+                <a:cs typeface="Calibri" panose="020F0502020204030204" pitchFamily="34" charset="0"/>
+              </a:rPr>
+              <a:t>srpm</a:t>
+            </a:r>
+            <a:r>
+              <a:rPr lang="en-US" sz="3200" dirty="0">
+                <a:solidFill>
+                  <a:srgbClr val="0070C0"/>
+                </a:solidFill>
+                <a:latin typeface="Calibri" panose="020F0502020204030204" pitchFamily="34" charset="0"/>
+                <a:cs typeface="Calibri" panose="020F0502020204030204" pitchFamily="34" charset="0"/>
+              </a:rPr>
+              <a:t> - Review Comments</a:t>
+            </a:r>
+            <a:endParaRPr lang="en-US" sz="3200" dirty="0">
+              <a:solidFill>
+                <a:srgbClr val="0070C0"/>
+              </a:solidFill>
+              <a:latin typeface="Calibri Light" panose="020F0302020204030204" pitchFamily="34" charset="0"/>
+              <a:cs typeface="Calibri Light" panose="020F0302020204030204" pitchFamily="34" charset="0"/>
+            </a:endParaRPr>
           </a:p>
         </p:txBody>
       </p:sp>
@@ -8925,44 +9380,156 @@
         </p:nvSpPr>
         <p:spPr>
           <a:xfrm>
-            <a:off x="685800" y="1123950"/>
-            <a:ext cx="8001000" cy="2514599"/>
+            <a:off x="685800" y="857249"/>
+            <a:ext cx="7772400" cy="3642891"/>
           </a:xfrm>
         </p:spPr>
         <p:txBody>
           <a:bodyPr/>
           <a:lstStyle/>
           <a:p>
-            <a:pPr lvl="0"/>
-            <a:r>
-              <a:rPr lang="en-US" sz="2400" dirty="0">
+            <a:pPr>
+              <a:buFont typeface="+mj-lt"/>
+              <a:buAutoNum type="arabicPeriod"/>
+            </a:pPr>
+            <a:r>
+              <a:rPr lang="en-US" sz="1200" dirty="0"/>
+              <a:t>Destination UDP port used has zero UDP checksum with IPv6 header</a:t>
+            </a:r>
+          </a:p>
+          <a:p>
+            <a:pPr lvl="1"/>
+            <a:r>
+              <a:rPr lang="en-US" sz="1200" dirty="0">
                 <a:latin typeface="Calibri" charset="0"/>
                 <a:ea typeface="Calibri" charset="0"/>
                 <a:cs typeface="Calibri" charset="0"/>
               </a:rPr>
-              <a:t>Welcome your comments and suggestions</a:t>
-            </a:r>
-          </a:p>
-          <a:p>
-            <a:r>
-              <a:rPr lang="en-US" sz="2400" dirty="0"/>
-              <a:t>Request IPPM </a:t>
-            </a:r>
-            <a:r>
-              <a:rPr lang="en-US" sz="2400" dirty="0">
-                <a:latin typeface="Calibri" charset="0"/>
-                <a:ea typeface="Calibri" charset="0"/>
-                <a:cs typeface="Calibri" charset="0"/>
-              </a:rPr>
-              <a:t>WG adoption</a:t>
-            </a:r>
-          </a:p>
-          <a:p>
-            <a:endParaRPr lang="en-US" sz="2400" dirty="0">
+              <a:t>Add Reference for </a:t>
+            </a:r>
+            <a:r>
+              <a:rPr lang="en-CA" sz="1200" dirty="0"/>
+              <a:t>RFC 6936 in Security Section</a:t>
+            </a:r>
+            <a:endParaRPr lang="en-US" sz="1200" dirty="0">
               <a:latin typeface="Calibri" charset="0"/>
               <a:ea typeface="Calibri" charset="0"/>
               <a:cs typeface="Calibri" charset="0"/>
             </a:endParaRPr>
+          </a:p>
+          <a:p>
+            <a:pPr>
+              <a:buFont typeface="+mj-lt"/>
+              <a:buAutoNum type="arabicPeriod"/>
+            </a:pPr>
+            <a:r>
+              <a:rPr lang="en-US" sz="1200" dirty="0"/>
+              <a:t>Add references for well-known terms “Link”, “SR Path”, and “Congruent paths”</a:t>
+            </a:r>
+          </a:p>
+          <a:p>
+            <a:pPr>
+              <a:buFont typeface="+mj-lt"/>
+              <a:buAutoNum type="arabicPeriod"/>
+            </a:pPr>
+            <a:r>
+              <a:rPr lang="en-US" sz="1200" dirty="0">
+                <a:latin typeface="Calibri" charset="0"/>
+                <a:ea typeface="Calibri" charset="0"/>
+                <a:cs typeface="Calibri" charset="0"/>
+              </a:rPr>
+              <a:t>Add reference for Yang data model draft in provisioning model section</a:t>
+            </a:r>
+          </a:p>
+          <a:p>
+            <a:pPr>
+              <a:buFont typeface="+mj-lt"/>
+              <a:buAutoNum type="arabicPeriod"/>
+            </a:pPr>
+            <a:r>
+              <a:rPr lang="en-US" sz="1200" dirty="0"/>
+              <a:t>Liveness is to compute “connection loss” performance metric </a:t>
+            </a:r>
+          </a:p>
+          <a:p>
+            <a:pPr lvl="1"/>
+            <a:r>
+              <a:rPr lang="en-US" sz="1200" dirty="0"/>
+              <a:t>Similar to the widely deployed synthetic packet loss metric</a:t>
+            </a:r>
+            <a:endParaRPr lang="en-US" sz="1200" dirty="0">
+              <a:latin typeface="Calibri" charset="0"/>
+              <a:ea typeface="Calibri" charset="0"/>
+              <a:cs typeface="Calibri" charset="0"/>
+            </a:endParaRPr>
+          </a:p>
+          <a:p>
+            <a:pPr>
+              <a:buFont typeface="+mj-lt"/>
+              <a:buAutoNum type="arabicPeriod"/>
+            </a:pPr>
+            <a:r>
+              <a:rPr lang="en-US" sz="1200" dirty="0"/>
+              <a:t>Editorial</a:t>
+            </a:r>
+          </a:p>
+          <a:p>
+            <a:pPr lvl="1"/>
+            <a:r>
+              <a:rPr lang="en-US" sz="1200" dirty="0">
+                <a:solidFill>
+                  <a:srgbClr val="002060"/>
+                </a:solidFill>
+              </a:rPr>
+              <a:t>Control-channel signaling -&gt; TWAMP-control protocol</a:t>
+            </a:r>
+          </a:p>
+          <a:p>
+            <a:pPr lvl="1"/>
+            <a:r>
+              <a:rPr lang="en-US" sz="1200" dirty="0"/>
+              <a:t>Indicate packet loss is direct-mode loss </a:t>
+            </a:r>
+          </a:p>
+          <a:p>
+            <a:pPr lvl="1"/>
+            <a:r>
+              <a:rPr lang="en-US" sz="1200" dirty="0"/>
+              <a:t>Use test packet term for query message </a:t>
+            </a:r>
+          </a:p>
+          <a:p>
+            <a:pPr lvl="1"/>
+            <a:r>
+              <a:rPr lang="en-US" sz="1200" dirty="0"/>
+              <a:t>H/W timestamps required -&gt; H/W timestamps recommended </a:t>
+            </a:r>
+          </a:p>
+          <a:p>
+            <a:pPr lvl="1"/>
+            <a:r>
+              <a:rPr lang="en-CA" sz="1200" dirty="0"/>
+              <a:t>IPv6 address ::1/128 or ::FFFF:127/104</a:t>
+            </a:r>
+          </a:p>
+          <a:p>
+            <a:pPr lvl="1"/>
+            <a:r>
+              <a:rPr lang="en-CA" sz="1200" dirty="0"/>
+              <a:t>Clarify - Section 4.1.4.2 and 4.2.2.2 depict the packet format with word “as needed” for inner IP Header</a:t>
+            </a:r>
+          </a:p>
+          <a:p>
+            <a:pPr lvl="1"/>
+            <a:r>
+              <a:rPr lang="en-CA" sz="1200" dirty="0"/>
+              <a:t>Different UDP destination port when running authenticated and unauthenticated sessions simultaneously</a:t>
+            </a:r>
+            <a:endParaRPr lang="en-US" sz="1200" dirty="0"/>
+          </a:p>
+          <a:p>
+            <a:pPr lvl="1"/>
+            <a:endParaRPr lang="en-US" sz="1200" dirty="0"/>
           </a:p>
         </p:txBody>
       </p:sp>
@@ -9033,7 +9600,7 @@
     </p:spTree>
     <p:extLst>
       <p:ext uri="{BB962C8B-B14F-4D97-AF65-F5344CB8AC3E}">
-        <p14:creationId xmlns:p14="http://schemas.microsoft.com/office/powerpoint/2010/main" val="2309160477"/>
+        <p14:creationId xmlns:p14="http://schemas.microsoft.com/office/powerpoint/2010/main" val="216111752"/>
       </p:ext>
     </p:extLst>
   </p:cSld>

--- a/draft-gandhi-ippm-twamp-srpm-00.pptx
+++ b/draft-gandhi-ippm-twamp-srpm-00.pptx
@@ -5244,7 +5244,7 @@
           <a:p>
             <a:r>
               <a:rPr lang="en-US" sz="2400" dirty="0"/>
-              <a:t>Request IPPM </a:t>
+              <a:t>In IPPM </a:t>
             </a:r>
             <a:r>
               <a:rPr lang="en-US" sz="2400" dirty="0">
@@ -5252,7 +5252,7 @@
                 <a:ea typeface="Calibri" charset="0"/>
                 <a:cs typeface="Calibri" charset="0"/>
               </a:rPr>
-              <a:t>WG adoption</a:t>
+              <a:t>WG adoption poll</a:t>
             </a:r>
           </a:p>
           <a:p>
@@ -5885,8 +5885,12 @@
               <a:buChar char="§"/>
             </a:pPr>
             <a:r>
+              <a:rPr lang="en-US" sz="1600"/>
+              <a:t>Support Delay </a:t>
+            </a:r>
+            <a:r>
               <a:rPr lang="en-US" sz="1600" dirty="0"/>
-              <a:t>Delay and synthetic Loss Measurement </a:t>
+              <a:t>and synthetic Loss Measurement </a:t>
             </a:r>
           </a:p>
           <a:p>
@@ -8945,8 +8949,8 @@
                 <a:solidFill>
                   <a:srgbClr val="0070C0"/>
                 </a:solidFill>
-                <a:latin typeface="Calibri" panose="020F0502020204030204" pitchFamily="34" charset="0"/>
-                <a:cs typeface="Calibri" panose="020F0502020204030204" pitchFamily="34" charset="0"/>
+                <a:latin typeface="Calibri Light" panose="020F0302020204030204" pitchFamily="34" charset="0"/>
+                <a:cs typeface="Calibri Light" panose="020F0302020204030204" pitchFamily="34" charset="0"/>
               </a:rPr>
               <a:t>draft-</a:t>
             </a:r>
@@ -8955,8 +8959,8 @@
                 <a:solidFill>
                   <a:srgbClr val="0070C0"/>
                 </a:solidFill>
-                <a:latin typeface="Calibri" panose="020F0502020204030204" pitchFamily="34" charset="0"/>
-                <a:cs typeface="Calibri" panose="020F0502020204030204" pitchFamily="34" charset="0"/>
+                <a:latin typeface="Calibri Light" panose="020F0302020204030204" pitchFamily="34" charset="0"/>
+                <a:cs typeface="Calibri Light" panose="020F0302020204030204" pitchFamily="34" charset="0"/>
               </a:rPr>
               <a:t>gandhi</a:t>
             </a:r>
@@ -8965,8 +8969,8 @@
                 <a:solidFill>
                   <a:srgbClr val="0070C0"/>
                 </a:solidFill>
-                <a:latin typeface="Calibri" panose="020F0502020204030204" pitchFamily="34" charset="0"/>
-                <a:cs typeface="Calibri" panose="020F0502020204030204" pitchFamily="34" charset="0"/>
+                <a:latin typeface="Calibri Light" panose="020F0302020204030204" pitchFamily="34" charset="0"/>
+                <a:cs typeface="Calibri Light" panose="020F0302020204030204" pitchFamily="34" charset="0"/>
               </a:rPr>
               <a:t>-</a:t>
             </a:r>
@@ -8975,8 +8979,8 @@
                 <a:solidFill>
                   <a:srgbClr val="0070C0"/>
                 </a:solidFill>
-                <a:latin typeface="Calibri" panose="020F0502020204030204" pitchFamily="34" charset="0"/>
-                <a:cs typeface="Calibri" panose="020F0502020204030204" pitchFamily="34" charset="0"/>
+                <a:latin typeface="Calibri Light" panose="020F0302020204030204" pitchFamily="34" charset="0"/>
+                <a:cs typeface="Calibri Light" panose="020F0302020204030204" pitchFamily="34" charset="0"/>
               </a:rPr>
               <a:t>ippm-twamp-srpm</a:t>
             </a:r>
@@ -8985,18 +8989,11 @@
                 <a:solidFill>
                   <a:srgbClr val="0070C0"/>
                 </a:solidFill>
-                <a:latin typeface="Calibri" panose="020F0502020204030204" pitchFamily="34" charset="0"/>
-                <a:cs typeface="Calibri" panose="020F0502020204030204" pitchFamily="34" charset="0"/>
+                <a:latin typeface="Calibri Light" panose="020F0302020204030204" pitchFamily="34" charset="0"/>
+                <a:cs typeface="Calibri Light" panose="020F0302020204030204" pitchFamily="34" charset="0"/>
               </a:rPr>
               <a:t> - Review Comments</a:t>
             </a:r>
-            <a:endParaRPr lang="en-US" sz="3200" dirty="0">
-              <a:solidFill>
-                <a:srgbClr val="0070C0"/>
-              </a:solidFill>
-              <a:latin typeface="Calibri Light" panose="020F0302020204030204" pitchFamily="34" charset="0"/>
-              <a:cs typeface="Calibri Light" panose="020F0302020204030204" pitchFamily="34" charset="0"/>
-            </a:endParaRPr>
           </a:p>
         </p:txBody>
       </p:sp>
@@ -9293,8 +9290,8 @@
                 <a:solidFill>
                   <a:srgbClr val="0070C0"/>
                 </a:solidFill>
-                <a:latin typeface="Calibri" panose="020F0502020204030204" pitchFamily="34" charset="0"/>
-                <a:cs typeface="Calibri" panose="020F0502020204030204" pitchFamily="34" charset="0"/>
+                <a:latin typeface="Calibri Light" panose="020F0302020204030204" pitchFamily="34" charset="0"/>
+                <a:cs typeface="Calibri Light" panose="020F0302020204030204" pitchFamily="34" charset="0"/>
               </a:rPr>
               <a:t>draft-</a:t>
             </a:r>
@@ -9303,8 +9300,8 @@
                 <a:solidFill>
                   <a:srgbClr val="0070C0"/>
                 </a:solidFill>
-                <a:latin typeface="Calibri" panose="020F0502020204030204" pitchFamily="34" charset="0"/>
-                <a:cs typeface="Calibri" panose="020F0502020204030204" pitchFamily="34" charset="0"/>
+                <a:latin typeface="Calibri Light" panose="020F0302020204030204" pitchFamily="34" charset="0"/>
+                <a:cs typeface="Calibri Light" panose="020F0302020204030204" pitchFamily="34" charset="0"/>
               </a:rPr>
               <a:t>gandhi</a:t>
             </a:r>
@@ -9313,8 +9310,8 @@
                 <a:solidFill>
                   <a:srgbClr val="0070C0"/>
                 </a:solidFill>
-                <a:latin typeface="Calibri" panose="020F0502020204030204" pitchFamily="34" charset="0"/>
-                <a:cs typeface="Calibri" panose="020F0502020204030204" pitchFamily="34" charset="0"/>
+                <a:latin typeface="Calibri Light" panose="020F0302020204030204" pitchFamily="34" charset="0"/>
+                <a:cs typeface="Calibri Light" panose="020F0302020204030204" pitchFamily="34" charset="0"/>
               </a:rPr>
               <a:t>-spring-</a:t>
             </a:r>
@@ -9323,8 +9320,8 @@
                 <a:solidFill>
                   <a:srgbClr val="0070C0"/>
                 </a:solidFill>
-                <a:latin typeface="Calibri" panose="020F0502020204030204" pitchFamily="34" charset="0"/>
-                <a:cs typeface="Calibri" panose="020F0502020204030204" pitchFamily="34" charset="0"/>
+                <a:latin typeface="Calibri Light" panose="020F0302020204030204" pitchFamily="34" charset="0"/>
+                <a:cs typeface="Calibri Light" panose="020F0302020204030204" pitchFamily="34" charset="0"/>
               </a:rPr>
               <a:t>twamp</a:t>
             </a:r>
@@ -9333,8 +9330,8 @@
                 <a:solidFill>
                   <a:srgbClr val="0070C0"/>
                 </a:solidFill>
-                <a:latin typeface="Calibri" panose="020F0502020204030204" pitchFamily="34" charset="0"/>
-                <a:cs typeface="Calibri" panose="020F0502020204030204" pitchFamily="34" charset="0"/>
+                <a:latin typeface="Calibri Light" panose="020F0302020204030204" pitchFamily="34" charset="0"/>
+                <a:cs typeface="Calibri Light" panose="020F0302020204030204" pitchFamily="34" charset="0"/>
               </a:rPr>
               <a:t>-</a:t>
             </a:r>
@@ -9343,8 +9340,8 @@
                 <a:solidFill>
                   <a:srgbClr val="0070C0"/>
                 </a:solidFill>
-                <a:latin typeface="Calibri" panose="020F0502020204030204" pitchFamily="34" charset="0"/>
-                <a:cs typeface="Calibri" panose="020F0502020204030204" pitchFamily="34" charset="0"/>
+                <a:latin typeface="Calibri Light" panose="020F0302020204030204" pitchFamily="34" charset="0"/>
+                <a:cs typeface="Calibri Light" panose="020F0302020204030204" pitchFamily="34" charset="0"/>
               </a:rPr>
               <a:t>srpm</a:t>
             </a:r>
@@ -9353,18 +9350,11 @@
                 <a:solidFill>
                   <a:srgbClr val="0070C0"/>
                 </a:solidFill>
-                <a:latin typeface="Calibri" panose="020F0502020204030204" pitchFamily="34" charset="0"/>
-                <a:cs typeface="Calibri" panose="020F0502020204030204" pitchFamily="34" charset="0"/>
+                <a:latin typeface="Calibri Light" panose="020F0302020204030204" pitchFamily="34" charset="0"/>
+                <a:cs typeface="Calibri Light" panose="020F0302020204030204" pitchFamily="34" charset="0"/>
               </a:rPr>
               <a:t> - Review Comments</a:t>
             </a:r>
-            <a:endParaRPr lang="en-US" sz="3200" dirty="0">
-              <a:solidFill>
-                <a:srgbClr val="0070C0"/>
-              </a:solidFill>
-              <a:latin typeface="Calibri Light" panose="020F0302020204030204" pitchFamily="34" charset="0"/>
-              <a:cs typeface="Calibri Light" panose="020F0302020204030204" pitchFamily="34" charset="0"/>
-            </a:endParaRPr>
           </a:p>
         </p:txBody>
       </p:sp>

--- a/draft-gandhi-ippm-twamp-srpm-00.pptx
+++ b/draft-gandhi-ippm-twamp-srpm-00.pptx
@@ -5,10 +5,10 @@
     <p:sldMasterId id="2147483648" r:id="rId1"/>
   </p:sldMasterIdLst>
   <p:notesMasterIdLst>
-    <p:notesMasterId r:id="rId13"/>
+    <p:notesMasterId r:id="rId14"/>
   </p:notesMasterIdLst>
   <p:handoutMasterIdLst>
-    <p:handoutMasterId r:id="rId14"/>
+    <p:handoutMasterId r:id="rId15"/>
   </p:handoutMasterIdLst>
   <p:sldIdLst>
     <p:sldId id="256" r:id="rId2"/>
@@ -19,9 +19,10 @@
     <p:sldId id="1660" r:id="rId7"/>
     <p:sldId id="321" r:id="rId8"/>
     <p:sldId id="1662" r:id="rId9"/>
-    <p:sldId id="1663" r:id="rId10"/>
-    <p:sldId id="318" r:id="rId11"/>
-    <p:sldId id="303" r:id="rId12"/>
+    <p:sldId id="318" r:id="rId10"/>
+    <p:sldId id="303" r:id="rId11"/>
+    <p:sldId id="1672" r:id="rId12"/>
+    <p:sldId id="1663" r:id="rId13"/>
   </p:sldIdLst>
   <p:sldSz cx="9144000" cy="5143500" type="screen16x9"/>
   <p:notesSz cx="6858000" cy="9144000"/>
@@ -254,7 +255,7 @@
           <a:p>
             <a:fld id="{E8FA3DB5-7722-3F4F-947D-12B203669AD7}" type="datetimeFigureOut">
               <a:rPr lang="en-US" smtClean="0"/>
-              <a:t>11/11/20</a:t>
+              <a:t>11/13/20</a:t>
             </a:fld>
             <a:endParaRPr lang="en-US"/>
           </a:p>
@@ -871,6 +872,96 @@
 </p:notes>
 </file>
 
+<file path=ppt/notesSlides/notesSlide10.xml><?xml version="1.0" encoding="utf-8"?>
+<p:notes xmlns:a="http://schemas.openxmlformats.org/drawingml/2006/main" xmlns:r="http://schemas.openxmlformats.org/officeDocument/2006/relationships" xmlns:p="http://schemas.openxmlformats.org/presentationml/2006/main">
+  <p:cSld>
+    <p:spTree>
+      <p:nvGrpSpPr>
+        <p:cNvPr id="1" name=""/>
+        <p:cNvGrpSpPr/>
+        <p:nvPr/>
+      </p:nvGrpSpPr>
+      <p:grpSpPr>
+        <a:xfrm>
+          <a:off x="0" y="0"/>
+          <a:ext cx="0" cy="0"/>
+          <a:chOff x="0" y="0"/>
+          <a:chExt cx="0" cy="0"/>
+        </a:xfrm>
+      </p:grpSpPr>
+      <p:sp>
+        <p:nvSpPr>
+          <p:cNvPr id="2" name="Slide Image Placeholder 1"/>
+          <p:cNvSpPr>
+            <a:spLocks noGrp="1" noRot="1" noChangeAspect="1"/>
+          </p:cNvSpPr>
+          <p:nvPr>
+            <p:ph type="sldImg"/>
+          </p:nvPr>
+        </p:nvSpPr>
+        <p:spPr/>
+      </p:sp>
+      <p:sp>
+        <p:nvSpPr>
+          <p:cNvPr id="3" name="Notes Placeholder 2"/>
+          <p:cNvSpPr>
+            <a:spLocks noGrp="1"/>
+          </p:cNvSpPr>
+          <p:nvPr>
+            <p:ph type="body" idx="1"/>
+          </p:nvPr>
+        </p:nvSpPr>
+        <p:spPr/>
+        <p:txBody>
+          <a:bodyPr/>
+          <a:lstStyle/>
+          <a:p>
+            <a:endParaRPr lang="en-CA" dirty="0"/>
+          </a:p>
+        </p:txBody>
+      </p:sp>
+      <p:sp>
+        <p:nvSpPr>
+          <p:cNvPr id="4" name="Slide Number Placeholder 3"/>
+          <p:cNvSpPr>
+            <a:spLocks noGrp="1"/>
+          </p:cNvSpPr>
+          <p:nvPr>
+            <p:ph type="sldNum" sz="quarter" idx="10"/>
+          </p:nvPr>
+        </p:nvSpPr>
+        <p:spPr/>
+        <p:txBody>
+          <a:bodyPr/>
+          <a:lstStyle/>
+          <a:p>
+            <a:pPr>
+              <a:defRPr/>
+            </a:pPr>
+            <a:fld id="{100938BD-FD70-4535-B0C2-13FC38CDF1BE}" type="slidenum">
+              <a:rPr lang="en-US" altLang="zh-CN" smtClean="0"/>
+              <a:pPr>
+                <a:defRPr/>
+              </a:pPr>
+              <a:t>12</a:t>
+            </a:fld>
+            <a:endParaRPr lang="en-US" altLang="zh-CN"/>
+          </a:p>
+        </p:txBody>
+      </p:sp>
+    </p:spTree>
+    <p:extLst>
+      <p:ext uri="{BB962C8B-B14F-4D97-AF65-F5344CB8AC3E}">
+        <p14:creationId xmlns:p14="http://schemas.microsoft.com/office/powerpoint/2010/main" val="2978086365"/>
+      </p:ext>
+    </p:extLst>
+  </p:cSld>
+  <p:clrMapOvr>
+    <a:masterClrMapping/>
+  </p:clrMapOvr>
+</p:notes>
+</file>
+
 <file path=ppt/notesSlides/notesSlide2.xml><?xml version="1.0" encoding="utf-8"?>
 <p:notes xmlns:a="http://schemas.openxmlformats.org/drawingml/2006/main" xmlns:r="http://schemas.openxmlformats.org/officeDocument/2006/relationships" xmlns:p="http://schemas.openxmlformats.org/presentationml/2006/main">
   <p:cSld>
@@ -1401,7 +1492,7 @@
     </p:spTree>
     <p:extLst>
       <p:ext uri="{BB962C8B-B14F-4D97-AF65-F5344CB8AC3E}">
-        <p14:creationId xmlns:p14="http://schemas.microsoft.com/office/powerpoint/2010/main" val="2978086365"/>
+        <p14:creationId xmlns:p14="http://schemas.microsoft.com/office/powerpoint/2010/main" val="1422079827"/>
       </p:ext>
     </p:extLst>
   </p:cSld>
@@ -1455,7 +1546,7 @@
           <a:bodyPr/>
           <a:lstStyle/>
           <a:p>
-            <a:endParaRPr lang="en-CA" dirty="0"/>
+            <a:endParaRPr lang="en-US" dirty="0"/>
           </a:p>
         </p:txBody>
       </p:sp>
@@ -1491,7 +1582,7 @@
     </p:spTree>
     <p:extLst>
       <p:ext uri="{BB962C8B-B14F-4D97-AF65-F5344CB8AC3E}">
-        <p14:creationId xmlns:p14="http://schemas.microsoft.com/office/powerpoint/2010/main" val="1422079827"/>
+        <p14:creationId xmlns:p14="http://schemas.microsoft.com/office/powerpoint/2010/main" val="383772479"/>
       </p:ext>
     </p:extLst>
   </p:cSld>
@@ -1545,7 +1636,7 @@
           <a:bodyPr/>
           <a:lstStyle/>
           <a:p>
-            <a:endParaRPr lang="en-US" dirty="0"/>
+            <a:endParaRPr lang="en-CA" dirty="0"/>
           </a:p>
         </p:txBody>
       </p:sp>
@@ -1581,7 +1672,7 @@
     </p:spTree>
     <p:extLst>
       <p:ext uri="{BB962C8B-B14F-4D97-AF65-F5344CB8AC3E}">
-        <p14:creationId xmlns:p14="http://schemas.microsoft.com/office/powerpoint/2010/main" val="383772479"/>
+        <p14:creationId xmlns:p14="http://schemas.microsoft.com/office/powerpoint/2010/main" val="190732174"/>
       </p:ext>
     </p:extLst>
   </p:cSld>
@@ -5180,186 +5271,6 @@
       </p:grpSpPr>
       <p:sp>
         <p:nvSpPr>
-          <p:cNvPr id="2" name="Title 1"/>
-          <p:cNvSpPr>
-            <a:spLocks noGrp="1"/>
-          </p:cNvSpPr>
-          <p:nvPr>
-            <p:ph type="title"/>
-          </p:nvPr>
-        </p:nvSpPr>
-        <p:spPr>
-          <a:xfrm>
-            <a:off x="457200" y="0"/>
-            <a:ext cx="8229600" cy="857250"/>
-          </a:xfrm>
-        </p:spPr>
-        <p:txBody>
-          <a:bodyPr/>
-          <a:lstStyle/>
-          <a:p>
-            <a:r>
-              <a:rPr lang="en-US" sz="3600" dirty="0">
-                <a:solidFill>
-                  <a:srgbClr val="0070C0"/>
-                </a:solidFill>
-                <a:latin typeface="Calibri Light" panose="020F0302020204030204" pitchFamily="34" charset="0"/>
-                <a:cs typeface="Calibri Light" panose="020F0302020204030204" pitchFamily="34" charset="0"/>
-              </a:rPr>
-              <a:t>Next Steps</a:t>
-            </a:r>
-          </a:p>
-        </p:txBody>
-      </p:sp>
-      <p:sp>
-        <p:nvSpPr>
-          <p:cNvPr id="3" name="Content Placeholder 2"/>
-          <p:cNvSpPr>
-            <a:spLocks noGrp="1"/>
-          </p:cNvSpPr>
-          <p:nvPr>
-            <p:ph idx="1"/>
-          </p:nvPr>
-        </p:nvSpPr>
-        <p:spPr>
-          <a:xfrm>
-            <a:off x="685800" y="1123950"/>
-            <a:ext cx="8001000" cy="2514599"/>
-          </a:xfrm>
-        </p:spPr>
-        <p:txBody>
-          <a:bodyPr/>
-          <a:lstStyle/>
-          <a:p>
-            <a:pPr lvl="0"/>
-            <a:r>
-              <a:rPr lang="en-US" sz="2400" dirty="0">
-                <a:latin typeface="Calibri" charset="0"/>
-                <a:ea typeface="Calibri" charset="0"/>
-                <a:cs typeface="Calibri" charset="0"/>
-              </a:rPr>
-              <a:t>Welcome your comments and suggestions</a:t>
-            </a:r>
-          </a:p>
-          <a:p>
-            <a:r>
-              <a:rPr lang="en-US" sz="2400" dirty="0"/>
-              <a:t>In IPPM </a:t>
-            </a:r>
-            <a:r>
-              <a:rPr lang="en-US" sz="2400" dirty="0">
-                <a:latin typeface="Calibri" charset="0"/>
-                <a:ea typeface="Calibri" charset="0"/>
-                <a:cs typeface="Calibri" charset="0"/>
-              </a:rPr>
-              <a:t>WG adoption poll</a:t>
-            </a:r>
-          </a:p>
-          <a:p>
-            <a:endParaRPr lang="en-US" sz="2400" dirty="0">
-              <a:latin typeface="Calibri" charset="0"/>
-              <a:ea typeface="Calibri" charset="0"/>
-              <a:cs typeface="Calibri" charset="0"/>
-            </a:endParaRPr>
-          </a:p>
-        </p:txBody>
-      </p:sp>
-      <p:sp>
-        <p:nvSpPr>
-          <p:cNvPr id="4" name="Footer Placeholder 3"/>
-          <p:cNvSpPr>
-            <a:spLocks noGrp="1"/>
-          </p:cNvSpPr>
-          <p:nvPr>
-            <p:ph type="ftr" sz="quarter" idx="11"/>
-          </p:nvPr>
-        </p:nvSpPr>
-        <p:spPr>
-          <a:xfrm>
-            <a:off x="3124200" y="4786312"/>
-            <a:ext cx="2895600" cy="357188"/>
-          </a:xfrm>
-        </p:spPr>
-        <p:txBody>
-          <a:bodyPr/>
-          <a:lstStyle/>
-          <a:p>
-            <a:r>
-              <a:rPr lang="en-CA" dirty="0"/>
-              <a:t>109</a:t>
-            </a:r>
-            <a:r>
-              <a:rPr lang="en-CA" baseline="30000" dirty="0"/>
-              <a:t>th</a:t>
-            </a:r>
-            <a:r>
-              <a:rPr lang="en-CA" dirty="0"/>
-              <a:t> IETF Online</a:t>
-            </a:r>
-          </a:p>
-        </p:txBody>
-      </p:sp>
-      <p:sp>
-        <p:nvSpPr>
-          <p:cNvPr id="5" name="Slide Number Placeholder 4"/>
-          <p:cNvSpPr>
-            <a:spLocks noGrp="1"/>
-          </p:cNvSpPr>
-          <p:nvPr>
-            <p:ph type="sldNum" sz="quarter" idx="12"/>
-          </p:nvPr>
-        </p:nvSpPr>
-        <p:spPr/>
-        <p:txBody>
-          <a:bodyPr/>
-          <a:lstStyle/>
-          <a:p>
-            <a:pPr>
-              <a:defRPr/>
-            </a:pPr>
-            <a:fld id="{BD6E0F59-1DD8-40FC-9C92-B6295CBA6CCA}" type="slidenum">
-              <a:rPr lang="en-US" altLang="zh-CN" smtClean="0"/>
-              <a:pPr>
-                <a:defRPr/>
-              </a:pPr>
-              <a:t>10</a:t>
-            </a:fld>
-            <a:endParaRPr lang="en-US" altLang="zh-CN"/>
-          </a:p>
-        </p:txBody>
-      </p:sp>
-    </p:spTree>
-    <p:extLst>
-      <p:ext uri="{BB962C8B-B14F-4D97-AF65-F5344CB8AC3E}">
-        <p14:creationId xmlns:p14="http://schemas.microsoft.com/office/powerpoint/2010/main" val="2309160477"/>
-      </p:ext>
-    </p:extLst>
-  </p:cSld>
-  <p:clrMapOvr>
-    <a:masterClrMapping/>
-  </p:clrMapOvr>
-</p:sld>
-</file>
-
-<file path=ppt/slides/slide11.xml><?xml version="1.0" encoding="utf-8"?>
-<p:sld xmlns:a="http://schemas.openxmlformats.org/drawingml/2006/main" xmlns:r="http://schemas.openxmlformats.org/officeDocument/2006/relationships" xmlns:p="http://schemas.openxmlformats.org/presentationml/2006/main">
-  <p:cSld>
-    <p:spTree>
-      <p:nvGrpSpPr>
-        <p:cNvPr id="1" name=""/>
-        <p:cNvGrpSpPr/>
-        <p:nvPr/>
-      </p:nvGrpSpPr>
-      <p:grpSpPr>
-        <a:xfrm>
-          <a:off x="0" y="0"/>
-          <a:ext cx="0" cy="0"/>
-          <a:chOff x="0" y="0"/>
-          <a:chExt cx="0" cy="0"/>
-        </a:xfrm>
-      </p:grpSpPr>
-      <p:sp>
-        <p:nvSpPr>
           <p:cNvPr id="4" name="Footer Placeholder 3"/>
           <p:cNvSpPr>
             <a:spLocks noGrp="1"/>
@@ -5605,7 +5516,7 @@
               <a:pPr>
                 <a:defRPr/>
               </a:pPr>
-              <a:t>11</a:t>
+              <a:t>10</a:t>
             </a:fld>
             <a:endParaRPr lang="en-US" altLang="zh-CN"/>
           </a:p>
@@ -5615,6 +5526,567 @@
     <p:extLst>
       <p:ext uri="{BB962C8B-B14F-4D97-AF65-F5344CB8AC3E}">
         <p14:creationId xmlns:p14="http://schemas.microsoft.com/office/powerpoint/2010/main" val="15840811"/>
+      </p:ext>
+    </p:extLst>
+  </p:cSld>
+  <p:clrMapOvr>
+    <a:masterClrMapping/>
+  </p:clrMapOvr>
+</p:sld>
+</file>
+
+<file path=ppt/slides/slide11.xml><?xml version="1.0" encoding="utf-8"?>
+<p:sld xmlns:a="http://schemas.openxmlformats.org/drawingml/2006/main" xmlns:r="http://schemas.openxmlformats.org/officeDocument/2006/relationships" xmlns:p="http://schemas.openxmlformats.org/presentationml/2006/main">
+  <p:cSld>
+    <p:spTree>
+      <p:nvGrpSpPr>
+        <p:cNvPr id="1" name=""/>
+        <p:cNvGrpSpPr/>
+        <p:nvPr/>
+      </p:nvGrpSpPr>
+      <p:grpSpPr>
+        <a:xfrm>
+          <a:off x="0" y="0"/>
+          <a:ext cx="0" cy="0"/>
+          <a:chOff x="0" y="0"/>
+          <a:chExt cx="0" cy="0"/>
+        </a:xfrm>
+      </p:grpSpPr>
+      <p:sp>
+        <p:nvSpPr>
+          <p:cNvPr id="6" name="Footer Placeholder 3"/>
+          <p:cNvSpPr>
+            <a:spLocks noGrp="1"/>
+          </p:cNvSpPr>
+          <p:nvPr>
+            <p:ph type="ftr" sz="quarter" idx="11"/>
+          </p:nvPr>
+        </p:nvSpPr>
+        <p:spPr>
+          <a:xfrm>
+            <a:off x="3124200" y="4786312"/>
+            <a:ext cx="2895600" cy="357188"/>
+          </a:xfrm>
+        </p:spPr>
+        <p:txBody>
+          <a:bodyPr/>
+          <a:lstStyle/>
+          <a:p>
+            <a:r>
+              <a:rPr lang="en-CA" dirty="0"/>
+              <a:t>109</a:t>
+            </a:r>
+            <a:r>
+              <a:rPr lang="en-CA" baseline="30000" dirty="0"/>
+              <a:t>th</a:t>
+            </a:r>
+            <a:r>
+              <a:rPr lang="en-CA" dirty="0"/>
+              <a:t> IETF Online</a:t>
+            </a:r>
+          </a:p>
+        </p:txBody>
+      </p:sp>
+      <p:sp>
+        <p:nvSpPr>
+          <p:cNvPr id="3" name="Slide Number Placeholder 2"/>
+          <p:cNvSpPr>
+            <a:spLocks noGrp="1"/>
+          </p:cNvSpPr>
+          <p:nvPr>
+            <p:ph type="sldNum" sz="quarter" idx="12"/>
+          </p:nvPr>
+        </p:nvSpPr>
+        <p:spPr/>
+        <p:txBody>
+          <a:bodyPr/>
+          <a:lstStyle/>
+          <a:p>
+            <a:pPr>
+              <a:defRPr/>
+            </a:pPr>
+            <a:fld id="{D5EE1D1A-EEC2-4D53-94A7-85D62C853479}" type="slidenum">
+              <a:rPr lang="en-US" altLang="zh-CN" smtClean="0"/>
+              <a:pPr>
+                <a:defRPr/>
+              </a:pPr>
+              <a:t>11</a:t>
+            </a:fld>
+            <a:endParaRPr lang="en-US" altLang="zh-CN"/>
+          </a:p>
+        </p:txBody>
+      </p:sp>
+      <p:sp>
+        <p:nvSpPr>
+          <p:cNvPr id="8" name="Title 7">
+            <a:extLst>
+              <a:ext uri="{FF2B5EF4-FFF2-40B4-BE49-F238E27FC236}">
+                <a16:creationId xmlns:a16="http://schemas.microsoft.com/office/drawing/2014/main" id="{EAE0D9DC-8575-A84F-A04B-3BD8C30794A3}"/>
+              </a:ext>
+            </a:extLst>
+          </p:cNvPr>
+          <p:cNvSpPr>
+            <a:spLocks noGrp="1"/>
+          </p:cNvSpPr>
+          <p:nvPr>
+            <p:ph type="ctrTitle"/>
+          </p:nvPr>
+        </p:nvSpPr>
+        <p:spPr/>
+        <p:txBody>
+          <a:bodyPr/>
+          <a:lstStyle/>
+          <a:p>
+            <a:r>
+              <a:rPr lang="en-US" dirty="0"/>
+              <a:t>Backup</a:t>
+            </a:r>
+          </a:p>
+        </p:txBody>
+      </p:sp>
+    </p:spTree>
+    <p:extLst>
+      <p:ext uri="{BB962C8B-B14F-4D97-AF65-F5344CB8AC3E}">
+        <p14:creationId xmlns:p14="http://schemas.microsoft.com/office/powerpoint/2010/main" val="3919142469"/>
+      </p:ext>
+    </p:extLst>
+  </p:cSld>
+  <p:clrMapOvr>
+    <a:masterClrMapping/>
+  </p:clrMapOvr>
+</p:sld>
+</file>
+
+<file path=ppt/slides/slide12.xml><?xml version="1.0" encoding="utf-8"?>
+<p:sld xmlns:a="http://schemas.openxmlformats.org/drawingml/2006/main" xmlns:r="http://schemas.openxmlformats.org/officeDocument/2006/relationships" xmlns:p="http://schemas.openxmlformats.org/presentationml/2006/main">
+  <p:cSld>
+    <p:spTree>
+      <p:nvGrpSpPr>
+        <p:cNvPr id="1" name=""/>
+        <p:cNvGrpSpPr/>
+        <p:nvPr/>
+      </p:nvGrpSpPr>
+      <p:grpSpPr>
+        <a:xfrm>
+          <a:off x="0" y="0"/>
+          <a:ext cx="0" cy="0"/>
+          <a:chOff x="0" y="0"/>
+          <a:chExt cx="0" cy="0"/>
+        </a:xfrm>
+      </p:grpSpPr>
+      <p:sp>
+        <p:nvSpPr>
+          <p:cNvPr id="2" name="Title 1"/>
+          <p:cNvSpPr>
+            <a:spLocks noGrp="1"/>
+          </p:cNvSpPr>
+          <p:nvPr>
+            <p:ph type="title"/>
+          </p:nvPr>
+        </p:nvSpPr>
+        <p:spPr>
+          <a:xfrm>
+            <a:off x="0" y="0"/>
+            <a:ext cx="9144000" cy="857250"/>
+          </a:xfrm>
+        </p:spPr>
+        <p:txBody>
+          <a:bodyPr/>
+          <a:lstStyle/>
+          <a:p>
+            <a:r>
+              <a:rPr lang="en-US" sz="3200" dirty="0">
+                <a:solidFill>
+                  <a:srgbClr val="0070C0"/>
+                </a:solidFill>
+                <a:latin typeface="Calibri Light" panose="020F0302020204030204" pitchFamily="34" charset="0"/>
+                <a:cs typeface="Calibri Light" panose="020F0302020204030204" pitchFamily="34" charset="0"/>
+              </a:rPr>
+              <a:t>draft-</a:t>
+            </a:r>
+            <a:r>
+              <a:rPr lang="en-US" sz="3200" dirty="0" err="1">
+                <a:solidFill>
+                  <a:srgbClr val="0070C0"/>
+                </a:solidFill>
+                <a:latin typeface="Calibri Light" panose="020F0302020204030204" pitchFamily="34" charset="0"/>
+                <a:cs typeface="Calibri Light" panose="020F0302020204030204" pitchFamily="34" charset="0"/>
+              </a:rPr>
+              <a:t>gandhi</a:t>
+            </a:r>
+            <a:r>
+              <a:rPr lang="en-US" sz="3200" dirty="0">
+                <a:solidFill>
+                  <a:srgbClr val="0070C0"/>
+                </a:solidFill>
+                <a:latin typeface="Calibri Light" panose="020F0302020204030204" pitchFamily="34" charset="0"/>
+                <a:cs typeface="Calibri Light" panose="020F0302020204030204" pitchFamily="34" charset="0"/>
+              </a:rPr>
+              <a:t>-spring-</a:t>
+            </a:r>
+            <a:r>
+              <a:rPr lang="en-US" sz="3200" dirty="0" err="1">
+                <a:solidFill>
+                  <a:srgbClr val="0070C0"/>
+                </a:solidFill>
+                <a:latin typeface="Calibri Light" panose="020F0302020204030204" pitchFamily="34" charset="0"/>
+                <a:cs typeface="Calibri Light" panose="020F0302020204030204" pitchFamily="34" charset="0"/>
+              </a:rPr>
+              <a:t>twamp</a:t>
+            </a:r>
+            <a:r>
+              <a:rPr lang="en-US" sz="3200" dirty="0">
+                <a:solidFill>
+                  <a:srgbClr val="0070C0"/>
+                </a:solidFill>
+                <a:latin typeface="Calibri Light" panose="020F0302020204030204" pitchFamily="34" charset="0"/>
+                <a:cs typeface="Calibri Light" panose="020F0302020204030204" pitchFamily="34" charset="0"/>
+              </a:rPr>
+              <a:t>-</a:t>
+            </a:r>
+            <a:r>
+              <a:rPr lang="en-US" sz="3200" dirty="0" err="1">
+                <a:solidFill>
+                  <a:srgbClr val="0070C0"/>
+                </a:solidFill>
+                <a:latin typeface="Calibri Light" panose="020F0302020204030204" pitchFamily="34" charset="0"/>
+                <a:cs typeface="Calibri Light" panose="020F0302020204030204" pitchFamily="34" charset="0"/>
+              </a:rPr>
+              <a:t>srpm</a:t>
+            </a:r>
+            <a:r>
+              <a:rPr lang="en-US" sz="3200" dirty="0">
+                <a:solidFill>
+                  <a:srgbClr val="0070C0"/>
+                </a:solidFill>
+                <a:latin typeface="Calibri Light" panose="020F0302020204030204" pitchFamily="34" charset="0"/>
+                <a:cs typeface="Calibri Light" panose="020F0302020204030204" pitchFamily="34" charset="0"/>
+              </a:rPr>
+              <a:t> - Review Comments</a:t>
+            </a:r>
+          </a:p>
+        </p:txBody>
+      </p:sp>
+      <p:sp>
+        <p:nvSpPr>
+          <p:cNvPr id="3" name="Content Placeholder 2"/>
+          <p:cNvSpPr>
+            <a:spLocks noGrp="1"/>
+          </p:cNvSpPr>
+          <p:nvPr>
+            <p:ph idx="1"/>
+          </p:nvPr>
+        </p:nvSpPr>
+        <p:spPr>
+          <a:xfrm>
+            <a:off x="685800" y="857249"/>
+            <a:ext cx="7772400" cy="3771901"/>
+          </a:xfrm>
+        </p:spPr>
+        <p:txBody>
+          <a:bodyPr/>
+          <a:lstStyle/>
+          <a:p>
+            <a:pPr>
+              <a:buFont typeface="+mj-lt"/>
+              <a:buAutoNum type="arabicPeriod"/>
+            </a:pPr>
+            <a:r>
+              <a:rPr lang="en-US" sz="1100" dirty="0"/>
+              <a:t>Add references for well-known terms “Link”, “SR Path”, and “Congruent paths”</a:t>
+            </a:r>
+          </a:p>
+          <a:p>
+            <a:pPr>
+              <a:buFont typeface="+mj-lt"/>
+              <a:buAutoNum type="arabicPeriod"/>
+            </a:pPr>
+            <a:r>
+              <a:rPr lang="en-US" sz="1100" dirty="0"/>
+              <a:t>Destination UDP port used has zero UDP checksum with IPv6 header</a:t>
+            </a:r>
+          </a:p>
+          <a:p>
+            <a:pPr lvl="1">
+              <a:buFont typeface="+mj-lt"/>
+              <a:buAutoNum type="alphaLcParenR"/>
+            </a:pPr>
+            <a:r>
+              <a:rPr lang="en-US" sz="1100" dirty="0">
+                <a:latin typeface="Calibri" charset="0"/>
+                <a:ea typeface="Calibri" charset="0"/>
+                <a:cs typeface="Calibri" charset="0"/>
+              </a:rPr>
+              <a:t>Add Reference for </a:t>
+            </a:r>
+            <a:r>
+              <a:rPr lang="en-CA" sz="1100" dirty="0"/>
+              <a:t>RFC 6936 in Security Section – does not introduce any </a:t>
+            </a:r>
+            <a:r>
+              <a:rPr lang="en-CA" sz="1100" b="1" dirty="0"/>
+              <a:t>new</a:t>
+            </a:r>
+            <a:r>
+              <a:rPr lang="en-CA" sz="1100" dirty="0"/>
+              <a:t> security issue</a:t>
+            </a:r>
+          </a:p>
+          <a:p>
+            <a:pPr lvl="1">
+              <a:buFont typeface="+mj-lt"/>
+              <a:buAutoNum type="alphaLcParenR"/>
+            </a:pPr>
+            <a:r>
+              <a:rPr lang="en-CA" sz="1100" dirty="0"/>
+              <a:t>For IPv4 and IPv6 probe messages, where the hardware is not capable of re-computing the UDP checksum or adding checksum complement [</a:t>
+            </a:r>
+            <a:r>
+              <a:rPr lang="en-CA" sz="1100" dirty="0">
+                <a:hlinkClick r:id="rId3" tooltip="&quot;UDP Checksum Complement in the One-Way Active Measurement Protocol (OWAMP) and Two-Way Active Measurement Protocol (TWAMP)&quot;"/>
+              </a:rPr>
+              <a:t>RFC7820</a:t>
+            </a:r>
+            <a:r>
+              <a:rPr lang="en-CA" sz="1100" dirty="0"/>
+              <a:t>], the sender node </a:t>
+            </a:r>
+            <a:r>
+              <a:rPr lang="en-CA" sz="1100" b="1" dirty="0"/>
+              <a:t>MAY</a:t>
+            </a:r>
+            <a:r>
+              <a:rPr lang="en-CA" sz="1100" dirty="0"/>
+              <a:t> set the UDP checksum to 0 [</a:t>
+            </a:r>
+            <a:r>
+              <a:rPr lang="en-CA" sz="1100" dirty="0">
+                <a:hlinkClick r:id="rId4" tooltip="&quot;UDP Usage Guidelines&quot;"/>
+              </a:rPr>
+              <a:t>RFC8085</a:t>
+            </a:r>
+            <a:r>
+              <a:rPr lang="en-CA" sz="1100" dirty="0"/>
+              <a:t>] </a:t>
+            </a:r>
+            <a:r>
+              <a:rPr lang="en-CA" sz="1100" b="1" dirty="0"/>
+              <a:t>and reflector node MAY accept it as long as it meets requirements specified in [</a:t>
+            </a:r>
+            <a:r>
+              <a:rPr lang="en-CA" sz="1100" b="1" dirty="0">
+                <a:hlinkClick r:id="rId5" tooltip="&quot;Applicability Statement for the Use of IPv6 UDP Datagrams with Zero Checksums&quot;"/>
+              </a:rPr>
+              <a:t>RFC6936</a:t>
+            </a:r>
+            <a:r>
+              <a:rPr lang="en-CA" sz="1100" b="1" dirty="0"/>
+              <a:t>]</a:t>
+            </a:r>
+            <a:endParaRPr lang="en-US" sz="1100" dirty="0">
+              <a:latin typeface="Calibri" charset="0"/>
+              <a:ea typeface="Calibri" charset="0"/>
+              <a:cs typeface="Calibri" charset="0"/>
+            </a:endParaRPr>
+          </a:p>
+          <a:p>
+            <a:pPr>
+              <a:buFont typeface="+mj-lt"/>
+              <a:buAutoNum type="arabicPeriod"/>
+            </a:pPr>
+            <a:r>
+              <a:rPr lang="en-US" sz="1100" dirty="0">
+                <a:latin typeface="Calibri" charset="0"/>
+                <a:ea typeface="Calibri" charset="0"/>
+                <a:cs typeface="Calibri" charset="0"/>
+              </a:rPr>
+              <a:t>Add reference for Yang data model draft in provisioning model section</a:t>
+            </a:r>
+          </a:p>
+          <a:p>
+            <a:pPr>
+              <a:buFont typeface="+mj-lt"/>
+              <a:buAutoNum type="arabicPeriod"/>
+            </a:pPr>
+            <a:r>
+              <a:rPr lang="en-US" sz="1100" dirty="0"/>
+              <a:t>Liveness is to compute “connection loss” performance metric </a:t>
+            </a:r>
+          </a:p>
+          <a:p>
+            <a:pPr lvl="1">
+              <a:buFont typeface="+mj-lt"/>
+              <a:buAutoNum type="alphaLcParenR"/>
+            </a:pPr>
+            <a:r>
+              <a:rPr lang="en-US" sz="1100" dirty="0"/>
+              <a:t>Similar to the widely deployed synthetic packet loss metric</a:t>
+            </a:r>
+            <a:endParaRPr lang="en-US" sz="1100" dirty="0">
+              <a:latin typeface="Calibri" charset="0"/>
+              <a:ea typeface="Calibri" charset="0"/>
+              <a:cs typeface="Calibri" charset="0"/>
+            </a:endParaRPr>
+          </a:p>
+          <a:p>
+            <a:pPr>
+              <a:buFont typeface="+mj-lt"/>
+              <a:buAutoNum type="arabicPeriod"/>
+            </a:pPr>
+            <a:r>
+              <a:rPr lang="en-US" sz="1100" dirty="0"/>
+              <a:t>Editorial</a:t>
+            </a:r>
+          </a:p>
+          <a:p>
+            <a:pPr lvl="1">
+              <a:buFont typeface="+mj-lt"/>
+              <a:buAutoNum type="alphaLcParenR"/>
+            </a:pPr>
+            <a:r>
+              <a:rPr lang="en-US" sz="1100" dirty="0">
+                <a:solidFill>
+                  <a:srgbClr val="002060"/>
+                </a:solidFill>
+              </a:rPr>
+              <a:t>Control-channel signaling -&gt; TWAMP-control protocol</a:t>
+            </a:r>
+          </a:p>
+          <a:p>
+            <a:pPr lvl="1">
+              <a:buFont typeface="+mj-lt"/>
+              <a:buAutoNum type="alphaLcParenR"/>
+            </a:pPr>
+            <a:r>
+              <a:rPr lang="en-US" sz="1100" dirty="0"/>
+              <a:t>Indicate packet loss is direct-mode loss </a:t>
+            </a:r>
+          </a:p>
+          <a:p>
+            <a:pPr lvl="1">
+              <a:buFont typeface="+mj-lt"/>
+              <a:buAutoNum type="alphaLcParenR"/>
+            </a:pPr>
+            <a:r>
+              <a:rPr lang="en-US" sz="1100" dirty="0"/>
+              <a:t>Use test packet term for query message </a:t>
+            </a:r>
+          </a:p>
+          <a:p>
+            <a:pPr lvl="1">
+              <a:buFont typeface="+mj-lt"/>
+              <a:buAutoNum type="alphaLcParenR"/>
+            </a:pPr>
+            <a:r>
+              <a:rPr lang="en-US" sz="1100" dirty="0"/>
+              <a:t>H/W timestamps required -&gt; H/W timestamps recommended </a:t>
+            </a:r>
+          </a:p>
+          <a:p>
+            <a:pPr lvl="1">
+              <a:buFont typeface="+mj-lt"/>
+              <a:buAutoNum type="alphaLcParenR"/>
+            </a:pPr>
+            <a:r>
+              <a:rPr lang="en-CA" sz="1100" dirty="0"/>
+              <a:t>IPv6 address ::1/128 or ::FFFF:127/104</a:t>
+            </a:r>
+          </a:p>
+          <a:p>
+            <a:pPr lvl="1">
+              <a:buFont typeface="+mj-lt"/>
+              <a:buAutoNum type="alphaLcParenR"/>
+            </a:pPr>
+            <a:r>
+              <a:rPr lang="en-CA" sz="1100" dirty="0"/>
+              <a:t>Clarify - Section 4.1.4.2 and 4.2.2.2 depict the packet format with word “as needed” for inner IP Header</a:t>
+            </a:r>
+          </a:p>
+          <a:p>
+            <a:pPr lvl="1">
+              <a:buFont typeface="+mj-lt"/>
+              <a:buAutoNum type="alphaLcParenR"/>
+            </a:pPr>
+            <a:r>
+              <a:rPr lang="en-CA" sz="1100" dirty="0"/>
+              <a:t>Different UDP destination ports when running authenticated and unauthenticated sessions simultaneously</a:t>
+            </a:r>
+            <a:endParaRPr lang="en-US" sz="1100" dirty="0"/>
+          </a:p>
+          <a:p>
+            <a:pPr lvl="1"/>
+            <a:endParaRPr lang="en-US" sz="1100" dirty="0"/>
+          </a:p>
+        </p:txBody>
+      </p:sp>
+      <p:sp>
+        <p:nvSpPr>
+          <p:cNvPr id="4" name="Footer Placeholder 3"/>
+          <p:cNvSpPr>
+            <a:spLocks noGrp="1"/>
+          </p:cNvSpPr>
+          <p:nvPr>
+            <p:ph type="ftr" sz="quarter" idx="11"/>
+          </p:nvPr>
+        </p:nvSpPr>
+        <p:spPr>
+          <a:xfrm>
+            <a:off x="3124200" y="4786312"/>
+            <a:ext cx="2895600" cy="357188"/>
+          </a:xfrm>
+        </p:spPr>
+        <p:txBody>
+          <a:bodyPr/>
+          <a:lstStyle/>
+          <a:p>
+            <a:r>
+              <a:rPr lang="en-CA" dirty="0"/>
+              <a:t>109</a:t>
+            </a:r>
+            <a:r>
+              <a:rPr lang="en-CA" baseline="30000" dirty="0"/>
+              <a:t>th</a:t>
+            </a:r>
+            <a:r>
+              <a:rPr lang="en-CA" dirty="0"/>
+              <a:t> IETF Online</a:t>
+            </a:r>
+          </a:p>
+        </p:txBody>
+      </p:sp>
+      <p:sp>
+        <p:nvSpPr>
+          <p:cNvPr id="5" name="Slide Number Placeholder 4"/>
+          <p:cNvSpPr>
+            <a:spLocks noGrp="1"/>
+          </p:cNvSpPr>
+          <p:nvPr>
+            <p:ph type="sldNum" sz="quarter" idx="12"/>
+          </p:nvPr>
+        </p:nvSpPr>
+        <p:spPr/>
+        <p:txBody>
+          <a:bodyPr/>
+          <a:lstStyle/>
+          <a:p>
+            <a:pPr>
+              <a:defRPr/>
+            </a:pPr>
+            <a:fld id="{BD6E0F59-1DD8-40FC-9C92-B6295CBA6CCA}" type="slidenum">
+              <a:rPr lang="en-US" altLang="zh-CN" smtClean="0"/>
+              <a:pPr>
+                <a:defRPr/>
+              </a:pPr>
+              <a:t>12</a:t>
+            </a:fld>
+            <a:endParaRPr lang="en-US" altLang="zh-CN"/>
+          </a:p>
+        </p:txBody>
+      </p:sp>
+    </p:spTree>
+    <p:extLst>
+      <p:ext uri="{BB962C8B-B14F-4D97-AF65-F5344CB8AC3E}">
+        <p14:creationId xmlns:p14="http://schemas.microsoft.com/office/powerpoint/2010/main" val="216111752"/>
       </p:ext>
     </p:extLst>
   </p:cSld>
@@ -5885,12 +6357,8 @@
               <a:buChar char="§"/>
             </a:pPr>
             <a:r>
-              <a:rPr lang="en-US" sz="1600"/>
-              <a:t>Support Delay </a:t>
-            </a:r>
-            <a:r>
               <a:rPr lang="en-US" sz="1600" dirty="0"/>
-              <a:t>and synthetic Loss Measurement </a:t>
+              <a:t>Support In-band Delay and Synthetic Loss Measurement </a:t>
             </a:r>
           </a:p>
           <a:p>
@@ -6617,34 +7085,26 @@
           <a:p>
             <a:r>
               <a:rPr lang="en-US" sz="1050" dirty="0"/>
-              <a:t>October 2020</a:t>
+              <a:t>Oct 2020</a:t>
             </a:r>
           </a:p>
           <a:p>
             <a:pPr lvl="1"/>
             <a:r>
               <a:rPr lang="en-US" sz="1050" dirty="0"/>
-              <a:t>Split draft </a:t>
-            </a:r>
-            <a:r>
-              <a:rPr lang="en-US" sz="1050"/>
-              <a:t>into </a:t>
-            </a:r>
-            <a:r>
-              <a:rPr lang="en-US" sz="1050" i="1"/>
+              <a:t>Split draft into </a:t>
+            </a:r>
+            <a:r>
+              <a:rPr lang="en-US" sz="1050" i="1" dirty="0"/>
               <a:t>draft-gandhi-</a:t>
             </a:r>
             <a:r>
-              <a:rPr lang="en-US" sz="1050" b="1" i="1"/>
+              <a:rPr lang="en-US" sz="1050" b="1" i="1" dirty="0"/>
               <a:t>spring</a:t>
             </a:r>
             <a:r>
-              <a:rPr lang="en-US" sz="1050" i="1"/>
-              <a:t>-twamp-srpm-11 </a:t>
-            </a:r>
-            <a:r>
               <a:rPr lang="en-US" sz="1050" i="1" dirty="0"/>
-              <a:t>and draft-gandhi-</a:t>
+              <a:t>-twamp-srpm-11 and draft-gandhi-</a:t>
             </a:r>
             <a:r>
               <a:rPr lang="en-US" sz="1050" b="1" i="1" dirty="0"/>
@@ -9022,7 +9482,7 @@
               <a:buAutoNum type="arabicPeriod"/>
             </a:pPr>
             <a:r>
-              <a:rPr lang="en-US" sz="1200" dirty="0"/>
+              <a:rPr lang="en-US" sz="1400" dirty="0"/>
               <a:t>Draft status:</a:t>
             </a:r>
           </a:p>
@@ -9032,8 +9492,15 @@
               <a:buAutoNum type="alphaLcParenR"/>
             </a:pPr>
             <a:r>
-              <a:rPr lang="en-US" sz="1200" dirty="0"/>
-              <a:t>Draft defines extensions for TWAMP Light (is not a new protocol)</a:t>
+              <a:rPr lang="en-US" sz="1400" dirty="0"/>
+              <a:t>Draft defines extensions for TWAMP Light</a:t>
+            </a:r>
+          </a:p>
+          <a:p>
+            <a:pPr marL="1200150" lvl="2" indent="-342900"/>
+            <a:r>
+              <a:rPr lang="en-US" sz="1400" dirty="0"/>
+              <a:t>Updates RFC 5357 due to new field (control code) in the message</a:t>
             </a:r>
           </a:p>
           <a:p>
@@ -9042,7 +9509,7 @@
               <a:buAutoNum type="alphaLcParenR"/>
             </a:pPr>
             <a:r>
-              <a:rPr lang="en-US" sz="1200" dirty="0">
+              <a:rPr lang="en-US" sz="1400" dirty="0">
                 <a:solidFill>
                   <a:srgbClr val="002060"/>
                 </a:solidFill>
@@ -9051,13 +9518,88 @@
             </a:r>
           </a:p>
           <a:p>
+            <a:pPr>
+              <a:buFont typeface="+mj-lt"/>
+              <a:buAutoNum type="arabicPeriod"/>
+            </a:pPr>
+            <a:r>
+              <a:rPr lang="en-US" sz="1400" dirty="0"/>
+              <a:t>Extensions are not specific to SR, document should be renamed</a:t>
+            </a:r>
+          </a:p>
+          <a:p>
+            <a:pPr>
+              <a:buFont typeface="+mj-lt"/>
+              <a:buAutoNum type="arabicPeriod"/>
+            </a:pPr>
+            <a:r>
+              <a:rPr lang="en-US" sz="1400" dirty="0"/>
+              <a:t>Editorial</a:t>
+            </a:r>
+          </a:p>
+          <a:p>
             <a:pPr marL="800100" lvl="1" indent="-342900">
               <a:buFont typeface="+mj-lt"/>
               <a:buAutoNum type="alphaLcParenR"/>
             </a:pPr>
             <a:r>
-              <a:rPr lang="en-US" sz="1200" dirty="0"/>
-              <a:t>Update RFC 5357 due to new field (control code) in the message</a:t>
+              <a:rPr lang="en-US" sz="1400" dirty="0"/>
+              <a:t>Define Abbreviations (BSID, SRH, HMAC-SHA)</a:t>
+            </a:r>
+          </a:p>
+          <a:p>
+            <a:pPr marL="800100" lvl="1" indent="-342900">
+              <a:buFont typeface="+mj-lt"/>
+              <a:buAutoNum type="alphaLcParenR"/>
+            </a:pPr>
+            <a:r>
+              <a:rPr lang="en-US" sz="1400" dirty="0"/>
+              <a:t>Use Session-Sender, Session-Reflector terms</a:t>
+            </a:r>
+          </a:p>
+          <a:p>
+            <a:pPr marL="800100" lvl="1" indent="-342900">
+              <a:buFont typeface="+mj-lt"/>
+              <a:buAutoNum type="alphaLcParenR"/>
+            </a:pPr>
+            <a:r>
+              <a:rPr lang="en-US" sz="1400" dirty="0"/>
+              <a:t>Show entire test packet with session-sender control code field</a:t>
+            </a:r>
+          </a:p>
+          <a:p>
+            <a:pPr marL="800100" lvl="1" indent="-342900">
+              <a:buFont typeface="+mj-lt"/>
+              <a:buAutoNum type="alphaLcParenR"/>
+            </a:pPr>
+            <a:r>
+              <a:rPr lang="en-US" sz="1400" dirty="0"/>
+              <a:t>Indicate packet loss is </a:t>
+            </a:r>
+            <a:r>
+              <a:rPr lang="en-US" sz="1400" b="1" dirty="0"/>
+              <a:t>direct-mode</a:t>
+            </a:r>
+            <a:r>
+              <a:rPr lang="en-US" sz="1400" dirty="0"/>
+              <a:t> loss </a:t>
+            </a:r>
+          </a:p>
+          <a:p>
+            <a:pPr marL="800100" lvl="1" indent="-342900">
+              <a:buFont typeface="+mj-lt"/>
+              <a:buAutoNum type="alphaLcParenR"/>
+            </a:pPr>
+            <a:r>
+              <a:rPr lang="en-US" sz="1400" dirty="0"/>
+              <a:t>Move Receive Counter and other Response message fields to Section 4.1 from 3.2</a:t>
+            </a:r>
+          </a:p>
+          <a:p>
+            <a:pPr lvl="2"/>
+            <a:r>
+              <a:rPr lang="en-CA" sz="1400" dirty="0"/>
+              <a:t>Explain how the counters and sequence numbers are used to do loss measurement</a:t>
             </a:r>
           </a:p>
           <a:p>
@@ -9066,104 +9608,17 @@
               <a:buAutoNum type="arabicPeriod"/>
             </a:pPr>
             <a:r>
-              <a:rPr lang="en-US" sz="1200" dirty="0"/>
-              <a:t>Extensions are not specific to SR, document should be renamed</a:t>
-            </a:r>
-          </a:p>
-          <a:p>
-            <a:pPr>
-              <a:buFont typeface="+mj-lt"/>
-              <a:buAutoNum type="arabicPeriod"/>
-            </a:pPr>
-            <a:r>
-              <a:rPr lang="en-US" sz="1200" dirty="0"/>
-              <a:t>Does not introduce any new security issue with this draft</a:t>
-            </a:r>
-          </a:p>
-          <a:p>
-            <a:pPr>
-              <a:buFont typeface="+mj-lt"/>
-              <a:buAutoNum type="arabicPeriod"/>
-            </a:pPr>
-            <a:r>
-              <a:rPr lang="en-US" sz="1200" dirty="0"/>
-              <a:t>Editorial</a:t>
-            </a:r>
-          </a:p>
-          <a:p>
-            <a:pPr marL="800100" lvl="1" indent="-342900">
-              <a:buFont typeface="+mj-lt"/>
-              <a:buAutoNum type="alphaLcParenR"/>
-            </a:pPr>
-            <a:r>
-              <a:rPr lang="en-US" sz="1200" dirty="0"/>
-              <a:t>Define Abbreviations (BSID, SRH, HMAC-SHA)</a:t>
-            </a:r>
-          </a:p>
-          <a:p>
-            <a:pPr marL="800100" lvl="1" indent="-342900">
-              <a:buFont typeface="+mj-lt"/>
-              <a:buAutoNum type="alphaLcParenR"/>
-            </a:pPr>
-            <a:r>
-              <a:rPr lang="en-US" sz="1200" dirty="0"/>
-              <a:t>Use Session-Sender, Session-Reflector terms</a:t>
-            </a:r>
-          </a:p>
-          <a:p>
-            <a:pPr marL="800100" lvl="1" indent="-342900">
-              <a:buFont typeface="+mj-lt"/>
-              <a:buAutoNum type="alphaLcParenR"/>
-            </a:pPr>
-            <a:r>
-              <a:rPr lang="en-US" sz="1200" dirty="0"/>
-              <a:t>Show entire test packet with session-sender control code field</a:t>
-            </a:r>
-          </a:p>
-          <a:p>
-            <a:pPr marL="800100" lvl="1" indent="-342900">
-              <a:buFont typeface="+mj-lt"/>
-              <a:buAutoNum type="alphaLcParenR"/>
-            </a:pPr>
-            <a:r>
-              <a:rPr lang="en-US" sz="1200" dirty="0"/>
-              <a:t>Indicate packet loss is direct-mode loss </a:t>
-            </a:r>
-          </a:p>
-          <a:p>
-            <a:pPr marL="800100" lvl="1" indent="-342900">
-              <a:buFont typeface="+mj-lt"/>
-              <a:buAutoNum type="alphaLcParenR"/>
-            </a:pPr>
-            <a:r>
-              <a:rPr lang="en-US" sz="1200" dirty="0"/>
-              <a:t>Move Receive Counter and other Response message fields to Section 4.1 from 3.2</a:t>
-            </a:r>
-          </a:p>
-          <a:p>
-            <a:pPr lvl="2"/>
-            <a:r>
-              <a:rPr lang="en-CA" sz="1200" dirty="0"/>
-              <a:t>Explain how the counters and sequence numbers are used to do loss measurement</a:t>
-            </a:r>
-          </a:p>
-          <a:p>
-            <a:pPr>
-              <a:buFont typeface="+mj-lt"/>
-              <a:buAutoNum type="arabicPeriod"/>
-            </a:pPr>
-            <a:r>
-              <a:rPr lang="en-US" sz="1200" dirty="0"/>
+              <a:rPr lang="en-US" sz="1400" dirty="0"/>
               <a:t>Extend ICMP for direct-mode loss measurement – out of scope</a:t>
             </a:r>
-            <a:endParaRPr lang="en-US" sz="1200" dirty="0">
+            <a:endParaRPr lang="en-US" sz="1400" dirty="0">
               <a:latin typeface="Calibri" charset="0"/>
               <a:ea typeface="Calibri" charset="0"/>
               <a:cs typeface="Calibri" charset="0"/>
             </a:endParaRPr>
           </a:p>
           <a:p>
-            <a:endParaRPr lang="en-US" sz="1200" dirty="0">
+            <a:endParaRPr lang="en-US" sz="1400" dirty="0">
               <a:latin typeface="Calibri" charset="0"/>
               <a:ea typeface="Calibri" charset="0"/>
               <a:cs typeface="Calibri" charset="0"/>
@@ -9277,8 +9732,8 @@
         </p:nvSpPr>
         <p:spPr>
           <a:xfrm>
-            <a:off x="0" y="0"/>
-            <a:ext cx="9144000" cy="857250"/>
+            <a:off x="457200" y="0"/>
+            <a:ext cx="8229600" cy="857250"/>
           </a:xfrm>
         </p:spPr>
         <p:txBody>
@@ -9286,74 +9741,14 @@
           <a:lstStyle/>
           <a:p>
             <a:r>
-              <a:rPr lang="en-US" sz="3200" dirty="0">
+              <a:rPr lang="en-US" sz="3600" dirty="0">
                 <a:solidFill>
                   <a:srgbClr val="0070C0"/>
                 </a:solidFill>
                 <a:latin typeface="Calibri Light" panose="020F0302020204030204" pitchFamily="34" charset="0"/>
                 <a:cs typeface="Calibri Light" panose="020F0302020204030204" pitchFamily="34" charset="0"/>
               </a:rPr>
-              <a:t>draft-</a:t>
-            </a:r>
-            <a:r>
-              <a:rPr lang="en-US" sz="3200" dirty="0" err="1">
-                <a:solidFill>
-                  <a:srgbClr val="0070C0"/>
-                </a:solidFill>
-                <a:latin typeface="Calibri Light" panose="020F0302020204030204" pitchFamily="34" charset="0"/>
-                <a:cs typeface="Calibri Light" panose="020F0302020204030204" pitchFamily="34" charset="0"/>
-              </a:rPr>
-              <a:t>gandhi</a:t>
-            </a:r>
-            <a:r>
-              <a:rPr lang="en-US" sz="3200" dirty="0">
-                <a:solidFill>
-                  <a:srgbClr val="0070C0"/>
-                </a:solidFill>
-                <a:latin typeface="Calibri Light" panose="020F0302020204030204" pitchFamily="34" charset="0"/>
-                <a:cs typeface="Calibri Light" panose="020F0302020204030204" pitchFamily="34" charset="0"/>
-              </a:rPr>
-              <a:t>-spring-</a:t>
-            </a:r>
-            <a:r>
-              <a:rPr lang="en-US" sz="3200" dirty="0" err="1">
-                <a:solidFill>
-                  <a:srgbClr val="0070C0"/>
-                </a:solidFill>
-                <a:latin typeface="Calibri Light" panose="020F0302020204030204" pitchFamily="34" charset="0"/>
-                <a:cs typeface="Calibri Light" panose="020F0302020204030204" pitchFamily="34" charset="0"/>
-              </a:rPr>
-              <a:t>twamp</a:t>
-            </a:r>
-            <a:r>
-              <a:rPr lang="en-US" sz="3200" dirty="0">
-                <a:solidFill>
-                  <a:srgbClr val="0070C0"/>
-                </a:solidFill>
-                <a:latin typeface="Calibri Light" panose="020F0302020204030204" pitchFamily="34" charset="0"/>
-                <a:cs typeface="Calibri Light" panose="020F0302020204030204" pitchFamily="34" charset="0"/>
-              </a:rPr>
-              <a:t>-</a:t>
-            </a:r>
-            <a:r>
-              <a:rPr lang="en-US" sz="3200" dirty="0" err="1">
-                <a:solidFill>
-                  <a:srgbClr val="0070C0"/>
-                </a:solidFill>
-                <a:latin typeface="Calibri Light" panose="020F0302020204030204" pitchFamily="34" charset="0"/>
-                <a:cs typeface="Calibri Light" panose="020F0302020204030204" pitchFamily="34" charset="0"/>
-              </a:rPr>
-              <a:t>srpm</a:t>
-            </a:r>
-            <a:r>
-              <a:rPr lang="en-US" sz="3200" dirty="0">
-                <a:solidFill>
-                  <a:srgbClr val="0070C0"/>
-                </a:solidFill>
-                <a:latin typeface="Calibri Light" panose="020F0302020204030204" pitchFamily="34" charset="0"/>
-                <a:cs typeface="Calibri Light" panose="020F0302020204030204" pitchFamily="34" charset="0"/>
-              </a:rPr>
-              <a:t> - Review Comments</a:t>
+              <a:t>Next Steps</a:t>
             </a:r>
           </a:p>
         </p:txBody>
@@ -9370,156 +9765,44 @@
         </p:nvSpPr>
         <p:spPr>
           <a:xfrm>
-            <a:off x="685800" y="857249"/>
-            <a:ext cx="7772400" cy="3642891"/>
+            <a:off x="685800" y="1123950"/>
+            <a:ext cx="8001000" cy="2514599"/>
           </a:xfrm>
         </p:spPr>
         <p:txBody>
           <a:bodyPr/>
           <a:lstStyle/>
           <a:p>
-            <a:pPr>
-              <a:buFont typeface="+mj-lt"/>
-              <a:buAutoNum type="arabicPeriod"/>
-            </a:pPr>
-            <a:r>
-              <a:rPr lang="en-US" sz="1200" dirty="0"/>
-              <a:t>Destination UDP port used has zero UDP checksum with IPv6 header</a:t>
-            </a:r>
-          </a:p>
-          <a:p>
-            <a:pPr lvl="1"/>
-            <a:r>
-              <a:rPr lang="en-US" sz="1200" dirty="0">
+            <a:pPr lvl="0"/>
+            <a:r>
+              <a:rPr lang="en-US" sz="2400" dirty="0">
                 <a:latin typeface="Calibri" charset="0"/>
                 <a:ea typeface="Calibri" charset="0"/>
                 <a:cs typeface="Calibri" charset="0"/>
               </a:rPr>
-              <a:t>Add Reference for </a:t>
-            </a:r>
-            <a:r>
-              <a:rPr lang="en-CA" sz="1200" dirty="0"/>
-              <a:t>RFC 6936 in Security Section</a:t>
-            </a:r>
-            <a:endParaRPr lang="en-US" sz="1200" dirty="0">
+              <a:t>Welcome your comments and suggestions</a:t>
+            </a:r>
+          </a:p>
+          <a:p>
+            <a:r>
+              <a:rPr lang="en-US" sz="2400" dirty="0"/>
+              <a:t>In IPPM </a:t>
+            </a:r>
+            <a:r>
+              <a:rPr lang="en-US" sz="2400" dirty="0">
+                <a:latin typeface="Calibri" charset="0"/>
+                <a:ea typeface="Calibri" charset="0"/>
+                <a:cs typeface="Calibri" charset="0"/>
+              </a:rPr>
+              <a:t>WG adoption poll</a:t>
+            </a:r>
+          </a:p>
+          <a:p>
+            <a:endParaRPr lang="en-US" sz="2400" dirty="0">
               <a:latin typeface="Calibri" charset="0"/>
               <a:ea typeface="Calibri" charset="0"/>
               <a:cs typeface="Calibri" charset="0"/>
             </a:endParaRPr>
-          </a:p>
-          <a:p>
-            <a:pPr>
-              <a:buFont typeface="+mj-lt"/>
-              <a:buAutoNum type="arabicPeriod"/>
-            </a:pPr>
-            <a:r>
-              <a:rPr lang="en-US" sz="1200" dirty="0"/>
-              <a:t>Add references for well-known terms “Link”, “SR Path”, and “Congruent paths”</a:t>
-            </a:r>
-          </a:p>
-          <a:p>
-            <a:pPr>
-              <a:buFont typeface="+mj-lt"/>
-              <a:buAutoNum type="arabicPeriod"/>
-            </a:pPr>
-            <a:r>
-              <a:rPr lang="en-US" sz="1200" dirty="0">
-                <a:latin typeface="Calibri" charset="0"/>
-                <a:ea typeface="Calibri" charset="0"/>
-                <a:cs typeface="Calibri" charset="0"/>
-              </a:rPr>
-              <a:t>Add reference for Yang data model draft in provisioning model section</a:t>
-            </a:r>
-          </a:p>
-          <a:p>
-            <a:pPr>
-              <a:buFont typeface="+mj-lt"/>
-              <a:buAutoNum type="arabicPeriod"/>
-            </a:pPr>
-            <a:r>
-              <a:rPr lang="en-US" sz="1200" dirty="0"/>
-              <a:t>Liveness is to compute “connection loss” performance metric </a:t>
-            </a:r>
-          </a:p>
-          <a:p>
-            <a:pPr lvl="1"/>
-            <a:r>
-              <a:rPr lang="en-US" sz="1200" dirty="0"/>
-              <a:t>Similar to the widely deployed synthetic packet loss metric</a:t>
-            </a:r>
-            <a:endParaRPr lang="en-US" sz="1200" dirty="0">
-              <a:latin typeface="Calibri" charset="0"/>
-              <a:ea typeface="Calibri" charset="0"/>
-              <a:cs typeface="Calibri" charset="0"/>
-            </a:endParaRPr>
-          </a:p>
-          <a:p>
-            <a:pPr>
-              <a:buFont typeface="+mj-lt"/>
-              <a:buAutoNum type="arabicPeriod"/>
-            </a:pPr>
-            <a:r>
-              <a:rPr lang="en-US" sz="1200" dirty="0"/>
-              <a:t>Editorial</a:t>
-            </a:r>
-          </a:p>
-          <a:p>
-            <a:pPr lvl="1"/>
-            <a:r>
-              <a:rPr lang="en-US" sz="1200" dirty="0">
-                <a:solidFill>
-                  <a:srgbClr val="002060"/>
-                </a:solidFill>
-              </a:rPr>
-              <a:t>Control-channel signaling -&gt; TWAMP-control protocol</a:t>
-            </a:r>
-          </a:p>
-          <a:p>
-            <a:pPr lvl="1"/>
-            <a:r>
-              <a:rPr lang="en-US" sz="1200" dirty="0"/>
-              <a:t>Indicate packet loss is direct-mode loss </a:t>
-            </a:r>
-          </a:p>
-          <a:p>
-            <a:pPr lvl="1"/>
-            <a:r>
-              <a:rPr lang="en-US" sz="1200" dirty="0"/>
-              <a:t>Use test packet term for query message </a:t>
-            </a:r>
-          </a:p>
-          <a:p>
-            <a:pPr lvl="1"/>
-            <a:r>
-              <a:rPr lang="en-US" sz="1200" dirty="0"/>
-              <a:t>H/W timestamps required -&gt; H/W timestamps recommended </a:t>
-            </a:r>
-          </a:p>
-          <a:p>
-            <a:pPr lvl="1"/>
-            <a:r>
-              <a:rPr lang="en-CA" sz="1200" dirty="0"/>
-              <a:t>IPv6 address ::1/128 or ::FFFF:127/104</a:t>
-            </a:r>
-          </a:p>
-          <a:p>
-            <a:pPr lvl="1"/>
-            <a:r>
-              <a:rPr lang="en-CA" sz="1200" dirty="0"/>
-              <a:t>Clarify - Section 4.1.4.2 and 4.2.2.2 depict the packet format with word “as needed” for inner IP Header</a:t>
-            </a:r>
-          </a:p>
-          <a:p>
-            <a:pPr lvl="1"/>
-            <a:r>
-              <a:rPr lang="en-CA" sz="1200" dirty="0"/>
-              <a:t>Different UDP destination port when running authenticated and unauthenticated sessions simultaneously</a:t>
-            </a:r>
-            <a:endParaRPr lang="en-US" sz="1200" dirty="0"/>
-          </a:p>
-          <a:p>
-            <a:pPr lvl="1"/>
-            <a:endParaRPr lang="en-US" sz="1200" dirty="0"/>
           </a:p>
         </p:txBody>
       </p:sp>
@@ -9590,7 +9873,7 @@
     </p:spTree>
     <p:extLst>
       <p:ext uri="{BB962C8B-B14F-4D97-AF65-F5344CB8AC3E}">
-        <p14:creationId xmlns:p14="http://schemas.microsoft.com/office/powerpoint/2010/main" val="216111752"/>
+        <p14:creationId xmlns:p14="http://schemas.microsoft.com/office/powerpoint/2010/main" val="2309160477"/>
       </p:ext>
     </p:extLst>
   </p:cSld>
